--- a/Digital Table service.pptx
+++ b/Digital Table service.pptx
@@ -15,6 +15,7 @@
     <p:sldId id="263" r:id="rId9"/>
     <p:sldId id="264" r:id="rId10"/>
     <p:sldId id="265" r:id="rId11"/>
+    <p:sldId id="266" r:id="rId12"/>
   </p:sldIdLst>
   <p:sldSz cx="9144000" cy="6858000" type="screen4x3"/>
   <p:notesSz cx="6858000" cy="9144000"/>
@@ -251,7 +252,7 @@
             <a:fld id="{1D8BD707-D9CF-40AE-B4C6-C98DA3205C09}" type="datetimeFigureOut">
               <a:rPr lang="en-US" smtClean="0"/>
               <a:pPr/>
-              <a:t>6/26/2019</a:t>
+              <a:t>6/27/2019</a:t>
             </a:fld>
             <a:endParaRPr lang="en-US"/>
           </a:p>
@@ -573,7 +574,7 @@
             <a:fld id="{1D8BD707-D9CF-40AE-B4C6-C98DA3205C09}" type="datetimeFigureOut">
               <a:rPr lang="en-US" smtClean="0"/>
               <a:pPr/>
-              <a:t>6/26/2019</a:t>
+              <a:t>6/27/2019</a:t>
             </a:fld>
             <a:endParaRPr lang="en-US"/>
           </a:p>
@@ -767,7 +768,7 @@
             <a:fld id="{1D8BD707-D9CF-40AE-B4C6-C98DA3205C09}" type="datetimeFigureOut">
               <a:rPr lang="en-US" smtClean="0"/>
               <a:pPr/>
-              <a:t>6/26/2019</a:t>
+              <a:t>6/27/2019</a:t>
             </a:fld>
             <a:endParaRPr lang="en-US"/>
           </a:p>
@@ -951,7 +952,7 @@
             <a:fld id="{1D8BD707-D9CF-40AE-B4C6-C98DA3205C09}" type="datetimeFigureOut">
               <a:rPr lang="en-US" smtClean="0"/>
               <a:pPr/>
-              <a:t>6/26/2019</a:t>
+              <a:t>6/27/2019</a:t>
             </a:fld>
             <a:endParaRPr lang="en-US"/>
           </a:p>
@@ -1228,7 +1229,7 @@
             <a:fld id="{1D8BD707-D9CF-40AE-B4C6-C98DA3205C09}" type="datetimeFigureOut">
               <a:rPr lang="en-US" smtClean="0"/>
               <a:pPr/>
-              <a:t>6/26/2019</a:t>
+              <a:t>6/27/2019</a:t>
             </a:fld>
             <a:endParaRPr lang="en-US"/>
           </a:p>
@@ -1705,7 +1706,7 @@
             <a:fld id="{1D8BD707-D9CF-40AE-B4C6-C98DA3205C09}" type="datetimeFigureOut">
               <a:rPr lang="en-US" smtClean="0"/>
               <a:pPr/>
-              <a:t>6/26/2019</a:t>
+              <a:t>6/27/2019</a:t>
             </a:fld>
             <a:endParaRPr lang="en-US"/>
           </a:p>
@@ -2203,7 +2204,7 @@
             <a:fld id="{1D8BD707-D9CF-40AE-B4C6-C98DA3205C09}" type="datetimeFigureOut">
               <a:rPr lang="en-US" smtClean="0"/>
               <a:pPr/>
-              <a:t>6/26/2019</a:t>
+              <a:t>6/27/2019</a:t>
             </a:fld>
             <a:endParaRPr lang="en-US"/>
           </a:p>
@@ -2338,7 +2339,7 @@
             <a:fld id="{1D8BD707-D9CF-40AE-B4C6-C98DA3205C09}" type="datetimeFigureOut">
               <a:rPr lang="en-US" smtClean="0"/>
               <a:pPr/>
-              <a:t>6/26/2019</a:t>
+              <a:t>6/27/2019</a:t>
             </a:fld>
             <a:endParaRPr lang="en-US"/>
           </a:p>
@@ -2491,7 +2492,7 @@
             <a:fld id="{1D8BD707-D9CF-40AE-B4C6-C98DA3205C09}" type="datetimeFigureOut">
               <a:rPr lang="en-US" smtClean="0"/>
               <a:pPr/>
-              <a:t>6/26/2019</a:t>
+              <a:t>6/27/2019</a:t>
             </a:fld>
             <a:endParaRPr lang="en-US"/>
           </a:p>
@@ -2822,7 +2823,7 @@
             <a:fld id="{1D8BD707-D9CF-40AE-B4C6-C98DA3205C09}" type="datetimeFigureOut">
               <a:rPr lang="en-US" smtClean="0"/>
               <a:pPr/>
-              <a:t>6/26/2019</a:t>
+              <a:t>6/27/2019</a:t>
             </a:fld>
             <a:endParaRPr lang="en-US"/>
           </a:p>
@@ -2965,7 +2966,7 @@
             <a:fld id="{1D8BD707-D9CF-40AE-B4C6-C98DA3205C09}" type="datetimeFigureOut">
               <a:rPr lang="en-US" smtClean="0"/>
               <a:pPr/>
-              <a:t>6/26/2019</a:t>
+              <a:t>6/27/2019</a:t>
             </a:fld>
             <a:endParaRPr lang="en-US"/>
           </a:p>
@@ -3755,7 +3756,7 @@
             <a:fld id="{1D8BD707-D9CF-40AE-B4C6-C98DA3205C09}" type="datetimeFigureOut">
               <a:rPr lang="en-US" smtClean="0"/>
               <a:pPr/>
-              <a:t>6/26/2019</a:t>
+              <a:t>6/27/2019</a:t>
             </a:fld>
             <a:endParaRPr lang="en-US"/>
           </a:p>
@@ -4310,6 +4311,110 @@
           <a:bodyPr/>
           <a:lstStyle/>
           <a:p>
+            <a:pPr algn="ctr"/>
+            <a:r>
+              <a:rPr lang="en-IN" dirty="0" err="1" smtClean="0"/>
+              <a:t>Mayuri</a:t>
+            </a:r>
+            <a:r>
+              <a:rPr lang="en-IN" dirty="0" smtClean="0"/>
+              <a:t> </a:t>
+            </a:r>
+          </a:p>
+          <a:p>
+            <a:pPr algn="ctr"/>
+            <a:r>
+              <a:rPr lang="en-IN" dirty="0" err="1" smtClean="0"/>
+              <a:t>Pooja</a:t>
+            </a:r>
+            <a:r>
+              <a:rPr lang="en-IN" dirty="0" smtClean="0"/>
+              <a:t> </a:t>
+            </a:r>
+            <a:r>
+              <a:rPr lang="en-IN" dirty="0" err="1" smtClean="0"/>
+              <a:t>shimpi</a:t>
+            </a:r>
+            <a:endParaRPr lang="en-IN" dirty="0" smtClean="0"/>
+          </a:p>
+          <a:p>
+            <a:pPr algn="ctr"/>
+            <a:r>
+              <a:rPr lang="en-IN" dirty="0" err="1" smtClean="0"/>
+              <a:t>Pratibha</a:t>
+            </a:r>
+            <a:r>
+              <a:rPr lang="en-IN" dirty="0" smtClean="0"/>
+              <a:t> </a:t>
+            </a:r>
+            <a:r>
+              <a:rPr lang="en-IN" dirty="0" err="1" smtClean="0"/>
+              <a:t>karande</a:t>
+            </a:r>
+            <a:endParaRPr lang="en-IN" dirty="0" smtClean="0"/>
+          </a:p>
+          <a:p>
+            <a:pPr algn="ctr"/>
+            <a:r>
+              <a:rPr lang="en-IN" dirty="0" err="1" smtClean="0"/>
+              <a:t>Pravin</a:t>
+            </a:r>
+            <a:r>
+              <a:rPr lang="en-IN" dirty="0" smtClean="0"/>
+              <a:t> </a:t>
+            </a:r>
+            <a:r>
+              <a:rPr lang="en-IN" dirty="0" err="1" smtClean="0"/>
+              <a:t>panchal</a:t>
+            </a:r>
+            <a:endParaRPr lang="en-IN" dirty="0" smtClean="0"/>
+          </a:p>
+          <a:p>
+            <a:pPr algn="ctr"/>
+            <a:r>
+              <a:rPr lang="en-IN" dirty="0" err="1" smtClean="0"/>
+              <a:t>Pappu</a:t>
+            </a:r>
+            <a:r>
+              <a:rPr lang="en-IN" dirty="0" smtClean="0"/>
+              <a:t> </a:t>
+            </a:r>
+            <a:r>
+              <a:rPr lang="en-IN" dirty="0" err="1" smtClean="0"/>
+              <a:t>kabgate</a:t>
+            </a:r>
+            <a:endParaRPr lang="en-IN" dirty="0" smtClean="0"/>
+          </a:p>
+          <a:p>
+            <a:pPr algn="ctr"/>
+            <a:r>
+              <a:rPr lang="en-IN" dirty="0" err="1" smtClean="0"/>
+              <a:t>Dakshata</a:t>
+            </a:r>
+            <a:r>
+              <a:rPr lang="en-IN" dirty="0" smtClean="0"/>
+              <a:t> </a:t>
+            </a:r>
+            <a:r>
+              <a:rPr lang="en-IN" dirty="0" err="1" smtClean="0"/>
+              <a:t>mhatre</a:t>
+            </a:r>
+            <a:endParaRPr lang="en-IN" dirty="0" smtClean="0"/>
+          </a:p>
+          <a:p>
+            <a:pPr algn="ctr"/>
+            <a:r>
+              <a:rPr lang="en-IN" dirty="0" err="1" smtClean="0"/>
+              <a:t>Rutuja</a:t>
+            </a:r>
+            <a:r>
+              <a:rPr lang="en-IN" dirty="0" smtClean="0"/>
+              <a:t> </a:t>
+            </a:r>
+            <a:r>
+              <a:rPr lang="en-IN" dirty="0" err="1" smtClean="0"/>
+              <a:t>gaikwad</a:t>
+            </a:r>
             <a:endParaRPr lang="en-IN" dirty="0"/>
           </a:p>
         </p:txBody>
@@ -4435,6 +4540,74 @@
 </p:sld>
 </file>
 
+<file path=ppt/slides/slide11.xml><?xml version="1.0" encoding="utf-8"?>
+<p:sld xmlns:a="http://schemas.openxmlformats.org/drawingml/2006/main" xmlns:r="http://schemas.openxmlformats.org/officeDocument/2006/relationships" xmlns:p="http://schemas.openxmlformats.org/presentationml/2006/main">
+  <p:cSld>
+    <p:spTree>
+      <p:nvGrpSpPr>
+        <p:cNvPr id="1" name=""/>
+        <p:cNvGrpSpPr/>
+        <p:nvPr/>
+      </p:nvGrpSpPr>
+      <p:grpSpPr>
+        <a:xfrm>
+          <a:off x="0" y="0"/>
+          <a:ext cx="0" cy="0"/>
+          <a:chOff x="0" y="0"/>
+          <a:chExt cx="0" cy="0"/>
+        </a:xfrm>
+      </p:grpSpPr>
+      <p:sp>
+        <p:nvSpPr>
+          <p:cNvPr id="2" name="Title 1"/>
+          <p:cNvSpPr>
+            <a:spLocks noGrp="1"/>
+          </p:cNvSpPr>
+          <p:nvPr>
+            <p:ph type="title"/>
+          </p:nvPr>
+        </p:nvSpPr>
+        <p:spPr/>
+        <p:txBody>
+          <a:bodyPr/>
+          <a:lstStyle/>
+          <a:p>
+            <a:endParaRPr lang="en-IN"/>
+          </a:p>
+        </p:txBody>
+      </p:sp>
+      <p:sp>
+        <p:nvSpPr>
+          <p:cNvPr id="3" name="Content Placeholder 2"/>
+          <p:cNvSpPr>
+            <a:spLocks noGrp="1"/>
+          </p:cNvSpPr>
+          <p:nvPr>
+            <p:ph idx="1"/>
+          </p:nvPr>
+        </p:nvSpPr>
+        <p:spPr/>
+        <p:txBody>
+          <a:bodyPr/>
+          <a:lstStyle/>
+          <a:p>
+            <a:endParaRPr lang="en-IN"/>
+          </a:p>
+        </p:txBody>
+      </p:sp>
+    </p:spTree>
+    <p:extLst>
+      <p:ext uri="{BB962C8B-B14F-4D97-AF65-F5344CB8AC3E}">
+        <p14:creationId xmlns:p14="http://schemas.microsoft.com/office/powerpoint/2010/main" val="2444179888"/>
+      </p:ext>
+    </p:extLst>
+  </p:cSld>
+  <p:clrMapOvr>
+    <a:masterClrMapping/>
+  </p:clrMapOvr>
+</p:sld>
+</file>
+
 <file path=ppt/slides/slide2.xml><?xml version="1.0" encoding="utf-8"?>
 <p:sld xmlns:a="http://schemas.openxmlformats.org/drawingml/2006/main" xmlns:r="http://schemas.openxmlformats.org/officeDocument/2006/relationships" xmlns:p="http://schemas.openxmlformats.org/presentationml/2006/main">
   <p:cSld>
@@ -5247,18 +5420,12 @@
           <a:lstStyle/>
           <a:p>
             <a:r>
-              <a:rPr lang="en-US" dirty="0">
-                <a:effectLst/>
-              </a:rPr>
-              <a:t>Customers History</a:t>
-            </a:r>
-            <a:r>
               <a:rPr lang="en-US" b="1" dirty="0">
                 <a:effectLst/>
               </a:rPr>
-              <a:t> </a:t>
-            </a:r>
-            <a:endParaRPr lang="en-IN" dirty="0"/>
+              <a:t>Customers History </a:t>
+            </a:r>
+            <a:endParaRPr lang="en-IN" b="1" dirty="0"/>
           </a:p>
         </p:txBody>
       </p:sp>

--- a/Digital Table service.pptx
+++ b/Digital Table service.pptx
@@ -2,20 +2,15 @@
 <file path=ppt/presentation.xml><?xml version="1.0" encoding="utf-8"?>
 <p:presentation xmlns:a="http://schemas.openxmlformats.org/drawingml/2006/main" xmlns:r="http://schemas.openxmlformats.org/officeDocument/2006/relationships" xmlns:p="http://schemas.openxmlformats.org/presentationml/2006/main" saveSubsetFonts="1">
   <p:sldMasterIdLst>
-    <p:sldMasterId id="2147483672" r:id="rId1"/>
+    <p:sldMasterId id="2147483744" r:id="rId1"/>
   </p:sldMasterIdLst>
   <p:sldIdLst>
     <p:sldId id="256" r:id="rId2"/>
     <p:sldId id="257" r:id="rId3"/>
-    <p:sldId id="258" r:id="rId4"/>
-    <p:sldId id="259" r:id="rId5"/>
-    <p:sldId id="260" r:id="rId6"/>
-    <p:sldId id="261" r:id="rId7"/>
-    <p:sldId id="262" r:id="rId8"/>
-    <p:sldId id="263" r:id="rId9"/>
-    <p:sldId id="264" r:id="rId10"/>
-    <p:sldId id="265" r:id="rId11"/>
-    <p:sldId id="266" r:id="rId12"/>
+    <p:sldId id="268" r:id="rId4"/>
+    <p:sldId id="269" r:id="rId5"/>
+    <p:sldId id="267" r:id="rId6"/>
+    <p:sldId id="266" r:id="rId7"/>
   </p:sldIdLst>
   <p:sldSz cx="9144000" cy="6858000" type="screen4x3"/>
   <p:notesSz cx="6858000" cy="9144000"/>
@@ -120,6 +115,11 @@
 <file path=ppt/slideLayouts/slideLayout1.xml><?xml version="1.0" encoding="utf-8"?>
 <p:sldLayout xmlns:a="http://schemas.openxmlformats.org/drawingml/2006/main" xmlns:r="http://schemas.openxmlformats.org/officeDocument/2006/relationships" xmlns:p="http://schemas.openxmlformats.org/presentationml/2006/main" type="title" preserve="1">
   <p:cSld name="Title Slide">
+    <p:bg>
+      <p:bgRef idx="1002">
+        <a:schemeClr val="bg2"/>
+      </p:bgRef>
+    </p:bg>
     <p:spTree>
       <p:nvGrpSpPr>
         <p:cNvPr id="1" name=""/>
@@ -136,7 +136,7 @@
       </p:grpSpPr>
       <p:sp>
         <p:nvSpPr>
-          <p:cNvPr id="14" name="Title 13"/>
+          <p:cNvPr id="9" name="Title 8"/>
           <p:cNvSpPr>
             <a:spLocks noGrp="1"/>
           </p:cNvSpPr>
@@ -146,54 +146,91 @@
         </p:nvSpPr>
         <p:spPr>
           <a:xfrm>
-            <a:off x="1432560" y="359898"/>
-            <a:ext cx="7406640" cy="1472184"/>
+            <a:off x="533400" y="1371600"/>
+            <a:ext cx="7851648" cy="1828800"/>
+          </a:xfrm>
+          <a:ln>
+            <a:noFill/>
+          </a:ln>
+        </p:spPr>
+        <p:txBody>
+          <a:bodyPr vert="horz" tIns="0" rIns="18288" bIns="0" anchor="b">
+            <a:normAutofit/>
+            <a:scene3d>
+              <a:camera prst="orthographicFront"/>
+              <a:lightRig rig="freezing" dir="t">
+                <a:rot lat="0" lon="0" rev="5640000"/>
+              </a:lightRig>
+            </a:scene3d>
+            <a:sp3d prstMaterial="flat">
+              <a:bevelT w="38100" h="38100"/>
+              <a:contourClr>
+                <a:schemeClr val="tx2"/>
+              </a:contourClr>
+            </a:sp3d>
+          </a:bodyPr>
+          <a:lstStyle>
+            <a:lvl1pPr algn="r" rtl="0">
+              <a:spcBef>
+                <a:spcPct val="0"/>
+              </a:spcBef>
+              <a:buNone/>
+              <a:defRPr sz="5600" b="1">
+                <a:ln>
+                  <a:noFill/>
+                </a:ln>
+                <a:solidFill>
+                  <a:schemeClr val="accent3">
+                    <a:tint val="90000"/>
+                    <a:satMod val="120000"/>
+                  </a:schemeClr>
+                </a:solidFill>
+                <a:effectLst>
+                  <a:outerShdw blurRad="38100" dist="25400" dir="5400000" algn="tl" rotWithShape="0">
+                    <a:srgbClr val="000000">
+                      <a:alpha val="43000"/>
+                    </a:srgbClr>
+                  </a:outerShdw>
+                </a:effectLst>
+                <a:latin typeface="+mj-lt"/>
+                <a:ea typeface="+mj-ea"/>
+                <a:cs typeface="+mj-cs"/>
+              </a:defRPr>
+            </a:lvl1pPr>
+          </a:lstStyle>
+          <a:p>
+            <a:r>
+              <a:rPr kumimoji="0" lang="en-US" smtClean="0"/>
+              <a:t>Click to edit Master title style</a:t>
+            </a:r>
+            <a:endParaRPr kumimoji="0" lang="en-US"/>
+          </a:p>
+        </p:txBody>
+      </p:sp>
+      <p:sp>
+        <p:nvSpPr>
+          <p:cNvPr id="17" name="Subtitle 16"/>
+          <p:cNvSpPr>
+            <a:spLocks noGrp="1"/>
+          </p:cNvSpPr>
+          <p:nvPr>
+            <p:ph type="subTitle" idx="1"/>
+          </p:nvPr>
+        </p:nvSpPr>
+        <p:spPr>
+          <a:xfrm>
+            <a:off x="533400" y="3228536"/>
+            <a:ext cx="7854696" cy="1752600"/>
           </a:xfrm>
         </p:spPr>
         <p:txBody>
-          <a:bodyPr anchor="b"/>
+          <a:bodyPr lIns="0" rIns="18288"/>
           <a:lstStyle>
-            <a:lvl1pPr algn="l">
-              <a:defRPr/>
-            </a:lvl1pPr>
-            <a:extLst/>
-          </a:lstStyle>
-          <a:p>
-            <a:r>
-              <a:rPr kumimoji="0" lang="en-US" smtClean="0"/>
-              <a:t>Click to edit Master title style</a:t>
-            </a:r>
-            <a:endParaRPr kumimoji="0" lang="en-US"/>
-          </a:p>
-        </p:txBody>
-      </p:sp>
-      <p:sp>
-        <p:nvSpPr>
-          <p:cNvPr id="22" name="Subtitle 21"/>
-          <p:cNvSpPr>
-            <a:spLocks noGrp="1"/>
-          </p:cNvSpPr>
-          <p:nvPr>
-            <p:ph type="subTitle" idx="1"/>
-          </p:nvPr>
-        </p:nvSpPr>
-        <p:spPr>
-          <a:xfrm>
-            <a:off x="1432560" y="1850064"/>
-            <a:ext cx="7406640" cy="1752600"/>
-          </a:xfrm>
-        </p:spPr>
-        <p:txBody>
-          <a:bodyPr tIns="0"/>
-          <a:lstStyle>
-            <a:lvl1pPr marL="27432" indent="0" algn="l">
+            <a:lvl1pPr marL="0" marR="45720" indent="0" algn="r">
               <a:buNone/>
-              <a:defRPr sz="2600">
+              <a:defRPr>
                 <a:solidFill>
-                  <a:schemeClr val="tx2">
-                    <a:shade val="30000"/>
-                    <a:satMod val="150000"/>
-                  </a:schemeClr>
+                  <a:schemeClr val="tx1"/>
                 </a:solidFill>
               </a:defRPr>
             </a:lvl1pPr>
@@ -221,7 +258,6 @@
             <a:lvl9pPr marL="3657600" indent="0" algn="ctr">
               <a:buNone/>
             </a:lvl9pPr>
-            <a:extLst/>
           </a:lstStyle>
           <a:p>
             <a:r>
@@ -234,7 +270,7 @@
       </p:sp>
       <p:sp>
         <p:nvSpPr>
-          <p:cNvPr id="7" name="Date Placeholder 6"/>
+          <p:cNvPr id="30" name="Date Placeholder 29"/>
           <p:cNvSpPr>
             <a:spLocks noGrp="1"/>
           </p:cNvSpPr>
@@ -245,9 +281,7 @@
         <p:spPr/>
         <p:txBody>
           <a:bodyPr/>
-          <a:lstStyle>
-            <a:extLst/>
-          </a:lstStyle>
+          <a:lstStyle/>
           <a:p>
             <a:fld id="{1D8BD707-D9CF-40AE-B4C6-C98DA3205C09}" type="datetimeFigureOut">
               <a:rPr lang="en-US" smtClean="0"/>
@@ -260,7 +294,7 @@
       </p:sp>
       <p:sp>
         <p:nvSpPr>
-          <p:cNvPr id="20" name="Footer Placeholder 19"/>
+          <p:cNvPr id="19" name="Footer Placeholder 18"/>
           <p:cNvSpPr>
             <a:spLocks noGrp="1"/>
           </p:cNvSpPr>
@@ -271,9 +305,7 @@
         <p:spPr/>
         <p:txBody>
           <a:bodyPr/>
-          <a:lstStyle>
-            <a:extLst/>
-          </a:lstStyle>
+          <a:lstStyle/>
           <a:p>
             <a:endParaRPr lang="en-US"/>
           </a:p>
@@ -281,7 +313,7 @@
       </p:sp>
       <p:sp>
         <p:nvSpPr>
-          <p:cNvPr id="10" name="Slide Number Placeholder 9"/>
+          <p:cNvPr id="27" name="Slide Number Placeholder 26"/>
           <p:cNvSpPr>
             <a:spLocks noGrp="1"/>
           </p:cNvSpPr>
@@ -292,9 +324,7 @@
         <p:spPr/>
         <p:txBody>
           <a:bodyPr/>
-          <a:lstStyle>
-            <a:extLst/>
-          </a:lstStyle>
+          <a:lstStyle/>
           <a:p>
             <a:fld id="{B6F15528-21DE-4FAA-801E-634DDDAF4B2B}" type="slidenum">
               <a:rPr lang="en-US" smtClean="0"/>
@@ -305,156 +335,11 @@
           </a:p>
         </p:txBody>
       </p:sp>
-      <p:sp>
-        <p:nvSpPr>
-          <p:cNvPr id="8" name="Oval 7"/>
-          <p:cNvSpPr/>
-          <p:nvPr/>
-        </p:nvSpPr>
-        <p:spPr>
-          <a:xfrm>
-            <a:off x="921433" y="1413802"/>
-            <a:ext cx="210312" cy="210312"/>
-          </a:xfrm>
-          <a:prstGeom prst="ellipse">
-            <a:avLst/>
-          </a:prstGeom>
-          <a:gradFill rotWithShape="1">
-            <a:gsLst>
-              <a:gs pos="0">
-                <a:schemeClr val="accent1">
-                  <a:tint val="20000"/>
-                  <a:satMod val="450000"/>
-                  <a:alpha val="95000"/>
-                </a:schemeClr>
-              </a:gs>
-              <a:gs pos="50000">
-                <a:schemeClr val="accent1">
-                  <a:tint val="38000"/>
-                  <a:satMod val="250000"/>
-                  <a:alpha val="90000"/>
-                </a:schemeClr>
-              </a:gs>
-              <a:gs pos="95000">
-                <a:schemeClr val="accent1">
-                  <a:tint val="75000"/>
-                  <a:satMod val="255000"/>
-                  <a:alpha val="88000"/>
-                </a:schemeClr>
-              </a:gs>
-              <a:gs pos="100000">
-                <a:schemeClr val="accent1">
-                  <a:tint val="100000"/>
-                  <a:shade val="90000"/>
-                  <a:satMod val="255000"/>
-                  <a:alpha val="85000"/>
-                </a:schemeClr>
-              </a:gs>
-            </a:gsLst>
-            <a:path path="circle">
-              <a:fillToRect l="25000" t="12500" r="75000" b="87500"/>
-            </a:path>
-          </a:gradFill>
-          <a:ln w="2000" cap="rnd" cmpd="sng" algn="ctr">
-            <a:solidFill>
-              <a:schemeClr val="accent1">
-                <a:shade val="90000"/>
-                <a:satMod val="110000"/>
-                <a:alpha val="60000"/>
-              </a:schemeClr>
-            </a:solidFill>
-            <a:prstDash val="solid"/>
-          </a:ln>
-          <a:effectLst/>
-        </p:spPr>
-        <p:style>
-          <a:lnRef idx="1">
-            <a:schemeClr val="accent1"/>
-          </a:lnRef>
-          <a:fillRef idx="2">
-            <a:schemeClr val="accent1"/>
-          </a:fillRef>
-          <a:effectRef idx="1">
-            <a:schemeClr val="accent1"/>
-          </a:effectRef>
-          <a:fontRef idx="minor">
-            <a:schemeClr val="dk1"/>
-          </a:fontRef>
-        </p:style>
-        <p:txBody>
-          <a:bodyPr anchor="ctr"/>
-          <a:lstStyle>
-            <a:extLst/>
-          </a:lstStyle>
-          <a:p>
-            <a:pPr algn="ctr" eaLnBrk="1" latinLnBrk="0" hangingPunct="1"/>
-            <a:endParaRPr kumimoji="0" lang="en-US"/>
-          </a:p>
-        </p:txBody>
-      </p:sp>
-      <p:sp>
-        <p:nvSpPr>
-          <p:cNvPr id="9" name="Oval 8"/>
-          <p:cNvSpPr/>
-          <p:nvPr/>
-        </p:nvSpPr>
-        <p:spPr>
-          <a:xfrm>
-            <a:off x="1157176" y="1345016"/>
-            <a:ext cx="64008" cy="64008"/>
-          </a:xfrm>
-          <a:prstGeom prst="ellipse">
-            <a:avLst/>
-          </a:prstGeom>
-          <a:noFill/>
-          <a:ln w="12700" cap="rnd" cmpd="sng" algn="ctr">
-            <a:solidFill>
-              <a:schemeClr val="accent1">
-                <a:shade val="75000"/>
-                <a:alpha val="60000"/>
-              </a:schemeClr>
-            </a:solidFill>
-            <a:prstDash val="solid"/>
-          </a:ln>
-          <a:effectLst/>
-        </p:spPr>
-        <p:style>
-          <a:lnRef idx="1">
-            <a:schemeClr val="accent1"/>
-          </a:lnRef>
-          <a:fillRef idx="2">
-            <a:schemeClr val="accent1"/>
-          </a:fillRef>
-          <a:effectRef idx="1">
-            <a:schemeClr val="accent1"/>
-          </a:effectRef>
-          <a:fontRef idx="minor">
-            <a:schemeClr val="dk1"/>
-          </a:fontRef>
-        </p:style>
-        <p:txBody>
-          <a:bodyPr anchor="ctr"/>
-          <a:lstStyle>
-            <a:extLst/>
-          </a:lstStyle>
-          <a:p>
-            <a:pPr algn="ctr" eaLnBrk="1" latinLnBrk="0" hangingPunct="1"/>
-            <a:endParaRPr kumimoji="0" lang="en-US"/>
-          </a:p>
-        </p:txBody>
-      </p:sp>
     </p:spTree>
   </p:cSld>
   <p:clrMapOvr>
-    <a:masterClrMapping/>
+    <a:overrideClrMapping bg1="dk1" tx1="lt1" bg2="dk2" tx2="lt2" accent1="accent1" accent2="accent2" accent3="accent3" accent4="accent4" accent5="accent5" accent6="accent6" hlink="hlink" folHlink="folHlink"/>
   </p:clrMapOvr>
-  <p:timing>
-    <p:tnLst>
-      <p:par>
-        <p:cTn id="1" dur="indefinite" restart="never" nodeType="tmRoot"/>
-      </p:par>
-    </p:tnLst>
-  </p:timing>
 </p:sldLayout>
 </file>
 
@@ -488,9 +373,7 @@
         <p:spPr/>
         <p:txBody>
           <a:bodyPr/>
-          <a:lstStyle>
-            <a:extLst/>
-          </a:lstStyle>
+          <a:lstStyle/>
           <a:p>
             <a:r>
               <a:rPr kumimoji="0" lang="en-US" smtClean="0"/>
@@ -513,9 +396,7 @@
         <p:spPr/>
         <p:txBody>
           <a:bodyPr vert="eaVert"/>
-          <a:lstStyle>
-            <a:extLst/>
-          </a:lstStyle>
+          <a:lstStyle/>
           <a:p>
             <a:pPr lvl="0" eaLnBrk="1" latinLnBrk="0" hangingPunct="1"/>
             <a:r>
@@ -567,9 +448,7 @@
         <p:spPr/>
         <p:txBody>
           <a:bodyPr/>
-          <a:lstStyle>
-            <a:extLst/>
-          </a:lstStyle>
+          <a:lstStyle/>
           <a:p>
             <a:fld id="{1D8BD707-D9CF-40AE-B4C6-C98DA3205C09}" type="datetimeFigureOut">
               <a:rPr lang="en-US" smtClean="0"/>
@@ -593,9 +472,7 @@
         <p:spPr/>
         <p:txBody>
           <a:bodyPr/>
-          <a:lstStyle>
-            <a:extLst/>
-          </a:lstStyle>
+          <a:lstStyle/>
           <a:p>
             <a:endParaRPr lang="en-US"/>
           </a:p>
@@ -614,9 +491,7 @@
         <p:spPr/>
         <p:txBody>
           <a:bodyPr/>
-          <a:lstStyle>
-            <a:extLst/>
-          </a:lstStyle>
+          <a:lstStyle/>
           <a:p>
             <a:fld id="{B6F15528-21DE-4FAA-801E-634DDDAF4B2B}" type="slidenum">
               <a:rPr lang="en-US" smtClean="0"/>
@@ -632,13 +507,6 @@
   <p:clrMapOvr>
     <a:masterClrMapping/>
   </p:clrMapOvr>
-  <p:timing>
-    <p:tnLst>
-      <p:par>
-        <p:cTn id="1" dur="indefinite" restart="never" nodeType="tmRoot"/>
-      </p:par>
-    </p:tnLst>
-  </p:timing>
 </p:sldLayout>
 </file>
 
@@ -671,15 +539,13 @@
         </p:nvSpPr>
         <p:spPr>
           <a:xfrm>
-            <a:off x="6858000" y="274639"/>
-            <a:ext cx="1828800" cy="5851525"/>
+            <a:off x="6629400" y="914401"/>
+            <a:ext cx="2057400" cy="5211763"/>
           </a:xfrm>
         </p:spPr>
         <p:txBody>
           <a:bodyPr vert="eaVert"/>
-          <a:lstStyle>
-            <a:extLst/>
-          </a:lstStyle>
+          <a:lstStyle/>
           <a:p>
             <a:r>
               <a:rPr kumimoji="0" lang="en-US" smtClean="0"/>
@@ -701,15 +567,13 @@
         </p:nvSpPr>
         <p:spPr>
           <a:xfrm>
-            <a:off x="1143000" y="274640"/>
-            <a:ext cx="5562600" cy="5851525"/>
+            <a:off x="457200" y="914401"/>
+            <a:ext cx="6019800" cy="5211763"/>
           </a:xfrm>
         </p:spPr>
         <p:txBody>
           <a:bodyPr vert="eaVert"/>
-          <a:lstStyle>
-            <a:extLst/>
-          </a:lstStyle>
+          <a:lstStyle/>
           <a:p>
             <a:pPr lvl="0" eaLnBrk="1" latinLnBrk="0" hangingPunct="1"/>
             <a:r>
@@ -761,9 +625,7 @@
         <p:spPr/>
         <p:txBody>
           <a:bodyPr/>
-          <a:lstStyle>
-            <a:extLst/>
-          </a:lstStyle>
+          <a:lstStyle/>
           <a:p>
             <a:fld id="{1D8BD707-D9CF-40AE-B4C6-C98DA3205C09}" type="datetimeFigureOut">
               <a:rPr lang="en-US" smtClean="0"/>
@@ -787,9 +649,7 @@
         <p:spPr/>
         <p:txBody>
           <a:bodyPr/>
-          <a:lstStyle>
-            <a:extLst/>
-          </a:lstStyle>
+          <a:lstStyle/>
           <a:p>
             <a:endParaRPr lang="en-US"/>
           </a:p>
@@ -808,9 +668,7 @@
         <p:spPr/>
         <p:txBody>
           <a:bodyPr/>
-          <a:lstStyle>
-            <a:extLst/>
-          </a:lstStyle>
+          <a:lstStyle/>
           <a:p>
             <a:fld id="{B6F15528-21DE-4FAA-801E-634DDDAF4B2B}" type="slidenum">
               <a:rPr lang="en-US" smtClean="0"/>
@@ -826,13 +684,6 @@
   <p:clrMapOvr>
     <a:masterClrMapping/>
   </p:clrMapOvr>
-  <p:timing>
-    <p:tnLst>
-      <p:par>
-        <p:cTn id="1" dur="indefinite" restart="never" nodeType="tmRoot"/>
-      </p:par>
-    </p:tnLst>
-  </p:timing>
 </p:sldLayout>
 </file>
 
@@ -866,9 +717,7 @@
         <p:spPr/>
         <p:txBody>
           <a:bodyPr/>
-          <a:lstStyle>
-            <a:extLst/>
-          </a:lstStyle>
+          <a:lstStyle/>
           <a:p>
             <a:r>
               <a:rPr kumimoji="0" lang="en-US" smtClean="0"/>
@@ -891,9 +740,7 @@
         <p:spPr/>
         <p:txBody>
           <a:bodyPr/>
-          <a:lstStyle>
-            <a:extLst/>
-          </a:lstStyle>
+          <a:lstStyle/>
           <a:p>
             <a:pPr lvl="0" eaLnBrk="1" latinLnBrk="0" hangingPunct="1"/>
             <a:r>
@@ -945,9 +792,7 @@
         <p:spPr/>
         <p:txBody>
           <a:bodyPr/>
-          <a:lstStyle>
-            <a:extLst/>
-          </a:lstStyle>
+          <a:lstStyle/>
           <a:p>
             <a:fld id="{1D8BD707-D9CF-40AE-B4C6-C98DA3205C09}" type="datetimeFigureOut">
               <a:rPr lang="en-US" smtClean="0"/>
@@ -971,9 +816,7 @@
         <p:spPr/>
         <p:txBody>
           <a:bodyPr/>
-          <a:lstStyle>
-            <a:extLst/>
-          </a:lstStyle>
+          <a:lstStyle/>
           <a:p>
             <a:endParaRPr lang="en-US"/>
           </a:p>
@@ -992,9 +835,7 @@
         <p:spPr/>
         <p:txBody>
           <a:bodyPr/>
-          <a:lstStyle>
-            <a:extLst/>
-          </a:lstStyle>
+          <a:lstStyle/>
           <a:p>
             <a:fld id="{B6F15528-21DE-4FAA-801E-634DDDAF4B2B}" type="slidenum">
               <a:rPr lang="en-US" smtClean="0"/>
@@ -1010,19 +851,17 @@
   <p:clrMapOvr>
     <a:masterClrMapping/>
   </p:clrMapOvr>
-  <p:timing>
-    <p:tnLst>
-      <p:par>
-        <p:cTn id="1" dur="indefinite" restart="never" nodeType="tmRoot"/>
-      </p:par>
-    </p:tnLst>
-  </p:timing>
 </p:sldLayout>
 </file>
 
 <file path=ppt/slideLayouts/slideLayout3.xml><?xml version="1.0" encoding="utf-8"?>
-<p:sldLayout xmlns:a="http://schemas.openxmlformats.org/drawingml/2006/main" xmlns:r="http://schemas.openxmlformats.org/officeDocument/2006/relationships" xmlns:p="http://schemas.openxmlformats.org/presentationml/2006/main" showMasterSp="0" type="secHead" preserve="1">
+<p:sldLayout xmlns:a="http://schemas.openxmlformats.org/drawingml/2006/main" xmlns:r="http://schemas.openxmlformats.org/officeDocument/2006/relationships" xmlns:p="http://schemas.openxmlformats.org/presentationml/2006/main" type="secHead" preserve="1">
   <p:cSld name="Section Header">
+    <p:bg>
+      <p:bgRef idx="1002">
+        <a:schemeClr val="bg2"/>
+      </p:bgRef>
+    </p:bg>
     <p:spTree>
       <p:nvGrpSpPr>
         <p:cNvPr id="1" name=""/>
@@ -1039,122 +878,98 @@
       </p:grpSpPr>
       <p:sp>
         <p:nvSpPr>
-          <p:cNvPr id="7" name="Rectangle 6"/>
-          <p:cNvSpPr/>
-          <p:nvPr/>
+          <p:cNvPr id="2" name="Title 1"/>
+          <p:cNvSpPr>
+            <a:spLocks noGrp="1"/>
+          </p:cNvSpPr>
+          <p:nvPr>
+            <p:ph type="title"/>
+          </p:nvPr>
         </p:nvSpPr>
         <p:spPr>
           <a:xfrm>
-            <a:off x="2282890" y="-54"/>
-            <a:ext cx="6858000" cy="6858054"/>
+            <a:off x="530352" y="1316736"/>
+            <a:ext cx="7772400" cy="1362456"/>
           </a:xfrm>
-          <a:prstGeom prst="rect">
-            <a:avLst/>
-          </a:prstGeom>
-          <a:solidFill>
-            <a:schemeClr val="bg1"/>
-          </a:solidFill>
-          <a:ln w="25400" cap="rnd" cmpd="sng" algn="ctr">
+          <a:ln>
             <a:noFill/>
-            <a:prstDash val="solid"/>
           </a:ln>
-          <a:effectLst/>
         </p:spPr>
-        <p:style>
-          <a:lnRef idx="3">
-            <a:schemeClr val="lt1"/>
-          </a:lnRef>
-          <a:fillRef idx="1">
-            <a:schemeClr val="accent1"/>
-          </a:fillRef>
-          <a:effectRef idx="1">
-            <a:schemeClr val="accent1"/>
-          </a:effectRef>
-          <a:fontRef idx="minor">
-            <a:schemeClr val="lt1"/>
-          </a:fontRef>
-        </p:style>
-        <p:txBody>
-          <a:bodyPr anchor="ctr"/>
+        <p:txBody>
+          <a:bodyPr vert="horz" tIns="0" bIns="0" anchor="b">
+            <a:noAutofit/>
+            <a:scene3d>
+              <a:camera prst="orthographicFront"/>
+              <a:lightRig rig="freezing" dir="t">
+                <a:rot lat="0" lon="0" rev="5640000"/>
+              </a:lightRig>
+            </a:scene3d>
+            <a:sp3d prstMaterial="flat">
+              <a:bevelT w="38100" h="38100"/>
+            </a:sp3d>
+          </a:bodyPr>
           <a:lstStyle>
-            <a:extLst/>
+            <a:lvl1pPr algn="l" rtl="0">
+              <a:spcBef>
+                <a:spcPct val="0"/>
+              </a:spcBef>
+              <a:buNone/>
+              <a:defRPr lang="en-US" sz="5600" b="1" cap="none" baseline="0" dirty="0">
+                <a:ln w="635">
+                  <a:noFill/>
+                </a:ln>
+                <a:solidFill>
+                  <a:schemeClr val="accent4">
+                    <a:tint val="90000"/>
+                    <a:satMod val="125000"/>
+                  </a:schemeClr>
+                </a:solidFill>
+                <a:effectLst>
+                  <a:outerShdw blurRad="38100" dist="25400" dir="5400000" algn="tl" rotWithShape="0">
+                    <a:srgbClr val="000000">
+                      <a:alpha val="43000"/>
+                    </a:srgbClr>
+                  </a:outerShdw>
+                </a:effectLst>
+                <a:latin typeface="+mj-lt"/>
+                <a:ea typeface="+mj-ea"/>
+                <a:cs typeface="+mj-cs"/>
+              </a:defRPr>
+            </a:lvl1pPr>
           </a:lstStyle>
           <a:p>
-            <a:pPr algn="ctr" eaLnBrk="1" latinLnBrk="0" hangingPunct="1"/>
+            <a:r>
+              <a:rPr kumimoji="0" lang="en-US" smtClean="0"/>
+              <a:t>Click to edit Master title style</a:t>
+            </a:r>
             <a:endParaRPr kumimoji="0" lang="en-US"/>
           </a:p>
         </p:txBody>
       </p:sp>
       <p:sp>
         <p:nvSpPr>
-          <p:cNvPr id="2" name="Title 1"/>
-          <p:cNvSpPr>
-            <a:spLocks noGrp="1"/>
-          </p:cNvSpPr>
-          <p:nvPr>
-            <p:ph type="title"/>
+          <p:cNvPr id="3" name="Text Placeholder 2"/>
+          <p:cNvSpPr>
+            <a:spLocks noGrp="1"/>
+          </p:cNvSpPr>
+          <p:nvPr>
+            <p:ph type="body" idx="1"/>
           </p:nvPr>
         </p:nvSpPr>
         <p:spPr>
           <a:xfrm>
-            <a:off x="2578392" y="2600325"/>
-            <a:ext cx="6400800" cy="2286000"/>
+            <a:off x="530352" y="2704664"/>
+            <a:ext cx="7772400" cy="1509712"/>
           </a:xfrm>
         </p:spPr>
         <p:txBody>
-          <a:bodyPr anchor="t"/>
+          <a:bodyPr lIns="45720" rIns="45720" anchor="t"/>
           <a:lstStyle>
-            <a:lvl1pPr algn="l">
-              <a:lnSpc>
-                <a:spcPts val="4500"/>
-              </a:lnSpc>
+            <a:lvl1pPr marL="0" indent="0">
               <a:buNone/>
-              <a:defRPr sz="4000" b="1" cap="all"/>
-            </a:lvl1pPr>
-            <a:extLst/>
-          </a:lstStyle>
-          <a:p>
-            <a:r>
-              <a:rPr kumimoji="0" lang="en-US" smtClean="0"/>
-              <a:t>Click to edit Master title style</a:t>
-            </a:r>
-            <a:endParaRPr kumimoji="0" lang="en-US"/>
-          </a:p>
-        </p:txBody>
-      </p:sp>
-      <p:sp>
-        <p:nvSpPr>
-          <p:cNvPr id="3" name="Text Placeholder 2"/>
-          <p:cNvSpPr>
-            <a:spLocks noGrp="1"/>
-          </p:cNvSpPr>
-          <p:nvPr>
-            <p:ph type="body" idx="1"/>
-          </p:nvPr>
-        </p:nvSpPr>
-        <p:spPr>
-          <a:xfrm>
-            <a:off x="2578392" y="1066800"/>
-            <a:ext cx="6400800" cy="1509712"/>
-          </a:xfrm>
-        </p:spPr>
-        <p:txBody>
-          <a:bodyPr anchor="b"/>
-          <a:lstStyle>
-            <a:lvl1pPr marL="18288" indent="0">
-              <a:lnSpc>
-                <a:spcPts val="2300"/>
-              </a:lnSpc>
-              <a:spcBef>
-                <a:spcPts val="0"/>
-              </a:spcBef>
-              <a:buNone/>
-              <a:defRPr sz="2000">
+              <a:defRPr sz="2200">
                 <a:solidFill>
-                  <a:schemeClr val="tx2">
-                    <a:shade val="30000"/>
-                    <a:satMod val="150000"/>
-                  </a:schemeClr>
+                  <a:schemeClr val="tx1"/>
                 </a:solidFill>
               </a:defRPr>
             </a:lvl1pPr>
@@ -1198,7 +1013,6 @@
                 </a:solidFill>
               </a:defRPr>
             </a:lvl5pPr>
-            <a:extLst/>
           </a:lstStyle>
           <a:p>
             <a:pPr lvl="0" eaLnBrk="1" latinLnBrk="0" hangingPunct="1"/>
@@ -1222,9 +1036,7 @@
         <p:spPr/>
         <p:txBody>
           <a:bodyPr/>
-          <a:lstStyle>
-            <a:extLst/>
-          </a:lstStyle>
+          <a:lstStyle/>
           <a:p>
             <a:fld id="{1D8BD707-D9CF-40AE-B4C6-C98DA3205C09}" type="datetimeFigureOut">
               <a:rPr lang="en-US" smtClean="0"/>
@@ -1248,9 +1060,7 @@
         <p:spPr/>
         <p:txBody>
           <a:bodyPr/>
-          <a:lstStyle>
-            <a:extLst/>
-          </a:lstStyle>
+          <a:lstStyle/>
           <a:p>
             <a:endParaRPr lang="en-US"/>
           </a:p>
@@ -1269,9 +1079,7 @@
         <p:spPr/>
         <p:txBody>
           <a:bodyPr/>
-          <a:lstStyle>
-            <a:extLst/>
-          </a:lstStyle>
+          <a:lstStyle/>
           <a:p>
             <a:fld id="{B6F15528-21DE-4FAA-801E-634DDDAF4B2B}" type="slidenum">
               <a:rPr lang="en-US" smtClean="0"/>
@@ -1282,212 +1090,11 @@
           </a:p>
         </p:txBody>
       </p:sp>
-      <p:sp>
-        <p:nvSpPr>
-          <p:cNvPr id="10" name="Rectangle 9"/>
-          <p:cNvSpPr/>
-          <p:nvPr/>
-        </p:nvSpPr>
-        <p:spPr bwMode="invGray">
-          <a:xfrm>
-            <a:off x="2286000" y="0"/>
-            <a:ext cx="76200" cy="6858054"/>
-          </a:xfrm>
-          <a:prstGeom prst="rect">
-            <a:avLst/>
-          </a:prstGeom>
-          <a:solidFill>
-            <a:schemeClr val="bg1"/>
-          </a:solidFill>
-          <a:ln w="25400" cap="rnd" cmpd="sng" algn="ctr">
-            <a:noFill/>
-            <a:prstDash val="solid"/>
-          </a:ln>
-          <a:effectLst>
-            <a:outerShdw blurRad="38550" dist="38000" dir="10800000" algn="tl" rotWithShape="0">
-              <a:schemeClr val="bg2">
-                <a:shade val="20000"/>
-                <a:satMod val="110000"/>
-                <a:alpha val="25000"/>
-              </a:schemeClr>
-            </a:outerShdw>
-          </a:effectLst>
-        </p:spPr>
-        <p:style>
-          <a:lnRef idx="3">
-            <a:schemeClr val="lt1"/>
-          </a:lnRef>
-          <a:fillRef idx="1">
-            <a:schemeClr val="accent1"/>
-          </a:fillRef>
-          <a:effectRef idx="1">
-            <a:schemeClr val="accent1"/>
-          </a:effectRef>
-          <a:fontRef idx="minor">
-            <a:schemeClr val="lt1"/>
-          </a:fontRef>
-        </p:style>
-        <p:txBody>
-          <a:bodyPr anchor="ctr"/>
-          <a:lstStyle>
-            <a:extLst/>
-          </a:lstStyle>
-          <a:p>
-            <a:pPr algn="ctr" eaLnBrk="1" latinLnBrk="0" hangingPunct="1"/>
-            <a:endParaRPr kumimoji="0" lang="en-US"/>
-          </a:p>
-        </p:txBody>
-      </p:sp>
-      <p:sp>
-        <p:nvSpPr>
-          <p:cNvPr id="8" name="Oval 7"/>
-          <p:cNvSpPr/>
-          <p:nvPr/>
-        </p:nvSpPr>
-        <p:spPr>
-          <a:xfrm>
-            <a:off x="2172321" y="2814656"/>
-            <a:ext cx="210312" cy="210312"/>
-          </a:xfrm>
-          <a:prstGeom prst="ellipse">
-            <a:avLst/>
-          </a:prstGeom>
-          <a:gradFill rotWithShape="1">
-            <a:gsLst>
-              <a:gs pos="0">
-                <a:schemeClr val="accent1">
-                  <a:tint val="20000"/>
-                  <a:satMod val="450000"/>
-                  <a:alpha val="95000"/>
-                </a:schemeClr>
-              </a:gs>
-              <a:gs pos="50000">
-                <a:schemeClr val="accent1">
-                  <a:tint val="38000"/>
-                  <a:satMod val="250000"/>
-                  <a:alpha val="90000"/>
-                </a:schemeClr>
-              </a:gs>
-              <a:gs pos="95000">
-                <a:schemeClr val="accent1">
-                  <a:tint val="75000"/>
-                  <a:satMod val="255000"/>
-                  <a:alpha val="88000"/>
-                </a:schemeClr>
-              </a:gs>
-              <a:gs pos="100000">
-                <a:schemeClr val="accent1">
-                  <a:tint val="100000"/>
-                  <a:shade val="90000"/>
-                  <a:satMod val="255000"/>
-                  <a:alpha val="85000"/>
-                </a:schemeClr>
-              </a:gs>
-            </a:gsLst>
-            <a:path path="circle">
-              <a:fillToRect l="25000" t="12500" r="75000" b="87500"/>
-            </a:path>
-          </a:gradFill>
-          <a:ln w="2000" cap="rnd" cmpd="sng" algn="ctr">
-            <a:solidFill>
-              <a:schemeClr val="accent1">
-                <a:shade val="90000"/>
-                <a:satMod val="110000"/>
-                <a:alpha val="60000"/>
-              </a:schemeClr>
-            </a:solidFill>
-            <a:prstDash val="solid"/>
-          </a:ln>
-          <a:effectLst/>
-        </p:spPr>
-        <p:style>
-          <a:lnRef idx="1">
-            <a:schemeClr val="accent1"/>
-          </a:lnRef>
-          <a:fillRef idx="2">
-            <a:schemeClr val="accent1"/>
-          </a:fillRef>
-          <a:effectRef idx="1">
-            <a:schemeClr val="accent1"/>
-          </a:effectRef>
-          <a:fontRef idx="minor">
-            <a:schemeClr val="dk1"/>
-          </a:fontRef>
-        </p:style>
-        <p:txBody>
-          <a:bodyPr anchor="ctr"/>
-          <a:lstStyle>
-            <a:extLst/>
-          </a:lstStyle>
-          <a:p>
-            <a:pPr algn="ctr" eaLnBrk="1" latinLnBrk="0" hangingPunct="1"/>
-            <a:endParaRPr kumimoji="0" lang="en-US"/>
-          </a:p>
-        </p:txBody>
-      </p:sp>
-      <p:sp>
-        <p:nvSpPr>
-          <p:cNvPr id="9" name="Oval 8"/>
-          <p:cNvSpPr/>
-          <p:nvPr/>
-        </p:nvSpPr>
-        <p:spPr>
-          <a:xfrm>
-            <a:off x="2408064" y="2745870"/>
-            <a:ext cx="64008" cy="64008"/>
-          </a:xfrm>
-          <a:prstGeom prst="ellipse">
-            <a:avLst/>
-          </a:prstGeom>
-          <a:noFill/>
-          <a:ln w="12700" cap="rnd" cmpd="sng" algn="ctr">
-            <a:solidFill>
-              <a:schemeClr val="accent1">
-                <a:shade val="75000"/>
-                <a:alpha val="60000"/>
-              </a:schemeClr>
-            </a:solidFill>
-            <a:prstDash val="solid"/>
-          </a:ln>
-          <a:effectLst/>
-        </p:spPr>
-        <p:style>
-          <a:lnRef idx="1">
-            <a:schemeClr val="accent1"/>
-          </a:lnRef>
-          <a:fillRef idx="2">
-            <a:schemeClr val="accent1"/>
-          </a:fillRef>
-          <a:effectRef idx="1">
-            <a:schemeClr val="accent1"/>
-          </a:effectRef>
-          <a:fontRef idx="minor">
-            <a:schemeClr val="dk1"/>
-          </a:fontRef>
-        </p:style>
-        <p:txBody>
-          <a:bodyPr anchor="ctr"/>
-          <a:lstStyle>
-            <a:extLst/>
-          </a:lstStyle>
-          <a:p>
-            <a:pPr algn="ctr" eaLnBrk="1" latinLnBrk="0" hangingPunct="1"/>
-            <a:endParaRPr kumimoji="0" lang="en-US"/>
-          </a:p>
-        </p:txBody>
-      </p:sp>
     </p:spTree>
   </p:cSld>
   <p:clrMapOvr>
-    <a:masterClrMapping/>
+    <a:overrideClrMapping bg1="dk1" tx1="lt1" bg2="dk2" tx2="lt2" accent1="accent1" accent2="accent2" accent3="accent3" accent4="accent4" accent5="accent5" accent6="accent6" hlink="hlink" folHlink="folHlink"/>
   </p:clrMapOvr>
-  <p:timing>
-    <p:tnLst>
-      <p:par>
-        <p:cTn id="1" dur="indefinite" restart="never" nodeType="tmRoot"/>
-      </p:par>
-    </p:tnLst>
-  </p:timing>
 </p:sldLayout>
 </file>
 
@@ -1520,15 +1127,13 @@
         </p:nvSpPr>
         <p:spPr>
           <a:xfrm>
-            <a:off x="1435608" y="274320"/>
-            <a:ext cx="7498080" cy="1143000"/>
+            <a:off x="457200" y="704088"/>
+            <a:ext cx="8229600" cy="1143000"/>
           </a:xfrm>
         </p:spPr>
         <p:txBody>
           <a:bodyPr/>
-          <a:lstStyle>
-            <a:extLst/>
-          </a:lstStyle>
+          <a:lstStyle/>
           <a:p>
             <a:r>
               <a:rPr kumimoji="0" lang="en-US" smtClean="0"/>
@@ -1550,15 +1155,15 @@
         </p:nvSpPr>
         <p:spPr>
           <a:xfrm>
-            <a:off x="1435608" y="1524000"/>
-            <a:ext cx="3657600" cy="4663440"/>
+            <a:off x="457200" y="1920085"/>
+            <a:ext cx="4038600" cy="4434840"/>
           </a:xfrm>
         </p:spPr>
         <p:txBody>
           <a:bodyPr/>
           <a:lstStyle>
             <a:lvl1pPr>
-              <a:defRPr sz="2800"/>
+              <a:defRPr sz="2600"/>
             </a:lvl1pPr>
             <a:lvl2pPr>
               <a:defRPr sz="2400"/>
@@ -1572,7 +1177,6 @@
             <a:lvl5pPr>
               <a:defRPr sz="1800"/>
             </a:lvl5pPr>
-            <a:extLst/>
           </a:lstStyle>
           <a:p>
             <a:pPr lvl="0" eaLnBrk="1" latinLnBrk="0" hangingPunct="1"/>
@@ -1624,15 +1228,15 @@
         </p:nvSpPr>
         <p:spPr>
           <a:xfrm>
-            <a:off x="5276088" y="1524000"/>
-            <a:ext cx="3657600" cy="4663440"/>
+            <a:off x="4648200" y="1920085"/>
+            <a:ext cx="4038600" cy="4434840"/>
           </a:xfrm>
         </p:spPr>
         <p:txBody>
           <a:bodyPr/>
           <a:lstStyle>
             <a:lvl1pPr>
-              <a:defRPr sz="2800"/>
+              <a:defRPr sz="2600"/>
             </a:lvl1pPr>
             <a:lvl2pPr>
               <a:defRPr sz="2400"/>
@@ -1646,7 +1250,6 @@
             <a:lvl5pPr>
               <a:defRPr sz="1800"/>
             </a:lvl5pPr>
-            <a:extLst/>
           </a:lstStyle>
           <a:p>
             <a:pPr lvl="0" eaLnBrk="1" latinLnBrk="0" hangingPunct="1"/>
@@ -1699,9 +1302,7 @@
         <p:spPr/>
         <p:txBody>
           <a:bodyPr/>
-          <a:lstStyle>
-            <a:extLst/>
-          </a:lstStyle>
+          <a:lstStyle/>
           <a:p>
             <a:fld id="{1D8BD707-D9CF-40AE-B4C6-C98DA3205C09}" type="datetimeFigureOut">
               <a:rPr lang="en-US" smtClean="0"/>
@@ -1725,9 +1326,7 @@
         <p:spPr/>
         <p:txBody>
           <a:bodyPr/>
-          <a:lstStyle>
-            <a:extLst/>
-          </a:lstStyle>
+          <a:lstStyle/>
           <a:p>
             <a:endParaRPr lang="en-US"/>
           </a:p>
@@ -1746,9 +1345,7 @@
         <p:spPr/>
         <p:txBody>
           <a:bodyPr/>
-          <a:lstStyle>
-            <a:extLst/>
-          </a:lstStyle>
+          <a:lstStyle/>
           <a:p>
             <a:fld id="{B6F15528-21DE-4FAA-801E-634DDDAF4B2B}" type="slidenum">
               <a:rPr lang="en-US" smtClean="0"/>
@@ -1764,18 +1361,11 @@
   <p:clrMapOvr>
     <a:masterClrMapping/>
   </p:clrMapOvr>
-  <p:timing>
-    <p:tnLst>
-      <p:par>
-        <p:cTn id="1" dur="indefinite" restart="never" nodeType="tmRoot"/>
-      </p:par>
-    </p:tnLst>
-  </p:timing>
 </p:sldLayout>
 </file>
 
 <file path=ppt/slideLayouts/slideLayout5.xml><?xml version="1.0" encoding="utf-8"?>
-<p:sldLayout xmlns:a="http://schemas.openxmlformats.org/drawingml/2006/main" xmlns:r="http://schemas.openxmlformats.org/officeDocument/2006/relationships" xmlns:p="http://schemas.openxmlformats.org/presentationml/2006/main" showMasterSp="0" type="twoTxTwoObj" preserve="1">
+<p:sldLayout xmlns:a="http://schemas.openxmlformats.org/drawingml/2006/main" xmlns:r="http://schemas.openxmlformats.org/officeDocument/2006/relationships" xmlns:p="http://schemas.openxmlformats.org/presentationml/2006/main" type="twoTxTwoObj" preserve="1">
   <p:cSld name="Comparison">
     <p:spTree>
       <p:nvGrpSpPr>
@@ -1803,17 +1393,16 @@
         </p:nvSpPr>
         <p:spPr>
           <a:xfrm>
-            <a:off x="457200" y="5160336"/>
+            <a:off x="457200" y="704088"/>
             <a:ext cx="8229600" cy="1143000"/>
           </a:xfrm>
         </p:spPr>
         <p:txBody>
-          <a:bodyPr anchor="ctr"/>
+          <a:bodyPr tIns="45720" anchor="b"/>
           <a:lstStyle>
-            <a:lvl1pPr algn="ctr">
-              <a:defRPr sz="4500" b="1" cap="none" baseline="0"/>
+            <a:lvl1pPr>
+              <a:defRPr/>
             </a:lvl1pPr>
-            <a:extLst/>
           </a:lstStyle>
           <a:p>
             <a:r>
@@ -1836,34 +1425,22 @@
         </p:nvSpPr>
         <p:spPr>
           <a:xfrm>
-            <a:off x="457200" y="328278"/>
-            <a:ext cx="4023360" cy="640080"/>
+            <a:off x="457200" y="1855248"/>
+            <a:ext cx="4040188" cy="659352"/>
           </a:xfrm>
-          <a:solidFill>
-            <a:schemeClr val="bg1"/>
-          </a:solidFill>
-          <a:ln w="10795">
-            <a:solidFill>
-              <a:schemeClr val="bg1"/>
-            </a:solidFill>
-            <a:miter lim="800000"/>
-          </a:ln>
         </p:spPr>
         <p:txBody>
-          <a:bodyPr anchor="ctr"/>
+          <a:bodyPr lIns="45720" tIns="0" rIns="45720" bIns="0" anchor="ctr">
+            <a:noAutofit/>
+          </a:bodyPr>
           <a:lstStyle>
-            <a:lvl1pPr marL="64008" indent="0" algn="l">
-              <a:lnSpc>
-                <a:spcPct val="100000"/>
-              </a:lnSpc>
-              <a:spcBef>
-                <a:spcPts val="100"/>
-              </a:spcBef>
+            <a:lvl1pPr marL="0" indent="0">
               <a:buNone/>
-              <a:defRPr sz="1900" b="0">
+              <a:defRPr sz="2400" b="1" cap="none" baseline="0">
                 <a:solidFill>
-                  <a:schemeClr val="tx1"/>
+                  <a:schemeClr val="tx2"/>
                 </a:solidFill>
+                <a:effectLst/>
               </a:defRPr>
             </a:lvl1pPr>
             <a:lvl2pPr>
@@ -1882,7 +1459,6 @@
               <a:buNone/>
               <a:defRPr sz="1600" b="1"/>
             </a:lvl5pPr>
-            <a:extLst/>
           </a:lstStyle>
           <a:p>
             <a:pPr lvl="0" eaLnBrk="1" latinLnBrk="0" hangingPunct="1"/>
@@ -1905,34 +1481,20 @@
         </p:nvSpPr>
         <p:spPr>
           <a:xfrm>
-            <a:off x="4663440" y="328278"/>
-            <a:ext cx="4023360" cy="640080"/>
+            <a:off x="4645025" y="1859757"/>
+            <a:ext cx="4041775" cy="654843"/>
           </a:xfrm>
-          <a:solidFill>
-            <a:schemeClr val="bg1"/>
-          </a:solidFill>
-          <a:ln w="10795">
-            <a:solidFill>
-              <a:schemeClr val="bg1"/>
-            </a:solidFill>
-            <a:miter lim="800000"/>
-          </a:ln>
         </p:spPr>
         <p:txBody>
-          <a:bodyPr anchor="ctr"/>
+          <a:bodyPr lIns="45720" tIns="0" rIns="45720" bIns="0" anchor="ctr"/>
           <a:lstStyle>
-            <a:lvl1pPr marL="64008" indent="0" algn="l">
-              <a:lnSpc>
-                <a:spcPct val="100000"/>
-              </a:lnSpc>
-              <a:spcBef>
-                <a:spcPts val="100"/>
-              </a:spcBef>
+            <a:lvl1pPr marL="0" indent="0">
               <a:buNone/>
-              <a:defRPr sz="1900" b="0">
+              <a:defRPr sz="2400" b="1" cap="none" baseline="0">
                 <a:solidFill>
-                  <a:schemeClr val="tx1"/>
+                  <a:schemeClr val="tx2"/>
                 </a:solidFill>
+                <a:effectLst/>
               </a:defRPr>
             </a:lvl1pPr>
             <a:lvl2pPr>
@@ -1951,7 +1513,6 @@
               <a:buNone/>
               <a:defRPr sz="1600" b="1"/>
             </a:lvl5pPr>
-            <a:extLst/>
           </a:lstStyle>
           <a:p>
             <a:pPr lvl="0" eaLnBrk="1" latinLnBrk="0" hangingPunct="1"/>
@@ -1974,66 +1535,28 @@
         </p:nvSpPr>
         <p:spPr>
           <a:xfrm>
-            <a:off x="457200" y="969336"/>
-            <a:ext cx="4023360" cy="4114800"/>
+            <a:off x="457200" y="2514600"/>
+            <a:ext cx="4040188" cy="3845720"/>
           </a:xfrm>
-          <a:ln w="10795">
-            <a:solidFill>
-              <a:schemeClr val="bg1"/>
-            </a:solidFill>
-            <a:prstDash val="dash"/>
-            <a:miter lim="800000"/>
-          </a:ln>
         </p:spPr>
         <p:txBody>
-          <a:bodyPr/>
+          <a:bodyPr tIns="0"/>
           <a:lstStyle>
-            <a:lvl1pPr marL="393192" indent="-274320">
-              <a:lnSpc>
-                <a:spcPct val="100000"/>
-              </a:lnSpc>
-              <a:spcBef>
-                <a:spcPts val="700"/>
-              </a:spcBef>
-              <a:defRPr sz="2400"/>
+            <a:lvl1pPr>
+              <a:defRPr sz="2200"/>
             </a:lvl1pPr>
             <a:lvl2pPr>
-              <a:lnSpc>
-                <a:spcPct val="100000"/>
-              </a:lnSpc>
-              <a:spcBef>
-                <a:spcPts val="700"/>
-              </a:spcBef>
               <a:defRPr sz="2000"/>
             </a:lvl2pPr>
             <a:lvl3pPr>
-              <a:lnSpc>
-                <a:spcPct val="100000"/>
-              </a:lnSpc>
-              <a:spcBef>
-                <a:spcPts val="700"/>
-              </a:spcBef>
               <a:defRPr sz="1800"/>
             </a:lvl3pPr>
             <a:lvl4pPr>
-              <a:lnSpc>
-                <a:spcPct val="100000"/>
-              </a:lnSpc>
-              <a:spcBef>
-                <a:spcPts val="700"/>
-              </a:spcBef>
               <a:defRPr sz="1600"/>
             </a:lvl4pPr>
             <a:lvl5pPr>
-              <a:lnSpc>
-                <a:spcPct val="100000"/>
-              </a:lnSpc>
-              <a:spcBef>
-                <a:spcPts val="700"/>
-              </a:spcBef>
               <a:defRPr sz="1600"/>
             </a:lvl5pPr>
-            <a:extLst/>
           </a:lstStyle>
           <a:p>
             <a:pPr lvl="0" eaLnBrk="1" latinLnBrk="0" hangingPunct="1"/>
@@ -2085,66 +1608,28 @@
         </p:nvSpPr>
         <p:spPr>
           <a:xfrm>
-            <a:off x="4663440" y="969336"/>
-            <a:ext cx="4023360" cy="4114800"/>
+            <a:off x="4645025" y="2514600"/>
+            <a:ext cx="4041775" cy="3845720"/>
           </a:xfrm>
-          <a:ln w="10795">
-            <a:solidFill>
-              <a:schemeClr val="bg1"/>
-            </a:solidFill>
-            <a:prstDash val="dash"/>
-            <a:miter lim="800000"/>
-          </a:ln>
         </p:spPr>
         <p:txBody>
-          <a:bodyPr/>
+          <a:bodyPr tIns="0"/>
           <a:lstStyle>
-            <a:lvl1pPr marL="393192" indent="-274320">
-              <a:lnSpc>
-                <a:spcPct val="100000"/>
-              </a:lnSpc>
-              <a:spcBef>
-                <a:spcPts val="700"/>
-              </a:spcBef>
-              <a:defRPr sz="2400"/>
+            <a:lvl1pPr>
+              <a:defRPr sz="2200"/>
             </a:lvl1pPr>
             <a:lvl2pPr>
-              <a:lnSpc>
-                <a:spcPct val="100000"/>
-              </a:lnSpc>
-              <a:spcBef>
-                <a:spcPts val="700"/>
-              </a:spcBef>
               <a:defRPr sz="2000"/>
             </a:lvl2pPr>
             <a:lvl3pPr>
-              <a:lnSpc>
-                <a:spcPct val="100000"/>
-              </a:lnSpc>
-              <a:spcBef>
-                <a:spcPts val="700"/>
-              </a:spcBef>
               <a:defRPr sz="1800"/>
             </a:lvl3pPr>
             <a:lvl4pPr>
-              <a:lnSpc>
-                <a:spcPct val="100000"/>
-              </a:lnSpc>
-              <a:spcBef>
-                <a:spcPts val="700"/>
-              </a:spcBef>
               <a:defRPr sz="1600"/>
             </a:lvl4pPr>
             <a:lvl5pPr>
-              <a:lnSpc>
-                <a:spcPct val="100000"/>
-              </a:lnSpc>
-              <a:spcBef>
-                <a:spcPts val="700"/>
-              </a:spcBef>
               <a:defRPr sz="1600"/>
             </a:lvl5pPr>
-            <a:extLst/>
           </a:lstStyle>
           <a:p>
             <a:pPr lvl="0" eaLnBrk="1" latinLnBrk="0" hangingPunct="1"/>
@@ -2197,9 +1682,7 @@
         <p:spPr/>
         <p:txBody>
           <a:bodyPr/>
-          <a:lstStyle>
-            <a:extLst/>
-          </a:lstStyle>
+          <a:lstStyle/>
           <a:p>
             <a:fld id="{1D8BD707-D9CF-40AE-B4C6-C98DA3205C09}" type="datetimeFigureOut">
               <a:rPr lang="en-US" smtClean="0"/>
@@ -2223,9 +1706,7 @@
         <p:spPr/>
         <p:txBody>
           <a:bodyPr/>
-          <a:lstStyle>
-            <a:extLst/>
-          </a:lstStyle>
+          <a:lstStyle/>
           <a:p>
             <a:endParaRPr lang="en-US"/>
           </a:p>
@@ -2244,9 +1725,7 @@
         <p:spPr/>
         <p:txBody>
           <a:bodyPr/>
-          <a:lstStyle>
-            <a:extLst/>
-          </a:lstStyle>
+          <a:lstStyle/>
           <a:p>
             <a:fld id="{B6F15528-21DE-4FAA-801E-634DDDAF4B2B}" type="slidenum">
               <a:rPr lang="en-US" smtClean="0"/>
@@ -2262,13 +1741,6 @@
   <p:clrMapOvr>
     <a:masterClrMapping/>
   </p:clrMapOvr>
-  <p:timing>
-    <p:tnLst>
-      <p:par>
-        <p:cTn id="1" dur="indefinite" restart="never" nodeType="tmRoot"/>
-      </p:par>
-    </p:tnLst>
-  </p:timing>
 </p:sldLayout>
 </file>
 
@@ -2301,14 +1773,44 @@
         </p:nvSpPr>
         <p:spPr>
           <a:xfrm>
-            <a:off x="1435608" y="274320"/>
-            <a:ext cx="7498080" cy="1143000"/>
+            <a:off x="457200" y="704088"/>
+            <a:ext cx="8305800" cy="1143000"/>
           </a:xfrm>
         </p:spPr>
         <p:txBody>
-          <a:bodyPr anchor="ctr"/>
+          <a:bodyPr vert="horz" tIns="45720" bIns="0" anchor="b">
+            <a:normAutofit/>
+            <a:scene3d>
+              <a:camera prst="orthographicFront"/>
+              <a:lightRig rig="freezing" dir="t">
+                <a:rot lat="0" lon="0" rev="5640000"/>
+              </a:lightRig>
+            </a:scene3d>
+            <a:sp3d prstMaterial="flat">
+              <a:contourClr>
+                <a:schemeClr val="tx2"/>
+              </a:contourClr>
+            </a:sp3d>
+          </a:bodyPr>
           <a:lstStyle>
-            <a:extLst/>
+            <a:lvl1pPr algn="l" rtl="0">
+              <a:spcBef>
+                <a:spcPct val="0"/>
+              </a:spcBef>
+              <a:buNone/>
+              <a:defRPr sz="5000" b="0">
+                <a:ln>
+                  <a:noFill/>
+                </a:ln>
+                <a:solidFill>
+                  <a:schemeClr val="tx2"/>
+                </a:solidFill>
+                <a:effectLst/>
+                <a:latin typeface="+mj-lt"/>
+                <a:ea typeface="+mj-ea"/>
+                <a:cs typeface="+mj-cs"/>
+              </a:defRPr>
+            </a:lvl1pPr>
           </a:lstStyle>
           <a:p>
             <a:r>
@@ -2332,9 +1834,7 @@
         <p:spPr/>
         <p:txBody>
           <a:bodyPr/>
-          <a:lstStyle>
-            <a:extLst/>
-          </a:lstStyle>
+          <a:lstStyle/>
           <a:p>
             <a:fld id="{1D8BD707-D9CF-40AE-B4C6-C98DA3205C09}" type="datetimeFigureOut">
               <a:rPr lang="en-US" smtClean="0"/>
@@ -2358,9 +1858,7 @@
         <p:spPr/>
         <p:txBody>
           <a:bodyPr/>
-          <a:lstStyle>
-            <a:extLst/>
-          </a:lstStyle>
+          <a:lstStyle/>
           <a:p>
             <a:endParaRPr lang="en-US"/>
           </a:p>
@@ -2379,9 +1877,7 @@
         <p:spPr/>
         <p:txBody>
           <a:bodyPr/>
-          <a:lstStyle>
-            <a:extLst/>
-          </a:lstStyle>
+          <a:lstStyle/>
           <a:p>
             <a:fld id="{B6F15528-21DE-4FAA-801E-634DDDAF4B2B}" type="slidenum">
               <a:rPr lang="en-US" smtClean="0"/>
@@ -2397,18 +1893,11 @@
   <p:clrMapOvr>
     <a:masterClrMapping/>
   </p:clrMapOvr>
-  <p:timing>
-    <p:tnLst>
-      <p:par>
-        <p:cTn id="1" dur="indefinite" restart="never" nodeType="tmRoot"/>
-      </p:par>
-    </p:tnLst>
-  </p:timing>
 </p:sldLayout>
 </file>
 
 <file path=ppt/slideLayouts/slideLayout7.xml><?xml version="1.0" encoding="utf-8"?>
-<p:sldLayout xmlns:a="http://schemas.openxmlformats.org/drawingml/2006/main" xmlns:r="http://schemas.openxmlformats.org/officeDocument/2006/relationships" xmlns:p="http://schemas.openxmlformats.org/presentationml/2006/main" showMasterSp="0" type="blank" preserve="1">
+<p:sldLayout xmlns:a="http://schemas.openxmlformats.org/drawingml/2006/main" xmlns:r="http://schemas.openxmlformats.org/officeDocument/2006/relationships" xmlns:p="http://schemas.openxmlformats.org/presentationml/2006/main" type="blank" preserve="1">
   <p:cSld name="Blank">
     <p:spTree>
       <p:nvGrpSpPr>
@@ -2426,54 +1915,6 @@
       </p:grpSpPr>
       <p:sp>
         <p:nvSpPr>
-          <p:cNvPr id="5" name="Rectangle 4"/>
-          <p:cNvSpPr/>
-          <p:nvPr/>
-        </p:nvSpPr>
-        <p:spPr>
-          <a:xfrm>
-            <a:off x="1014984" y="0"/>
-            <a:ext cx="8129016" cy="6858000"/>
-          </a:xfrm>
-          <a:prstGeom prst="rect">
-            <a:avLst/>
-          </a:prstGeom>
-          <a:solidFill>
-            <a:schemeClr val="bg1"/>
-          </a:solidFill>
-          <a:ln w="25400" cap="rnd" cmpd="sng" algn="ctr">
-            <a:noFill/>
-            <a:prstDash val="solid"/>
-          </a:ln>
-          <a:effectLst/>
-        </p:spPr>
-        <p:style>
-          <a:lnRef idx="3">
-            <a:schemeClr val="lt1"/>
-          </a:lnRef>
-          <a:fillRef idx="1">
-            <a:schemeClr val="accent1"/>
-          </a:fillRef>
-          <a:effectRef idx="1">
-            <a:schemeClr val="accent1"/>
-          </a:effectRef>
-          <a:fontRef idx="minor">
-            <a:schemeClr val="lt1"/>
-          </a:fontRef>
-        </p:style>
-        <p:txBody>
-          <a:bodyPr anchor="ctr"/>
-          <a:lstStyle>
-            <a:extLst/>
-          </a:lstStyle>
-          <a:p>
-            <a:pPr algn="ctr" eaLnBrk="1" latinLnBrk="0" hangingPunct="1"/>
-            <a:endParaRPr kumimoji="0" lang="en-US"/>
-          </a:p>
-        </p:txBody>
-      </p:sp>
-      <p:sp>
-        <p:nvSpPr>
           <p:cNvPr id="2" name="Date Placeholder 1"/>
           <p:cNvSpPr>
             <a:spLocks noGrp="1"/>
@@ -2485,9 +1926,7 @@
         <p:spPr/>
         <p:txBody>
           <a:bodyPr/>
-          <a:lstStyle>
-            <a:extLst/>
-          </a:lstStyle>
+          <a:lstStyle/>
           <a:p>
             <a:fld id="{1D8BD707-D9CF-40AE-B4C6-C98DA3205C09}" type="datetimeFigureOut">
               <a:rPr lang="en-US" smtClean="0"/>
@@ -2511,9 +1950,7 @@
         <p:spPr/>
         <p:txBody>
           <a:bodyPr/>
-          <a:lstStyle>
-            <a:extLst/>
-          </a:lstStyle>
+          <a:lstStyle/>
           <a:p>
             <a:endParaRPr lang="en-US"/>
           </a:p>
@@ -2532,9 +1969,7 @@
         <p:spPr/>
         <p:txBody>
           <a:bodyPr/>
-          <a:lstStyle>
-            <a:extLst/>
-          </a:lstStyle>
+          <a:lstStyle/>
           <a:p>
             <a:fld id="{B6F15528-21DE-4FAA-801E-634DDDAF4B2B}" type="slidenum">
               <a:rPr lang="en-US" smtClean="0"/>
@@ -2542,62 +1977,6 @@
               <a:t>‹#›</a:t>
             </a:fld>
             <a:endParaRPr lang="en-US"/>
-          </a:p>
-        </p:txBody>
-      </p:sp>
-      <p:sp>
-        <p:nvSpPr>
-          <p:cNvPr id="6" name="Rectangle 5"/>
-          <p:cNvSpPr/>
-          <p:nvPr/>
-        </p:nvSpPr>
-        <p:spPr bwMode="invGray">
-          <a:xfrm>
-            <a:off x="1014984" y="-54"/>
-            <a:ext cx="73152" cy="6858054"/>
-          </a:xfrm>
-          <a:prstGeom prst="rect">
-            <a:avLst/>
-          </a:prstGeom>
-          <a:solidFill>
-            <a:schemeClr val="bg1"/>
-          </a:solidFill>
-          <a:ln w="25400" cap="rnd" cmpd="sng" algn="ctr">
-            <a:noFill/>
-            <a:prstDash val="solid"/>
-          </a:ln>
-          <a:effectLst>
-            <a:outerShdw blurRad="38550" dist="38000" dir="10800000" algn="tl" rotWithShape="0">
-              <a:schemeClr val="bg2">
-                <a:shade val="20000"/>
-                <a:satMod val="110000"/>
-                <a:alpha val="25000"/>
-              </a:schemeClr>
-            </a:outerShdw>
-          </a:effectLst>
-        </p:spPr>
-        <p:style>
-          <a:lnRef idx="3">
-            <a:schemeClr val="lt1"/>
-          </a:lnRef>
-          <a:fillRef idx="1">
-            <a:schemeClr val="accent1"/>
-          </a:fillRef>
-          <a:effectRef idx="1">
-            <a:schemeClr val="accent1"/>
-          </a:effectRef>
-          <a:fontRef idx="minor">
-            <a:schemeClr val="lt1"/>
-          </a:fontRef>
-        </p:style>
-        <p:txBody>
-          <a:bodyPr anchor="ctr"/>
-          <a:lstStyle>
-            <a:extLst/>
-          </a:lstStyle>
-          <a:p>
-            <a:pPr algn="ctr" eaLnBrk="1" latinLnBrk="0" hangingPunct="1"/>
-            <a:endParaRPr kumimoji="0" lang="en-US"/>
           </a:p>
         </p:txBody>
       </p:sp>
@@ -2606,18 +1985,11 @@
   <p:clrMapOvr>
     <a:masterClrMapping/>
   </p:clrMapOvr>
-  <p:timing>
-    <p:tnLst>
-      <p:par>
-        <p:cTn id="1" dur="indefinite" restart="never" nodeType="tmRoot"/>
-      </p:par>
-    </p:tnLst>
-  </p:timing>
 </p:sldLayout>
 </file>
 
 <file path=ppt/slideLayouts/slideLayout8.xml><?xml version="1.0" encoding="utf-8"?>
-<p:sldLayout xmlns:a="http://schemas.openxmlformats.org/drawingml/2006/main" xmlns:r="http://schemas.openxmlformats.org/officeDocument/2006/relationships" xmlns:p="http://schemas.openxmlformats.org/presentationml/2006/main" showMasterSp="0" type="objTx" preserve="1">
+<p:sldLayout xmlns:a="http://schemas.openxmlformats.org/drawingml/2006/main" xmlns:r="http://schemas.openxmlformats.org/officeDocument/2006/relationships" xmlns:p="http://schemas.openxmlformats.org/presentationml/2006/main" type="objTx" preserve="1">
   <p:cSld name="Content with Caption">
     <p:spTree>
       <p:nvGrpSpPr>
@@ -2645,24 +2017,33 @@
         </p:nvSpPr>
         <p:spPr>
           <a:xfrm>
-            <a:off x="457200" y="216778"/>
-            <a:ext cx="3810000" cy="1162050"/>
+            <a:off x="685800" y="514352"/>
+            <a:ext cx="2743200" cy="1162050"/>
           </a:xfrm>
-          <a:ln>
-            <a:noFill/>
-          </a:ln>
         </p:spPr>
         <p:txBody>
-          <a:bodyPr anchor="b"/>
+          <a:bodyPr lIns="0" anchor="b">
+            <a:noAutofit/>
+          </a:bodyPr>
           <a:lstStyle>
-            <a:lvl1pPr algn="l">
-              <a:lnSpc>
-                <a:spcPts val="2000"/>
-              </a:lnSpc>
+            <a:lvl1pPr algn="l" rtl="0">
+              <a:spcBef>
+                <a:spcPct val="0"/>
+              </a:spcBef>
               <a:buNone/>
-              <a:defRPr sz="2200" b="1" cap="all" baseline="0"/>
+              <a:defRPr sz="2600" b="0">
+                <a:ln>
+                  <a:noFill/>
+                </a:ln>
+                <a:solidFill>
+                  <a:schemeClr val="tx2"/>
+                </a:solidFill>
+                <a:effectLst/>
+                <a:latin typeface="+mj-lt"/>
+                <a:ea typeface="+mj-ea"/>
+                <a:cs typeface="+mj-cs"/>
+              </a:defRPr>
             </a:lvl1pPr>
-            <a:extLst/>
           </a:lstStyle>
           <a:p>
             <a:r>
@@ -2685,40 +2066,33 @@
         </p:nvSpPr>
         <p:spPr>
           <a:xfrm>
-            <a:off x="457200" y="1406964"/>
-            <a:ext cx="3810000" cy="698500"/>
+            <a:off x="685800" y="1676400"/>
+            <a:ext cx="2743200" cy="4572000"/>
           </a:xfrm>
         </p:spPr>
         <p:txBody>
-          <a:bodyPr/>
+          <a:bodyPr lIns="18288" rIns="18288"/>
           <a:lstStyle>
-            <a:lvl1pPr marL="45720" indent="0">
-              <a:lnSpc>
-                <a:spcPct val="100000"/>
-              </a:lnSpc>
-              <a:spcBef>
-                <a:spcPts val="0"/>
-              </a:spcBef>
+            <a:lvl1pPr marL="0" indent="0" algn="l">
               <a:buNone/>
               <a:defRPr sz="1400"/>
             </a:lvl1pPr>
-            <a:lvl2pPr>
+            <a:lvl2pPr indent="0" algn="l">
               <a:buNone/>
               <a:defRPr sz="1200"/>
             </a:lvl2pPr>
-            <a:lvl3pPr>
+            <a:lvl3pPr indent="0" algn="l">
               <a:buNone/>
               <a:defRPr sz="1000"/>
             </a:lvl3pPr>
-            <a:lvl4pPr>
+            <a:lvl4pPr indent="0" algn="l">
               <a:buNone/>
               <a:defRPr sz="900"/>
             </a:lvl4pPr>
-            <a:lvl5pPr>
+            <a:lvl5pPr indent="0" algn="l">
               <a:buNone/>
               <a:defRPr sz="900"/>
             </a:lvl5pPr>
-            <a:extLst/>
           </a:lstStyle>
           <a:p>
             <a:pPr lvl="0" eaLnBrk="1" latinLnBrk="0" hangingPunct="1"/>
@@ -2741,18 +2115,18 @@
         </p:nvSpPr>
         <p:spPr>
           <a:xfrm>
-            <a:off x="457200" y="2133600"/>
-            <a:ext cx="8153400" cy="3992563"/>
+            <a:off x="3575050" y="1676400"/>
+            <a:ext cx="5111750" cy="4572000"/>
           </a:xfrm>
         </p:spPr>
         <p:txBody>
-          <a:bodyPr/>
+          <a:bodyPr tIns="0"/>
           <a:lstStyle>
             <a:lvl1pPr>
-              <a:defRPr sz="3200"/>
+              <a:defRPr sz="2800"/>
             </a:lvl1pPr>
             <a:lvl2pPr>
-              <a:defRPr sz="2800"/>
+              <a:defRPr sz="2600"/>
             </a:lvl2pPr>
             <a:lvl3pPr>
               <a:defRPr sz="2400"/>
@@ -2761,9 +2135,8 @@
               <a:defRPr sz="2000"/>
             </a:lvl4pPr>
             <a:lvl5pPr>
-              <a:defRPr sz="2000"/>
+              <a:defRPr sz="1800"/>
             </a:lvl5pPr>
-            <a:extLst/>
           </a:lstStyle>
           <a:p>
             <a:pPr lvl="0" eaLnBrk="1" latinLnBrk="0" hangingPunct="1"/>
@@ -2816,9 +2189,7 @@
         <p:spPr/>
         <p:txBody>
           <a:bodyPr/>
-          <a:lstStyle>
-            <a:extLst/>
-          </a:lstStyle>
+          <a:lstStyle/>
           <a:p>
             <a:fld id="{1D8BD707-D9CF-40AE-B4C6-C98DA3205C09}" type="datetimeFigureOut">
               <a:rPr lang="en-US" smtClean="0"/>
@@ -2842,9 +2213,7 @@
         <p:spPr/>
         <p:txBody>
           <a:bodyPr/>
-          <a:lstStyle>
-            <a:extLst/>
-          </a:lstStyle>
+          <a:lstStyle/>
           <a:p>
             <a:endParaRPr lang="en-US"/>
           </a:p>
@@ -2863,9 +2232,7 @@
         <p:spPr/>
         <p:txBody>
           <a:bodyPr/>
-          <a:lstStyle>
-            <a:extLst/>
-          </a:lstStyle>
+          <a:lstStyle/>
           <a:p>
             <a:fld id="{B6F15528-21DE-4FAA-801E-634DDDAF4B2B}" type="slidenum">
               <a:rPr lang="en-US" smtClean="0"/>
@@ -2881,13 +2248,6 @@
   <p:clrMapOvr>
     <a:masterClrMapping/>
   </p:clrMapOvr>
-  <p:timing>
-    <p:tnLst>
-      <p:par>
-        <p:cTn id="1" dur="indefinite" restart="never" nodeType="tmRoot"/>
-      </p:par>
-    </p:tnLst>
-  </p:timing>
 </p:sldLayout>
 </file>
 
@@ -2910,284 +2270,46 @@
       </p:grpSpPr>
       <p:sp>
         <p:nvSpPr>
-          <p:cNvPr id="2" name="Title 1"/>
-          <p:cNvSpPr>
-            <a:spLocks noGrp="1"/>
-          </p:cNvSpPr>
-          <p:nvPr>
-            <p:ph type="title"/>
-          </p:nvPr>
-        </p:nvSpPr>
-        <p:spPr>
-          <a:xfrm>
-            <a:off x="5886896" y="1066800"/>
-            <a:ext cx="2743200" cy="1981200"/>
-          </a:xfrm>
-        </p:spPr>
-        <p:txBody>
-          <a:bodyPr anchor="b">
-            <a:noAutofit/>
-          </a:bodyPr>
-          <a:lstStyle>
-            <a:lvl1pPr algn="l">
-              <a:buNone/>
-              <a:defRPr sz="2100" b="1">
-                <a:effectLst/>
-              </a:defRPr>
-            </a:lvl1pPr>
-            <a:extLst/>
-          </a:lstStyle>
-          <a:p>
-            <a:r>
-              <a:rPr kumimoji="0" lang="en-US" smtClean="0"/>
-              <a:t>Click to edit Master title style</a:t>
-            </a:r>
-            <a:endParaRPr kumimoji="0" lang="en-US"/>
-          </a:p>
-        </p:txBody>
-      </p:sp>
-      <p:sp>
-        <p:nvSpPr>
-          <p:cNvPr id="5" name="Date Placeholder 4"/>
-          <p:cNvSpPr>
-            <a:spLocks noGrp="1"/>
-          </p:cNvSpPr>
-          <p:nvPr>
-            <p:ph type="dt" sz="half" idx="10"/>
-          </p:nvPr>
-        </p:nvSpPr>
-        <p:spPr/>
-        <p:txBody>
-          <a:bodyPr/>
-          <a:lstStyle>
-            <a:extLst/>
-          </a:lstStyle>
-          <a:p>
-            <a:fld id="{1D8BD707-D9CF-40AE-B4C6-C98DA3205C09}" type="datetimeFigureOut">
-              <a:rPr lang="en-US" smtClean="0"/>
-              <a:pPr/>
-              <a:t>6/27/2019</a:t>
-            </a:fld>
-            <a:endParaRPr lang="en-US"/>
-          </a:p>
-        </p:txBody>
-      </p:sp>
-      <p:sp>
-        <p:nvSpPr>
-          <p:cNvPr id="6" name="Footer Placeholder 5"/>
-          <p:cNvSpPr>
-            <a:spLocks noGrp="1"/>
-          </p:cNvSpPr>
-          <p:nvPr>
-            <p:ph type="ftr" sz="quarter" idx="11"/>
-          </p:nvPr>
-        </p:nvSpPr>
-        <p:spPr/>
-        <p:txBody>
-          <a:bodyPr/>
-          <a:lstStyle>
-            <a:extLst/>
-          </a:lstStyle>
-          <a:p>
-            <a:endParaRPr lang="en-US"/>
-          </a:p>
-        </p:txBody>
-      </p:sp>
-      <p:sp>
-        <p:nvSpPr>
-          <p:cNvPr id="7" name="Slide Number Placeholder 6"/>
-          <p:cNvSpPr>
-            <a:spLocks noGrp="1"/>
-          </p:cNvSpPr>
-          <p:nvPr>
-            <p:ph type="sldNum" sz="quarter" idx="12"/>
-          </p:nvPr>
-        </p:nvSpPr>
-        <p:spPr/>
-        <p:txBody>
-          <a:bodyPr/>
-          <a:lstStyle>
-            <a:extLst/>
-          </a:lstStyle>
-          <a:p>
-            <a:fld id="{B6F15528-21DE-4FAA-801E-634DDDAF4B2B}" type="slidenum">
-              <a:rPr lang="en-US" smtClean="0"/>
-              <a:pPr/>
-              <a:t>‹#›</a:t>
-            </a:fld>
-            <a:endParaRPr lang="en-US"/>
-          </a:p>
-        </p:txBody>
-      </p:sp>
-      <p:sp>
-        <p:nvSpPr>
-          <p:cNvPr id="8" name="Rectangle 7"/>
+          <p:cNvPr id="9" name="Snip and Round Single Corner Rectangle 8"/>
           <p:cNvSpPr/>
           <p:nvPr/>
         </p:nvSpPr>
         <p:spPr>
-          <a:xfrm>
-            <a:off x="762000" y="1066800"/>
-            <a:ext cx="4572000" cy="4572000"/>
+          <a:xfrm rot="420000" flipV="1">
+            <a:off x="3165753" y="1108077"/>
+            <a:ext cx="5257800" cy="4114800"/>
           </a:xfrm>
-          <a:prstGeom prst="rect">
-            <a:avLst/>
+          <a:prstGeom prst="snipRoundRect">
+            <a:avLst>
+              <a:gd name="adj1" fmla="val 0"/>
+              <a:gd name="adj2" fmla="val 3646"/>
+            </a:avLst>
           </a:prstGeom>
           <a:solidFill>
             <a:srgbClr val="FFFFFF"/>
           </a:solidFill>
-          <a:ln w="88900" cap="sq">
+          <a:ln w="3175" cap="rnd" cmpd="sng" algn="ctr">
             <a:solidFill>
-              <a:srgbClr val="FFFFFF"/>
-            </a:solidFill>
-            <a:miter lim="800000"/>
-          </a:ln>
-          <a:effectLst>
-            <a:outerShdw blurRad="55500" dist="18500" dir="5400000" algn="tl" rotWithShape="0">
-              <a:srgbClr val="000000">
-                <a:alpha val="35000"/>
-              </a:srgbClr>
-            </a:outerShdw>
-          </a:effectLst>
-          <a:scene3d>
-            <a:camera prst="orthographicFront"/>
-            <a:lightRig rig="twoPt" dir="t">
-              <a:rot lat="0" lon="0" rev="7200000"/>
-            </a:lightRig>
-          </a:scene3d>
-          <a:sp3d contourW="635">
-            <a:bevelT w="25400" h="19050"/>
-            <a:contourClr>
-              <a:srgbClr val="969696"/>
-            </a:contourClr>
-          </a:sp3d>
-        </p:spPr>
-        <p:txBody>
-          <a:bodyPr lIns="91440" tIns="274320" rtlCol="0" anchor="t">
-            <a:normAutofit/>
-          </a:bodyPr>
-          <a:lstStyle>
-            <a:extLst/>
-          </a:lstStyle>
-          <a:p>
-            <a:pPr marL="0" indent="-283464" algn="l" rtl="0" eaLnBrk="1" latinLnBrk="0" hangingPunct="1">
-              <a:lnSpc>
-                <a:spcPts val="3000"/>
-              </a:lnSpc>
-              <a:spcBef>
-                <a:spcPts val="600"/>
-              </a:spcBef>
-              <a:buClr>
-                <a:schemeClr val="accent1"/>
-              </a:buClr>
-              <a:buSzPct val="80000"/>
-              <a:buFont typeface="Wingdings 2"/>
-              <a:buNone/>
-            </a:pPr>
-            <a:endParaRPr kumimoji="0" lang="en-US" sz="3200" kern="1200">
-              <a:solidFill>
-                <a:schemeClr val="tx1"/>
-              </a:solidFill>
-              <a:latin typeface="+mn-lt"/>
-              <a:ea typeface="+mn-ea"/>
-              <a:cs typeface="+mn-cs"/>
-            </a:endParaRPr>
-          </a:p>
-        </p:txBody>
-      </p:sp>
-      <p:sp>
-        <p:nvSpPr>
-          <p:cNvPr id="3" name="Picture Placeholder 2"/>
-          <p:cNvSpPr>
-            <a:spLocks noGrp="1"/>
-          </p:cNvSpPr>
-          <p:nvPr>
-            <p:ph type="pic" idx="1"/>
-          </p:nvPr>
-        </p:nvSpPr>
-        <p:spPr>
-          <a:xfrm>
-            <a:off x="838200" y="1143003"/>
-            <a:ext cx="4419600" cy="3514531"/>
-          </a:xfrm>
-          <a:prstGeom prst="roundRect">
-            <a:avLst>
-              <a:gd name="adj" fmla="val 783"/>
-            </a:avLst>
-          </a:prstGeom>
-          <a:solidFill>
-            <a:schemeClr val="bg2"/>
-          </a:solidFill>
-          <a:ln w="127000">
-            <a:noFill/>
-            <a:miter lim="800000"/>
-          </a:ln>
-          <a:effectLst/>
-        </p:spPr>
-        <p:txBody>
-          <a:bodyPr lIns="91440" tIns="274320" anchor="t"/>
-          <a:lstStyle>
-            <a:lvl1pPr indent="0">
-              <a:buNone/>
-              <a:defRPr sz="3200"/>
-            </a:lvl1pPr>
-            <a:extLst/>
-          </a:lstStyle>
-          <a:p>
-            <a:pPr marL="0" algn="l" eaLnBrk="1" latinLnBrk="0" hangingPunct="1"/>
-            <a:r>
-              <a:rPr kumimoji="0" lang="en-US" smtClean="0"/>
-              <a:t>Click icon to add picture</a:t>
-            </a:r>
-            <a:endParaRPr kumimoji="0" lang="en-US" dirty="0"/>
-          </a:p>
-        </p:txBody>
-      </p:sp>
-      <p:sp>
-        <p:nvSpPr>
-          <p:cNvPr id="9" name="Flowchart: Process 8"/>
-          <p:cNvSpPr/>
-          <p:nvPr/>
-        </p:nvSpPr>
-        <p:spPr>
-          <a:xfrm rot="19468671">
-            <a:off x="396725" y="954341"/>
-            <a:ext cx="685800" cy="204310"/>
-          </a:xfrm>
-          <a:prstGeom prst="flowChartProcess">
-            <a:avLst/>
-          </a:prstGeom>
-          <a:solidFill>
-            <a:srgbClr val="FBFBFB">
-              <a:alpha val="45098"/>
-            </a:srgbClr>
-          </a:solidFill>
-          <a:ln w="6350" cap="rnd" cmpd="sng" algn="ctr">
-            <a:solidFill>
-              <a:srgbClr val="FFFFFF">
-                <a:alpha val="100000"/>
-              </a:srgbClr>
+              <a:srgbClr val="C0C0C0"/>
             </a:solidFill>
             <a:prstDash val="solid"/>
           </a:ln>
           <a:effectLst>
-            <a:outerShdw blurRad="25400" dist="25400" dir="3300000" sx="96000" sy="96000" algn="tl" rotWithShape="0">
-              <a:schemeClr val="bg2">
-                <a:shade val="90000"/>
-                <a:satMod val="200000"/>
-                <a:alpha val="40000"/>
-              </a:schemeClr>
+            <a:outerShdw blurRad="63500" dist="38500" dir="7500000" sx="98500" sy="100080" kx="100000" algn="tl" rotWithShape="0">
+              <a:srgbClr val="000000">
+                <a:alpha val="25000"/>
+              </a:srgbClr>
             </a:outerShdw>
           </a:effectLst>
         </p:spPr>
         <p:style>
-          <a:lnRef idx="3">
-            <a:schemeClr val="lt1"/>
+          <a:lnRef idx="2">
+            <a:schemeClr val="accent1"/>
           </a:lnRef>
           <a:fillRef idx="1">
             <a:schemeClr val="accent1"/>
           </a:fillRef>
-          <a:effectRef idx="1">
+          <a:effectRef idx="0">
             <a:schemeClr val="accent1"/>
           </a:effectRef>
           <a:fontRef idx="minor">
@@ -3195,10 +2317,8 @@
           </a:fontRef>
         </p:style>
         <p:txBody>
-          <a:bodyPr anchor="ctr"/>
-          <a:lstStyle>
-            <a:extLst/>
-          </a:lstStyle>
+          <a:bodyPr rtlCol="0" anchor="ctr"/>
+          <a:lstStyle/>
           <a:p>
             <a:pPr algn="ctr" eaLnBrk="1" latinLnBrk="0" hangingPunct="1"/>
             <a:endParaRPr kumimoji="0" lang="en-US"/>
@@ -3207,47 +2327,44 @@
       </p:sp>
       <p:sp>
         <p:nvSpPr>
-          <p:cNvPr id="10" name="Flowchart: Process 9"/>
+          <p:cNvPr id="12" name="Right Triangle 11"/>
           <p:cNvSpPr/>
           <p:nvPr/>
         </p:nvSpPr>
         <p:spPr>
-          <a:xfrm rot="2103354" flipH="1">
-            <a:off x="5003667" y="936786"/>
-            <a:ext cx="649224" cy="204310"/>
+          <a:xfrm rot="420000" flipV="1">
+            <a:off x="8004134" y="5359769"/>
+            <a:ext cx="155448" cy="155448"/>
           </a:xfrm>
-          <a:prstGeom prst="flowChartProcess">
+          <a:prstGeom prst="rtTriangle">
             <a:avLst/>
           </a:prstGeom>
           <a:solidFill>
-            <a:srgbClr val="FBFBFB">
-              <a:alpha val="45098"/>
-            </a:srgbClr>
+            <a:srgbClr val="FFFFFF"/>
           </a:solidFill>
-          <a:ln w="6350" cap="rnd" cmpd="sng" algn="ctr">
+          <a:ln w="12700" cap="flat" cmpd="sng" algn="ctr">
             <a:solidFill>
-              <a:srgbClr val="FFFFFF">
-                <a:alpha val="100000"/>
-              </a:srgbClr>
+              <a:srgbClr val="FFFFFF"/>
             </a:solidFill>
             <a:prstDash val="solid"/>
+            <a:bevel/>
           </a:ln>
           <a:effectLst>
-            <a:outerShdw blurRad="25400" dist="25400" dir="3300000" sx="96000" sy="96000" algn="tl" rotWithShape="0">
-              <a:schemeClr val="bg2">
-                <a:alpha val="20000"/>
-              </a:schemeClr>
+            <a:outerShdw blurRad="19685" dist="6350" dir="12900000" algn="tl" rotWithShape="0">
+              <a:srgbClr val="000000">
+                <a:alpha val="47000"/>
+              </a:srgbClr>
             </a:outerShdw>
           </a:effectLst>
         </p:spPr>
         <p:style>
-          <a:lnRef idx="3">
-            <a:schemeClr val="lt1"/>
+          <a:lnRef idx="2">
+            <a:schemeClr val="accent1"/>
           </a:lnRef>
           <a:fillRef idx="1">
             <a:schemeClr val="accent1"/>
           </a:fillRef>
-          <a:effectRef idx="1">
+          <a:effectRef idx="0">
             <a:schemeClr val="accent1"/>
           </a:effectRef>
           <a:fontRef idx="minor">
@@ -3255,48 +2372,77 @@
           </a:fontRef>
         </p:style>
         <p:txBody>
-          <a:bodyPr anchor="ctr"/>
-          <a:lstStyle>
-            <a:extLst/>
-          </a:lstStyle>
+          <a:bodyPr rtlCol="0" anchor="ctr"/>
+          <a:lstStyle/>
           <a:p>
             <a:pPr algn="ctr" eaLnBrk="1" latinLnBrk="0" hangingPunct="1"/>
-            <a:endParaRPr kumimoji="0" lang="en-US" dirty="0"/>
-          </a:p>
-        </p:txBody>
-      </p:sp>
-      <p:sp>
-        <p:nvSpPr>
-          <p:cNvPr id="4" name="Text Placeholder 3"/>
-          <p:cNvSpPr>
-            <a:spLocks noGrp="1"/>
-          </p:cNvSpPr>
-          <p:nvPr>
-            <p:ph type="body" sz="half" idx="2"/>
+            <a:endParaRPr kumimoji="0" lang="en-US"/>
+          </a:p>
+        </p:txBody>
+      </p:sp>
+      <p:sp>
+        <p:nvSpPr>
+          <p:cNvPr id="2" name="Title 1"/>
+          <p:cNvSpPr>
+            <a:spLocks noGrp="1"/>
+          </p:cNvSpPr>
+          <p:nvPr>
+            <p:ph type="title"/>
           </p:nvPr>
         </p:nvSpPr>
         <p:spPr>
           <a:xfrm>
-            <a:off x="838200" y="4800600"/>
-            <a:ext cx="4419600" cy="762000"/>
+            <a:off x="609600" y="1176996"/>
+            <a:ext cx="2212848" cy="1582621"/>
           </a:xfrm>
         </p:spPr>
         <p:txBody>
-          <a:bodyPr anchor="ctr"/>
+          <a:bodyPr vert="horz" lIns="45720" tIns="45720" rIns="45720" bIns="45720" anchor="b"/>
+          <a:lstStyle>
+            <a:lvl1pPr algn="l">
+              <a:buNone/>
+              <a:defRPr sz="2000" b="1">
+                <a:solidFill>
+                  <a:schemeClr val="tx2"/>
+                </a:solidFill>
+              </a:defRPr>
+            </a:lvl1pPr>
+          </a:lstStyle>
+          <a:p>
+            <a:r>
+              <a:rPr kumimoji="0" lang="en-US" smtClean="0"/>
+              <a:t>Click to edit Master title style</a:t>
+            </a:r>
+            <a:endParaRPr kumimoji="0" lang="en-US"/>
+          </a:p>
+        </p:txBody>
+      </p:sp>
+      <p:sp>
+        <p:nvSpPr>
+          <p:cNvPr id="4" name="Text Placeholder 3"/>
+          <p:cNvSpPr>
+            <a:spLocks noGrp="1"/>
+          </p:cNvSpPr>
+          <p:nvPr>
+            <p:ph type="body" sz="half" idx="2"/>
+          </p:nvPr>
+        </p:nvSpPr>
+        <p:spPr>
+          <a:xfrm>
+            <a:off x="609600" y="2828785"/>
+            <a:ext cx="2209800" cy="2179320"/>
+          </a:xfrm>
+        </p:spPr>
+        <p:txBody>
+          <a:bodyPr lIns="64008" rIns="45720" bIns="45720" anchor="t"/>
           <a:lstStyle>
             <a:lvl1pPr marL="0" indent="0" algn="l">
-              <a:lnSpc>
-                <a:spcPts val="1600"/>
-              </a:lnSpc>
               <a:spcBef>
-                <a:spcPts val="0"/>
+                <a:spcPts val="250"/>
               </a:spcBef>
+              <a:buFontTx/>
               <a:buNone/>
-              <a:defRPr sz="1400">
-                <a:solidFill>
-                  <a:srgbClr val="777777"/>
-                </a:solidFill>
-              </a:defRPr>
+              <a:defRPr sz="1300"/>
             </a:lvl1pPr>
             <a:lvl2pPr>
               <a:defRPr sz="1200"/>
@@ -3310,7 +2456,6 @@
             <a:lvl5pPr>
               <a:defRPr sz="900"/>
             </a:lvl5pPr>
-            <a:extLst/>
           </a:lstStyle>
           <a:p>
             <a:pPr lvl="0" eaLnBrk="1" latinLnBrk="0" hangingPunct="1"/>
@@ -3318,6 +2463,380 @@
               <a:rPr kumimoji="0" lang="en-US" smtClean="0"/>
               <a:t>Click to edit Master text styles</a:t>
             </a:r>
+          </a:p>
+        </p:txBody>
+      </p:sp>
+      <p:sp>
+        <p:nvSpPr>
+          <p:cNvPr id="5" name="Date Placeholder 4"/>
+          <p:cNvSpPr>
+            <a:spLocks noGrp="1"/>
+          </p:cNvSpPr>
+          <p:nvPr>
+            <p:ph type="dt" sz="half" idx="10"/>
+          </p:nvPr>
+        </p:nvSpPr>
+        <p:spPr/>
+        <p:txBody>
+          <a:bodyPr/>
+          <a:lstStyle/>
+          <a:p>
+            <a:fld id="{1D8BD707-D9CF-40AE-B4C6-C98DA3205C09}" type="datetimeFigureOut">
+              <a:rPr lang="en-US" smtClean="0"/>
+              <a:pPr/>
+              <a:t>6/27/2019</a:t>
+            </a:fld>
+            <a:endParaRPr lang="en-US"/>
+          </a:p>
+        </p:txBody>
+      </p:sp>
+      <p:sp>
+        <p:nvSpPr>
+          <p:cNvPr id="6" name="Footer Placeholder 5"/>
+          <p:cNvSpPr>
+            <a:spLocks noGrp="1"/>
+          </p:cNvSpPr>
+          <p:nvPr>
+            <p:ph type="ftr" sz="quarter" idx="11"/>
+          </p:nvPr>
+        </p:nvSpPr>
+        <p:spPr/>
+        <p:txBody>
+          <a:bodyPr/>
+          <a:lstStyle/>
+          <a:p>
+            <a:endParaRPr lang="en-US"/>
+          </a:p>
+        </p:txBody>
+      </p:sp>
+      <p:sp>
+        <p:nvSpPr>
+          <p:cNvPr id="7" name="Slide Number Placeholder 6"/>
+          <p:cNvSpPr>
+            <a:spLocks noGrp="1"/>
+          </p:cNvSpPr>
+          <p:nvPr>
+            <p:ph type="sldNum" sz="quarter" idx="12"/>
+          </p:nvPr>
+        </p:nvSpPr>
+        <p:spPr>
+          <a:xfrm>
+            <a:off x="8077200" y="6356350"/>
+            <a:ext cx="609600" cy="365125"/>
+          </a:xfrm>
+        </p:spPr>
+        <p:txBody>
+          <a:bodyPr/>
+          <a:lstStyle/>
+          <a:p>
+            <a:fld id="{B6F15528-21DE-4FAA-801E-634DDDAF4B2B}" type="slidenum">
+              <a:rPr lang="en-US" smtClean="0"/>
+              <a:pPr/>
+              <a:t>‹#›</a:t>
+            </a:fld>
+            <a:endParaRPr lang="en-US"/>
+          </a:p>
+        </p:txBody>
+      </p:sp>
+      <p:sp>
+        <p:nvSpPr>
+          <p:cNvPr id="3" name="Picture Placeholder 2"/>
+          <p:cNvSpPr>
+            <a:spLocks noGrp="1"/>
+          </p:cNvSpPr>
+          <p:nvPr>
+            <p:ph type="pic" idx="1"/>
+          </p:nvPr>
+        </p:nvSpPr>
+        <p:spPr>
+          <a:xfrm rot="420000">
+            <a:off x="3485793" y="1199517"/>
+            <a:ext cx="4617720" cy="3931920"/>
+          </a:xfrm>
+          <a:prstGeom prst="rect">
+            <a:avLst/>
+          </a:prstGeom>
+          <a:solidFill>
+            <a:schemeClr val="bg2"/>
+          </a:solidFill>
+          <a:ln w="3000" cap="rnd">
+            <a:solidFill>
+              <a:srgbClr val="C0C0C0"/>
+            </a:solidFill>
+            <a:round/>
+          </a:ln>
+          <a:effectLst/>
+        </p:spPr>
+        <p:txBody>
+          <a:bodyPr/>
+          <a:lstStyle>
+            <a:lvl1pPr marL="0" indent="0">
+              <a:buNone/>
+              <a:defRPr sz="3200"/>
+            </a:lvl1pPr>
+          </a:lstStyle>
+          <a:p>
+            <a:r>
+              <a:rPr kumimoji="0" lang="en-US" smtClean="0"/>
+              <a:t>Click icon to add picture</a:t>
+            </a:r>
+            <a:endParaRPr kumimoji="0" lang="en-US" dirty="0"/>
+          </a:p>
+        </p:txBody>
+      </p:sp>
+      <p:sp>
+        <p:nvSpPr>
+          <p:cNvPr id="10" name="Freeform 9"/>
+          <p:cNvSpPr>
+            <a:spLocks/>
+          </p:cNvSpPr>
+          <p:nvPr/>
+        </p:nvSpPr>
+        <p:spPr bwMode="auto">
+          <a:xfrm flipV="1">
+            <a:off x="-9525" y="5816600"/>
+            <a:ext cx="9163050" cy="1041400"/>
+          </a:xfrm>
+          <a:custGeom>
+            <a:avLst>
+              <a:gd name="A1" fmla="val 0"/>
+              <a:gd name="A2" fmla="val 0"/>
+              <a:gd name="A3" fmla="val 0"/>
+              <a:gd name="A4" fmla="val 0"/>
+              <a:gd name="A5" fmla="val 0"/>
+              <a:gd name="A6" fmla="val 0"/>
+              <a:gd name="A7" fmla="val 0"/>
+              <a:gd name="A8" fmla="val 0"/>
+            </a:avLst>
+            <a:gdLst/>
+            <a:ahLst/>
+            <a:cxnLst>
+              <a:cxn ang="0">
+                <a:pos x="6" y="2"/>
+              </a:cxn>
+              <a:cxn ang="0">
+                <a:pos x="2542" y="0"/>
+              </a:cxn>
+              <a:cxn ang="0">
+                <a:pos x="4374" y="367"/>
+              </a:cxn>
+              <a:cxn ang="0">
+                <a:pos x="5766" y="55"/>
+              </a:cxn>
+              <a:cxn ang="0">
+                <a:pos x="5772" y="213"/>
+              </a:cxn>
+              <a:cxn ang="0">
+                <a:pos x="4302" y="439"/>
+              </a:cxn>
+              <a:cxn ang="0">
+                <a:pos x="1488" y="201"/>
+              </a:cxn>
+              <a:cxn ang="0">
+                <a:pos x="0" y="656"/>
+              </a:cxn>
+              <a:cxn ang="0">
+                <a:pos x="6" y="2"/>
+              </a:cxn>
+            </a:cxnLst>
+            <a:rect l="0" t="0" r="0" b="0"/>
+            <a:pathLst>
+              <a:path w="5772" h="656">
+                <a:moveTo>
+                  <a:pt x="6" y="2"/>
+                </a:moveTo>
+                <a:lnTo>
+                  <a:pt x="2542" y="0"/>
+                </a:lnTo>
+                <a:cubicBezTo>
+                  <a:pt x="2746" y="101"/>
+                  <a:pt x="3828" y="367"/>
+                  <a:pt x="4374" y="367"/>
+                </a:cubicBezTo>
+                <a:cubicBezTo>
+                  <a:pt x="4920" y="367"/>
+                  <a:pt x="5526" y="152"/>
+                  <a:pt x="5766" y="55"/>
+                </a:cubicBezTo>
+                <a:lnTo>
+                  <a:pt x="5772" y="213"/>
+                </a:lnTo>
+                <a:cubicBezTo>
+                  <a:pt x="5670" y="257"/>
+                  <a:pt x="5016" y="441"/>
+                  <a:pt x="4302" y="439"/>
+                </a:cubicBezTo>
+                <a:cubicBezTo>
+                  <a:pt x="3588" y="437"/>
+                  <a:pt x="2205" y="165"/>
+                  <a:pt x="1488" y="201"/>
+                </a:cubicBezTo>
+                <a:cubicBezTo>
+                  <a:pt x="750" y="209"/>
+                  <a:pt x="270" y="482"/>
+                  <a:pt x="0" y="656"/>
+                </a:cubicBezTo>
+                <a:lnTo>
+                  <a:pt x="6" y="2"/>
+                </a:lnTo>
+                <a:close/>
+              </a:path>
+            </a:pathLst>
+          </a:custGeom>
+          <a:gradFill>
+            <a:gsLst>
+              <a:gs pos="0">
+                <a:schemeClr val="accent2">
+                  <a:shade val="50000"/>
+                  <a:alpha val="45000"/>
+                  <a:satMod val="120000"/>
+                </a:schemeClr>
+              </a:gs>
+              <a:gs pos="100000">
+                <a:schemeClr val="accent3">
+                  <a:shade val="80000"/>
+                  <a:alpha val="55000"/>
+                  <a:satMod val="155000"/>
+                </a:schemeClr>
+              </a:gs>
+            </a:gsLst>
+            <a:lin ang="5400000" scaled="1"/>
+          </a:gradFill>
+          <a:ln w="9525" cap="flat" cmpd="sng" algn="ctr">
+            <a:noFill/>
+            <a:prstDash val="solid"/>
+            <a:round/>
+            <a:headEnd type="none" w="med" len="med"/>
+            <a:tailEnd type="none" w="med" len="med"/>
+          </a:ln>
+          <a:effectLst/>
+        </p:spPr>
+        <p:txBody>
+          <a:bodyPr vert="horz" wrap="square" lIns="91440" tIns="45720" rIns="91440" bIns="45720" anchor="t" compatLnSpc="1"/>
+          <a:lstStyle/>
+          <a:p>
+            <a:pPr marL="0" algn="l" rtl="0" eaLnBrk="1" latinLnBrk="0" hangingPunct="1"/>
+            <a:endParaRPr kumimoji="0" lang="en-US">
+              <a:solidFill>
+                <a:schemeClr val="tx1"/>
+              </a:solidFill>
+              <a:latin typeface="+mn-lt"/>
+              <a:ea typeface="+mn-ea"/>
+              <a:cs typeface="+mn-cs"/>
+            </a:endParaRPr>
+          </a:p>
+        </p:txBody>
+      </p:sp>
+      <p:sp>
+        <p:nvSpPr>
+          <p:cNvPr id="11" name="Freeform 10"/>
+          <p:cNvSpPr>
+            <a:spLocks/>
+          </p:cNvSpPr>
+          <p:nvPr/>
+        </p:nvSpPr>
+        <p:spPr bwMode="auto">
+          <a:xfrm flipV="1">
+            <a:off x="4381500" y="6219825"/>
+            <a:ext cx="4762500" cy="638175"/>
+          </a:xfrm>
+          <a:custGeom>
+            <a:avLst>
+              <a:gd name="A1" fmla="val 0"/>
+              <a:gd name="A2" fmla="val 0"/>
+              <a:gd name="A3" fmla="val 0"/>
+              <a:gd name="A4" fmla="val 0"/>
+              <a:gd name="A5" fmla="val 0"/>
+              <a:gd name="A6" fmla="val 0"/>
+              <a:gd name="A7" fmla="val 0"/>
+              <a:gd name="A8" fmla="val 0"/>
+            </a:avLst>
+            <a:gdLst/>
+            <a:ahLst/>
+            <a:cxnLst>
+              <a:cxn ang="0">
+                <a:pos x="0" y="0"/>
+              </a:cxn>
+              <a:cxn ang="0">
+                <a:pos x="1668" y="564"/>
+              </a:cxn>
+              <a:cxn ang="0">
+                <a:pos x="3000" y="186"/>
+              </a:cxn>
+              <a:cxn ang="0">
+                <a:pos x="3000" y="6"/>
+              </a:cxn>
+              <a:cxn ang="0">
+                <a:pos x="0" y="0"/>
+              </a:cxn>
+            </a:cxnLst>
+            <a:rect l="0" t="0" r="0" b="0"/>
+            <a:pathLst>
+              <a:path w="3000" h="595">
+                <a:moveTo>
+                  <a:pt x="0" y="0"/>
+                </a:moveTo>
+                <a:cubicBezTo>
+                  <a:pt x="174" y="102"/>
+                  <a:pt x="1168" y="533"/>
+                  <a:pt x="1668" y="564"/>
+                </a:cubicBezTo>
+                <a:cubicBezTo>
+                  <a:pt x="2168" y="595"/>
+                  <a:pt x="2778" y="279"/>
+                  <a:pt x="3000" y="186"/>
+                </a:cubicBezTo>
+                <a:lnTo>
+                  <a:pt x="3000" y="6"/>
+                </a:lnTo>
+                <a:lnTo>
+                  <a:pt x="0" y="0"/>
+                </a:lnTo>
+                <a:close/>
+              </a:path>
+            </a:pathLst>
+          </a:custGeom>
+          <a:gradFill>
+            <a:gsLst>
+              <a:gs pos="0">
+                <a:schemeClr val="accent3">
+                  <a:shade val="50000"/>
+                  <a:alpha val="30000"/>
+                  <a:satMod val="130000"/>
+                </a:schemeClr>
+              </a:gs>
+              <a:gs pos="80000">
+                <a:schemeClr val="accent2">
+                  <a:shade val="75000"/>
+                  <a:alpha val="45000"/>
+                  <a:satMod val="140000"/>
+                </a:schemeClr>
+              </a:gs>
+            </a:gsLst>
+            <a:lin ang="5400000" scaled="1"/>
+          </a:gradFill>
+          <a:ln w="9525" cap="flat" cmpd="sng" algn="ctr">
+            <a:noFill/>
+            <a:prstDash val="solid"/>
+            <a:round/>
+            <a:headEnd type="none" w="med" len="med"/>
+            <a:tailEnd type="none" w="med" len="med"/>
+          </a:ln>
+          <a:effectLst/>
+        </p:spPr>
+        <p:txBody>
+          <a:bodyPr vert="horz" wrap="square" lIns="91440" tIns="45720" rIns="91440" bIns="45720" anchor="t" compatLnSpc="1"/>
+          <a:lstStyle/>
+          <a:p>
+            <a:pPr marL="0" algn="l" rtl="0" eaLnBrk="1" latinLnBrk="0" hangingPunct="1"/>
+            <a:endParaRPr kumimoji="0" lang="en-US">
+              <a:solidFill>
+                <a:schemeClr val="tx1"/>
+              </a:solidFill>
+              <a:latin typeface="+mn-lt"/>
+              <a:ea typeface="+mn-ea"/>
+              <a:cs typeface="+mn-cs"/>
+            </a:endParaRPr>
           </a:p>
         </p:txBody>
       </p:sp>
@@ -3326,13 +2845,6 @@
   <p:clrMapOvr>
     <a:masterClrMapping/>
   </p:clrMapOvr>
-  <p:timing>
-    <p:tnLst>
-      <p:par>
-        <p:cTn id="1" dur="indefinite" restart="never" nodeType="tmRoot"/>
-      </p:par>
-    </p:tnLst>
-  </p:timing>
 </p:sldLayout>
 </file>
 
@@ -3341,7 +2853,7 @@
   <p:cSld>
     <p:bg>
       <p:bgRef idx="1003">
-        <a:schemeClr val="bg2"/>
+        <a:schemeClr val="bg1"/>
       </p:bgRef>
     </p:bg>
     <p:spTree>
@@ -3360,268 +2872,263 @@
       </p:grpSpPr>
       <p:sp>
         <p:nvSpPr>
-          <p:cNvPr id="7" name="Pie 6"/>
-          <p:cNvSpPr/>
+          <p:cNvPr id="7" name="Freeform 6"/>
+          <p:cNvSpPr>
+            <a:spLocks/>
+          </p:cNvSpPr>
           <p:nvPr/>
         </p:nvSpPr>
-        <p:spPr>
+        <p:spPr bwMode="auto">
           <a:xfrm>
-            <a:off x="-815927" y="-815922"/>
-            <a:ext cx="1638887" cy="1638887"/>
+            <a:off x="-9525" y="-7144"/>
+            <a:ext cx="9163050" cy="1041400"/>
           </a:xfrm>
-          <a:prstGeom prst="pie">
+          <a:custGeom>
             <a:avLst>
-              <a:gd name="adj1" fmla="val 0"/>
-              <a:gd name="adj2" fmla="val 5402120"/>
+              <a:gd name="A1" fmla="val 0"/>
+              <a:gd name="A2" fmla="val 0"/>
+              <a:gd name="A3" fmla="val 0"/>
+              <a:gd name="A4" fmla="val 0"/>
+              <a:gd name="A5" fmla="val 0"/>
+              <a:gd name="A6" fmla="val 0"/>
+              <a:gd name="A7" fmla="val 0"/>
+              <a:gd name="A8" fmla="val 0"/>
             </a:avLst>
-          </a:prstGeom>
-          <a:solidFill>
-            <a:schemeClr val="bg2">
-              <a:tint val="18000"/>
-              <a:satMod val="220000"/>
-              <a:alpha val="33000"/>
-            </a:schemeClr>
-          </a:solidFill>
-          <a:ln w="3175" cap="rnd" cmpd="sng" algn="ctr">
-            <a:solidFill>
-              <a:schemeClr val="bg2">
-                <a:shade val="70000"/>
-                <a:satMod val="200000"/>
-                <a:alpha val="100000"/>
-              </a:schemeClr>
-            </a:solidFill>
+            <a:gdLst/>
+            <a:ahLst/>
+            <a:cxnLst>
+              <a:cxn ang="0">
+                <a:pos x="6" y="2"/>
+              </a:cxn>
+              <a:cxn ang="0">
+                <a:pos x="2542" y="0"/>
+              </a:cxn>
+              <a:cxn ang="0">
+                <a:pos x="4374" y="367"/>
+              </a:cxn>
+              <a:cxn ang="0">
+                <a:pos x="5766" y="55"/>
+              </a:cxn>
+              <a:cxn ang="0">
+                <a:pos x="5772" y="213"/>
+              </a:cxn>
+              <a:cxn ang="0">
+                <a:pos x="4302" y="439"/>
+              </a:cxn>
+              <a:cxn ang="0">
+                <a:pos x="1488" y="201"/>
+              </a:cxn>
+              <a:cxn ang="0">
+                <a:pos x="0" y="656"/>
+              </a:cxn>
+              <a:cxn ang="0">
+                <a:pos x="6" y="2"/>
+              </a:cxn>
+            </a:cxnLst>
+            <a:rect l="0" t="0" r="0" b="0"/>
+            <a:pathLst>
+              <a:path w="5772" h="656">
+                <a:moveTo>
+                  <a:pt x="6" y="2"/>
+                </a:moveTo>
+                <a:lnTo>
+                  <a:pt x="2542" y="0"/>
+                </a:lnTo>
+                <a:cubicBezTo>
+                  <a:pt x="2746" y="101"/>
+                  <a:pt x="3828" y="367"/>
+                  <a:pt x="4374" y="367"/>
+                </a:cubicBezTo>
+                <a:cubicBezTo>
+                  <a:pt x="4920" y="367"/>
+                  <a:pt x="5526" y="152"/>
+                  <a:pt x="5766" y="55"/>
+                </a:cubicBezTo>
+                <a:lnTo>
+                  <a:pt x="5772" y="213"/>
+                </a:lnTo>
+                <a:cubicBezTo>
+                  <a:pt x="5670" y="257"/>
+                  <a:pt x="5016" y="441"/>
+                  <a:pt x="4302" y="439"/>
+                </a:cubicBezTo>
+                <a:cubicBezTo>
+                  <a:pt x="3588" y="437"/>
+                  <a:pt x="2205" y="165"/>
+                  <a:pt x="1488" y="201"/>
+                </a:cubicBezTo>
+                <a:cubicBezTo>
+                  <a:pt x="750" y="209"/>
+                  <a:pt x="270" y="482"/>
+                  <a:pt x="0" y="656"/>
+                </a:cubicBezTo>
+                <a:lnTo>
+                  <a:pt x="6" y="2"/>
+                </a:lnTo>
+                <a:close/>
+              </a:path>
+            </a:pathLst>
+          </a:custGeom>
+          <a:gradFill>
+            <a:gsLst>
+              <a:gs pos="0">
+                <a:schemeClr val="accent2">
+                  <a:shade val="50000"/>
+                  <a:alpha val="45000"/>
+                  <a:satMod val="120000"/>
+                </a:schemeClr>
+              </a:gs>
+              <a:gs pos="100000">
+                <a:schemeClr val="accent3">
+                  <a:shade val="80000"/>
+                  <a:alpha val="55000"/>
+                  <a:satMod val="155000"/>
+                </a:schemeClr>
+              </a:gs>
+            </a:gsLst>
+            <a:lin ang="5400000" scaled="1"/>
+          </a:gradFill>
+          <a:ln w="9525" cap="flat" cmpd="sng" algn="ctr">
+            <a:noFill/>
             <a:prstDash val="solid"/>
+            <a:round/>
+            <a:headEnd type="none" w="med" len="med"/>
+            <a:tailEnd type="none" w="med" len="med"/>
           </a:ln>
           <a:effectLst/>
         </p:spPr>
-        <p:style>
-          <a:lnRef idx="3">
-            <a:schemeClr val="lt1"/>
-          </a:lnRef>
-          <a:fillRef idx="1">
-            <a:schemeClr val="accent1"/>
-          </a:fillRef>
-          <a:effectRef idx="1">
-            <a:schemeClr val="accent1"/>
-          </a:effectRef>
-          <a:fontRef idx="minor">
-            <a:schemeClr val="lt1"/>
-          </a:fontRef>
-        </p:style>
-        <p:txBody>
-          <a:bodyPr anchor="ctr"/>
-          <a:lstStyle>
-            <a:extLst/>
-          </a:lstStyle>
-          <a:p>
-            <a:pPr algn="ctr" eaLnBrk="1" latinLnBrk="0" hangingPunct="1"/>
-            <a:endParaRPr kumimoji="0" lang="en-US"/>
-          </a:p>
-        </p:txBody>
-      </p:sp>
-      <p:sp>
-        <p:nvSpPr>
-          <p:cNvPr id="8" name="Oval 7"/>
-          <p:cNvSpPr/>
+        <p:txBody>
+          <a:bodyPr vert="horz" wrap="square" lIns="91440" tIns="45720" rIns="91440" bIns="45720" anchor="t" compatLnSpc="1"/>
+          <a:lstStyle/>
+          <a:p>
+            <a:pPr marL="0" algn="l" rtl="0" eaLnBrk="1" latinLnBrk="0" hangingPunct="1"/>
+            <a:endParaRPr kumimoji="0" lang="en-US">
+              <a:solidFill>
+                <a:schemeClr val="tx1"/>
+              </a:solidFill>
+              <a:latin typeface="+mn-lt"/>
+              <a:ea typeface="+mn-ea"/>
+              <a:cs typeface="+mn-cs"/>
+            </a:endParaRPr>
+          </a:p>
+        </p:txBody>
+      </p:sp>
+      <p:sp>
+        <p:nvSpPr>
+          <p:cNvPr id="8" name="Freeform 7"/>
+          <p:cNvSpPr>
+            <a:spLocks/>
+          </p:cNvSpPr>
           <p:nvPr/>
         </p:nvSpPr>
-        <p:spPr>
+        <p:spPr bwMode="auto">
           <a:xfrm>
-            <a:off x="168816" y="21102"/>
-            <a:ext cx="1702191" cy="1702191"/>
+            <a:off x="4381500" y="-7144"/>
+            <a:ext cx="4762500" cy="638175"/>
           </a:xfrm>
-          <a:prstGeom prst="ellipse">
-            <a:avLst/>
-          </a:prstGeom>
-          <a:noFill/>
-          <a:ln w="27305" cap="rnd" cmpd="sng" algn="ctr">
-            <a:solidFill>
-              <a:schemeClr val="bg2">
-                <a:tint val="45000"/>
-                <a:satMod val="325000"/>
-                <a:alpha val="100000"/>
-              </a:schemeClr>
-            </a:solidFill>
-            <a:prstDash val="solid"/>
-          </a:ln>
-          <a:effectLst>
-            <a:outerShdw blurRad="25400" dist="25400" dir="5400000" algn="tl" rotWithShape="0">
-              <a:schemeClr val="bg2">
-                <a:shade val="50000"/>
-                <a:satMod val="150000"/>
-                <a:alpha val="85000"/>
-              </a:schemeClr>
-            </a:outerShdw>
-          </a:effectLst>
-        </p:spPr>
-        <p:style>
-          <a:lnRef idx="3">
-            <a:schemeClr val="lt1"/>
-          </a:lnRef>
-          <a:fillRef idx="1">
-            <a:schemeClr val="accent1"/>
-          </a:fillRef>
-          <a:effectRef idx="1">
-            <a:schemeClr val="accent1"/>
-          </a:effectRef>
-          <a:fontRef idx="minor">
-            <a:schemeClr val="lt1"/>
-          </a:fontRef>
-        </p:style>
-        <p:txBody>
-          <a:bodyPr anchor="ctr"/>
-          <a:lstStyle>
-            <a:extLst/>
-          </a:lstStyle>
-          <a:p>
-            <a:pPr algn="ctr" eaLnBrk="1" latinLnBrk="0" hangingPunct="1"/>
-            <a:endParaRPr kumimoji="0" lang="en-US"/>
-          </a:p>
-        </p:txBody>
-      </p:sp>
-      <p:sp>
-        <p:nvSpPr>
-          <p:cNvPr id="11" name="Donut 10"/>
-          <p:cNvSpPr/>
-          <p:nvPr/>
-        </p:nvSpPr>
-        <p:spPr>
-          <a:xfrm rot="2315675">
-            <a:off x="182881" y="1055077"/>
-            <a:ext cx="1125717" cy="1102624"/>
-          </a:xfrm>
-          <a:prstGeom prst="donut">
+          <a:custGeom>
             <a:avLst>
-              <a:gd name="adj" fmla="val 11833"/>
+              <a:gd name="A1" fmla="val 0"/>
+              <a:gd name="A2" fmla="val 0"/>
+              <a:gd name="A3" fmla="val 0"/>
+              <a:gd name="A4" fmla="val 0"/>
+              <a:gd name="A5" fmla="val 0"/>
+              <a:gd name="A6" fmla="val 0"/>
+              <a:gd name="A7" fmla="val 0"/>
+              <a:gd name="A8" fmla="val 0"/>
             </a:avLst>
-          </a:prstGeom>
-          <a:gradFill rotWithShape="1">
+            <a:gdLst/>
+            <a:ahLst/>
+            <a:cxnLst>
+              <a:cxn ang="0">
+                <a:pos x="0" y="0"/>
+              </a:cxn>
+              <a:cxn ang="0">
+                <a:pos x="1668" y="564"/>
+              </a:cxn>
+              <a:cxn ang="0">
+                <a:pos x="3000" y="186"/>
+              </a:cxn>
+              <a:cxn ang="0">
+                <a:pos x="3000" y="6"/>
+              </a:cxn>
+              <a:cxn ang="0">
+                <a:pos x="0" y="0"/>
+              </a:cxn>
+            </a:cxnLst>
+            <a:rect l="0" t="0" r="0" b="0"/>
+            <a:pathLst>
+              <a:path w="3000" h="595">
+                <a:moveTo>
+                  <a:pt x="0" y="0"/>
+                </a:moveTo>
+                <a:cubicBezTo>
+                  <a:pt x="174" y="102"/>
+                  <a:pt x="1168" y="533"/>
+                  <a:pt x="1668" y="564"/>
+                </a:cubicBezTo>
+                <a:cubicBezTo>
+                  <a:pt x="2168" y="595"/>
+                  <a:pt x="2778" y="279"/>
+                  <a:pt x="3000" y="186"/>
+                </a:cubicBezTo>
+                <a:lnTo>
+                  <a:pt x="3000" y="6"/>
+                </a:lnTo>
+                <a:lnTo>
+                  <a:pt x="0" y="0"/>
+                </a:lnTo>
+                <a:close/>
+              </a:path>
+            </a:pathLst>
+          </a:custGeom>
+          <a:gradFill>
             <a:gsLst>
               <a:gs pos="0">
-                <a:schemeClr val="bg2">
-                  <a:tint val="10000"/>
-                  <a:shade val="99000"/>
-                  <a:satMod val="355000"/>
-                  <a:alpha val="70000"/>
+                <a:schemeClr val="accent3">
+                  <a:shade val="50000"/>
+                  <a:alpha val="30000"/>
+                  <a:satMod val="130000"/>
                 </a:schemeClr>
               </a:gs>
-              <a:gs pos="70000">
-                <a:schemeClr val="bg2">
-                  <a:tint val="6000"/>
-                  <a:shade val="100000"/>
-                  <a:satMod val="400000"/>
-                  <a:alpha val="55000"/>
-                </a:schemeClr>
-              </a:gs>
-              <a:gs pos="100000">
-                <a:schemeClr val="bg2">
-                  <a:tint val="100000"/>
+              <a:gs pos="80000">
+                <a:schemeClr val="accent2">
                   <a:shade val="75000"/>
-                  <a:satMod val="370000"/>
-                  <a:alpha val="60000"/>
+                  <a:alpha val="45000"/>
+                  <a:satMod val="140000"/>
                 </a:schemeClr>
               </a:gs>
             </a:gsLst>
-            <a:path path="circle">
-              <a:fillToRect l="-407500" t="-50000" r="507500" b="150000"/>
-            </a:path>
+            <a:lin ang="5400000" scaled="1"/>
           </a:gradFill>
-          <a:ln w="7350" cap="rnd" cmpd="sng" algn="ctr">
-            <a:solidFill>
-              <a:schemeClr val="bg2">
-                <a:shade val="60000"/>
-                <a:satMod val="220000"/>
-                <a:alpha val="100000"/>
-              </a:schemeClr>
-            </a:solidFill>
-            <a:prstDash val="solid"/>
-          </a:ln>
-          <a:effectLst>
-            <a:outerShdw blurRad="12700" dist="15000" dir="4500000" algn="tl" rotWithShape="0">
-              <a:schemeClr val="bg2">
-                <a:shade val="10000"/>
-                <a:satMod val="200000"/>
-                <a:alpha val="35000"/>
-              </a:schemeClr>
-            </a:outerShdw>
-          </a:effectLst>
-        </p:spPr>
-        <p:style>
-          <a:lnRef idx="3">
-            <a:schemeClr val="lt1"/>
-          </a:lnRef>
-          <a:fillRef idx="1">
-            <a:schemeClr val="accent1"/>
-          </a:fillRef>
-          <a:effectRef idx="1">
-            <a:schemeClr val="accent1"/>
-          </a:effectRef>
-          <a:fontRef idx="minor">
-            <a:schemeClr val="lt1"/>
-          </a:fontRef>
-        </p:style>
-        <p:txBody>
-          <a:bodyPr anchor="ctr"/>
-          <a:lstStyle>
-            <a:extLst/>
-          </a:lstStyle>
-          <a:p>
-            <a:pPr algn="ctr" eaLnBrk="1" latinLnBrk="0" hangingPunct="1"/>
-            <a:endParaRPr kumimoji="0" lang="en-US"/>
-          </a:p>
-        </p:txBody>
-      </p:sp>
-      <p:sp>
-        <p:nvSpPr>
-          <p:cNvPr id="12" name="Rectangle 11"/>
-          <p:cNvSpPr/>
-          <p:nvPr/>
-        </p:nvSpPr>
-        <p:spPr>
-          <a:xfrm>
-            <a:off x="1012873" y="-54"/>
-            <a:ext cx="8131127" cy="6858054"/>
-          </a:xfrm>
-          <a:prstGeom prst="rect">
-            <a:avLst/>
-          </a:prstGeom>
-          <a:solidFill>
-            <a:schemeClr val="bg1"/>
-          </a:solidFill>
-          <a:ln w="25400" cap="rnd" cmpd="sng" algn="ctr">
+          <a:ln w="9525" cap="flat" cmpd="sng" algn="ctr">
             <a:noFill/>
             <a:prstDash val="solid"/>
+            <a:round/>
+            <a:headEnd type="none" w="med" len="med"/>
+            <a:tailEnd type="none" w="med" len="med"/>
           </a:ln>
           <a:effectLst/>
         </p:spPr>
-        <p:style>
-          <a:lnRef idx="3">
-            <a:schemeClr val="lt1"/>
-          </a:lnRef>
-          <a:fillRef idx="1">
-            <a:schemeClr val="accent1"/>
-          </a:fillRef>
-          <a:effectRef idx="1">
-            <a:schemeClr val="accent1"/>
-          </a:effectRef>
-          <a:fontRef idx="minor">
-            <a:schemeClr val="lt1"/>
-          </a:fontRef>
-        </p:style>
-        <p:txBody>
-          <a:bodyPr anchor="ctr"/>
-          <a:lstStyle>
-            <a:extLst/>
-          </a:lstStyle>
-          <a:p>
-            <a:pPr algn="ctr" eaLnBrk="1" latinLnBrk="0" hangingPunct="1"/>
-            <a:endParaRPr kumimoji="0" lang="en-US"/>
-          </a:p>
-        </p:txBody>
-      </p:sp>
-      <p:sp>
-        <p:nvSpPr>
-          <p:cNvPr id="5" name="Title Placeholder 4"/>
+        <p:txBody>
+          <a:bodyPr vert="horz" wrap="square" lIns="91440" tIns="45720" rIns="91440" bIns="45720" anchor="t" compatLnSpc="1"/>
+          <a:lstStyle/>
+          <a:p>
+            <a:pPr marL="0" algn="l" rtl="0" eaLnBrk="1" latinLnBrk="0" hangingPunct="1"/>
+            <a:endParaRPr kumimoji="0" lang="en-US">
+              <a:solidFill>
+                <a:schemeClr val="tx1"/>
+              </a:solidFill>
+              <a:latin typeface="+mn-lt"/>
+              <a:ea typeface="+mn-ea"/>
+              <a:cs typeface="+mn-cs"/>
+            </a:endParaRPr>
+          </a:p>
+        </p:txBody>
+      </p:sp>
+      <p:sp>
+        <p:nvSpPr>
+          <p:cNvPr id="9" name="Title Placeholder 8"/>
           <p:cNvSpPr>
             <a:spLocks noGrp="1"/>
           </p:cNvSpPr>
@@ -3631,20 +3138,18 @@
         </p:nvSpPr>
         <p:spPr>
           <a:xfrm>
-            <a:off x="1435608" y="274638"/>
-            <a:ext cx="7498080" cy="1143000"/>
+            <a:off x="457200" y="704088"/>
+            <a:ext cx="8229600" cy="1143000"/>
           </a:xfrm>
           <a:prstGeom prst="rect">
             <a:avLst/>
           </a:prstGeom>
         </p:spPr>
         <p:txBody>
-          <a:bodyPr anchor="ctr">
+          <a:bodyPr vert="horz" lIns="0" rIns="0" bIns="0" anchor="b">
             <a:normAutofit/>
           </a:bodyPr>
-          <a:lstStyle>
-            <a:extLst/>
-          </a:lstStyle>
+          <a:lstStyle/>
           <a:p>
             <a:r>
               <a:rPr kumimoji="0" lang="en-US" smtClean="0"/>
@@ -3656,7 +3161,7 @@
       </p:sp>
       <p:sp>
         <p:nvSpPr>
-          <p:cNvPr id="9" name="Text Placeholder 8"/>
+          <p:cNvPr id="30" name="Text Placeholder 29"/>
           <p:cNvSpPr>
             <a:spLocks noGrp="1"/>
           </p:cNvSpPr>
@@ -3666,20 +3171,18 @@
         </p:nvSpPr>
         <p:spPr>
           <a:xfrm>
-            <a:off x="1435608" y="1447800"/>
-            <a:ext cx="7498080" cy="4800600"/>
+            <a:off x="457200" y="1935480"/>
+            <a:ext cx="8229600" cy="4389120"/>
           </a:xfrm>
           <a:prstGeom prst="rect">
             <a:avLst/>
           </a:prstGeom>
         </p:spPr>
         <p:txBody>
-          <a:bodyPr>
+          <a:bodyPr vert="horz">
             <a:normAutofit/>
           </a:bodyPr>
-          <a:lstStyle>
-            <a:extLst/>
-          </a:lstStyle>
+          <a:lstStyle/>
           <a:p>
             <a:pPr lvl="0" eaLnBrk="1" latinLnBrk="0" hangingPunct="1"/>
             <a:r>
@@ -3720,7 +3223,7 @@
       </p:sp>
       <p:sp>
         <p:nvSpPr>
-          <p:cNvPr id="24" name="Date Placeholder 23"/>
+          <p:cNvPr id="10" name="Date Placeholder 9"/>
           <p:cNvSpPr>
             <a:spLocks noGrp="1"/>
           </p:cNvSpPr>
@@ -3730,27 +3233,25 @@
         </p:nvSpPr>
         <p:spPr>
           <a:xfrm>
-            <a:off x="3581400" y="6305550"/>
-            <a:ext cx="2133600" cy="476250"/>
+            <a:off x="457200" y="6356350"/>
+            <a:ext cx="2133600" cy="365125"/>
           </a:xfrm>
           <a:prstGeom prst="rect">
             <a:avLst/>
           </a:prstGeom>
         </p:spPr>
         <p:txBody>
-          <a:bodyPr anchor="b"/>
+          <a:bodyPr vert="horz" lIns="0" tIns="0" rIns="0" bIns="0" anchor="b"/>
           <a:lstStyle>
-            <a:lvl1pPr algn="r" eaLnBrk="1" latinLnBrk="0" hangingPunct="1">
+            <a:lvl1pPr algn="l" eaLnBrk="1" latinLnBrk="0" hangingPunct="1">
               <a:defRPr kumimoji="0" sz="1200">
                 <a:solidFill>
-                  <a:schemeClr val="bg2">
-                    <a:shade val="50000"/>
-                    <a:satMod val="200000"/>
+                  <a:schemeClr val="tx2">
+                    <a:shade val="90000"/>
                   </a:schemeClr>
                 </a:solidFill>
               </a:defRPr>
             </a:lvl1pPr>
-            <a:extLst/>
           </a:lstStyle>
           <a:p>
             <a:fld id="{1D8BD707-D9CF-40AE-B4C6-C98DA3205C09}" type="datetimeFigureOut">
@@ -3764,7 +3265,7 @@
       </p:sp>
       <p:sp>
         <p:nvSpPr>
-          <p:cNvPr id="10" name="Footer Placeholder 9"/>
+          <p:cNvPr id="22" name="Footer Placeholder 21"/>
           <p:cNvSpPr>
             <a:spLocks noGrp="1"/>
           </p:cNvSpPr>
@@ -3774,28 +3275,25 @@
         </p:nvSpPr>
         <p:spPr>
           <a:xfrm>
-            <a:off x="5715000" y="6305550"/>
-            <a:ext cx="2895600" cy="476250"/>
+            <a:off x="2667000" y="6356350"/>
+            <a:ext cx="3352800" cy="365125"/>
           </a:xfrm>
           <a:prstGeom prst="rect">
             <a:avLst/>
           </a:prstGeom>
         </p:spPr>
         <p:txBody>
-          <a:bodyPr anchor="b"/>
+          <a:bodyPr vert="horz" lIns="0" tIns="0" rIns="0" bIns="0" anchor="b"/>
           <a:lstStyle>
-            <a:lvl1pPr eaLnBrk="1" latinLnBrk="0" hangingPunct="1">
+            <a:lvl1pPr algn="l" eaLnBrk="1" latinLnBrk="0" hangingPunct="1">
               <a:defRPr kumimoji="0" sz="1200">
                 <a:solidFill>
-                  <a:schemeClr val="bg2">
-                    <a:shade val="50000"/>
-                    <a:satMod val="200000"/>
+                  <a:schemeClr val="tx2">
+                    <a:shade val="90000"/>
                   </a:schemeClr>
                 </a:solidFill>
-                <a:effectLst/>
               </a:defRPr>
             </a:lvl1pPr>
-            <a:extLst/>
           </a:lstStyle>
           <a:p>
             <a:endParaRPr lang="en-US"/>
@@ -3804,7 +3302,7 @@
       </p:sp>
       <p:sp>
         <p:nvSpPr>
-          <p:cNvPr id="22" name="Slide Number Placeholder 21"/>
+          <p:cNvPr id="18" name="Slide Number Placeholder 17"/>
           <p:cNvSpPr>
             <a:spLocks noGrp="1"/>
           </p:cNvSpPr>
@@ -3814,28 +3312,25 @@
         </p:nvSpPr>
         <p:spPr>
           <a:xfrm>
-            <a:off x="8613648" y="6305550"/>
-            <a:ext cx="457200" cy="476250"/>
+            <a:off x="7924800" y="6356350"/>
+            <a:ext cx="762000" cy="365125"/>
           </a:xfrm>
           <a:prstGeom prst="rect">
             <a:avLst/>
           </a:prstGeom>
         </p:spPr>
         <p:txBody>
-          <a:bodyPr anchor="b"/>
+          <a:bodyPr vert="horz" lIns="0" tIns="0" rIns="0" bIns="0" anchor="b"/>
           <a:lstStyle>
-            <a:lvl1pPr algn="ctr" eaLnBrk="1" latinLnBrk="0" hangingPunct="1">
+            <a:lvl1pPr algn="r" eaLnBrk="1" latinLnBrk="0" hangingPunct="1">
               <a:defRPr kumimoji="0" sz="1200">
                 <a:solidFill>
-                  <a:schemeClr val="bg2">
-                    <a:shade val="50000"/>
-                    <a:satMod val="200000"/>
+                  <a:schemeClr val="tx2">
+                    <a:shade val="90000"/>
                   </a:schemeClr>
                 </a:solidFill>
-                <a:effectLst/>
               </a:defRPr>
             </a:lvl1pPr>
-            <a:extLst/>
           </a:lstStyle>
           <a:p>
             <a:fld id="{B6F15528-21DE-4FAA-801E-634DDDAF4B2B}" type="slidenum">
@@ -3847,85 +3342,236 @@
           </a:p>
         </p:txBody>
       </p:sp>
-      <p:sp>
-        <p:nvSpPr>
-          <p:cNvPr id="15" name="Rectangle 14"/>
-          <p:cNvSpPr/>
+      <p:grpSp>
+        <p:nvGrpSpPr>
+          <p:cNvPr id="2" name="Group 1"/>
+          <p:cNvGrpSpPr/>
           <p:nvPr/>
-        </p:nvSpPr>
-        <p:spPr bwMode="invGray">
+        </p:nvGrpSpPr>
+        <p:grpSpPr>
           <a:xfrm>
-            <a:off x="1014984" y="-54"/>
-            <a:ext cx="73152" cy="6858054"/>
+            <a:off x="-19017" y="202408"/>
+            <a:ext cx="9180548" cy="649224"/>
+            <a:chOff x="-19045" y="216550"/>
+            <a:chExt cx="9180548" cy="649224"/>
           </a:xfrm>
-          <a:prstGeom prst="rect">
-            <a:avLst/>
-          </a:prstGeom>
-          <a:solidFill>
-            <a:schemeClr val="bg1"/>
-          </a:solidFill>
-          <a:ln w="25400" cap="rnd" cmpd="sng" algn="ctr">
+        </p:grpSpPr>
+        <p:sp>
+          <p:nvSpPr>
+            <p:cNvPr id="12" name="Freeform 11"/>
+            <p:cNvSpPr>
+              <a:spLocks/>
+            </p:cNvSpPr>
+            <p:nvPr/>
+          </p:nvSpPr>
+          <p:spPr bwMode="auto">
+            <a:xfrm rot="21435692">
+              <a:off x="-19045" y="216550"/>
+              <a:ext cx="9163050" cy="649224"/>
+            </a:xfrm>
+            <a:custGeom>
+              <a:avLst>
+                <a:gd name="A1" fmla="val 0"/>
+                <a:gd name="A2" fmla="val 0"/>
+                <a:gd name="A3" fmla="val 0"/>
+                <a:gd name="A4" fmla="val 0"/>
+                <a:gd name="A5" fmla="val 0"/>
+                <a:gd name="A6" fmla="val 0"/>
+                <a:gd name="A7" fmla="val 0"/>
+                <a:gd name="A8" fmla="val 0"/>
+              </a:avLst>
+              <a:gdLst/>
+              <a:ahLst/>
+              <a:cxnLst>
+                <a:cxn ang="0">
+                  <a:pos x="0" y="966"/>
+                </a:cxn>
+                <a:cxn ang="0">
+                  <a:pos x="1608" y="282"/>
+                </a:cxn>
+                <a:cxn ang="0">
+                  <a:pos x="4110" y="1008"/>
+                </a:cxn>
+                <a:cxn ang="0">
+                  <a:pos x="5772" y="0"/>
+                </a:cxn>
+              </a:cxnLst>
+              <a:rect l="0" t="0" r="0" b="0"/>
+              <a:pathLst>
+                <a:path w="5772" h="1055">
+                  <a:moveTo>
+                    <a:pt x="0" y="966"/>
+                  </a:moveTo>
+                  <a:cubicBezTo>
+                    <a:pt x="282" y="738"/>
+                    <a:pt x="923" y="275"/>
+                    <a:pt x="1608" y="282"/>
+                  </a:cubicBezTo>
+                  <a:cubicBezTo>
+                    <a:pt x="2293" y="289"/>
+                    <a:pt x="3416" y="1055"/>
+                    <a:pt x="4110" y="1008"/>
+                  </a:cubicBezTo>
+                  <a:cubicBezTo>
+                    <a:pt x="4804" y="961"/>
+                    <a:pt x="5426" y="210"/>
+                    <a:pt x="5772" y="0"/>
+                  </a:cubicBezTo>
+                </a:path>
+              </a:pathLst>
+            </a:custGeom>
             <a:noFill/>
-            <a:prstDash val="solid"/>
-          </a:ln>
-          <a:effectLst>
-            <a:outerShdw blurRad="38550" dist="38000" dir="10800000" algn="tl" rotWithShape="0">
-              <a:schemeClr val="bg2">
-                <a:shade val="20000"/>
-                <a:satMod val="110000"/>
-                <a:alpha val="25000"/>
-              </a:schemeClr>
-            </a:outerShdw>
-          </a:effectLst>
-        </p:spPr>
-        <p:style>
-          <a:lnRef idx="3">
-            <a:schemeClr val="lt1"/>
-          </a:lnRef>
-          <a:fillRef idx="1">
-            <a:schemeClr val="accent1"/>
-          </a:fillRef>
-          <a:effectRef idx="1">
-            <a:schemeClr val="accent1"/>
-          </a:effectRef>
-          <a:fontRef idx="minor">
-            <a:schemeClr val="lt1"/>
-          </a:fontRef>
-        </p:style>
-        <p:txBody>
-          <a:bodyPr anchor="ctr"/>
-          <a:lstStyle>
-            <a:extLst/>
-          </a:lstStyle>
-          <a:p>
-            <a:pPr algn="ctr" eaLnBrk="1" latinLnBrk="0" hangingPunct="1"/>
-            <a:endParaRPr kumimoji="0" lang="en-US"/>
-          </a:p>
-        </p:txBody>
-      </p:sp>
+            <a:ln w="10795" cap="flat" cmpd="sng" algn="ctr">
+              <a:gradFill>
+                <a:gsLst>
+                  <a:gs pos="74000">
+                    <a:schemeClr val="accent3">
+                      <a:shade val="75000"/>
+                    </a:schemeClr>
+                  </a:gs>
+                  <a:gs pos="86000">
+                    <a:schemeClr val="tx1">
+                      <a:alpha val="29000"/>
+                    </a:schemeClr>
+                  </a:gs>
+                  <a:gs pos="16000">
+                    <a:schemeClr val="accent2">
+                      <a:shade val="75000"/>
+                      <a:alpha val="56000"/>
+                    </a:schemeClr>
+                  </a:gs>
+                </a:gsLst>
+                <a:lin ang="5400000" scaled="1"/>
+              </a:gradFill>
+              <a:prstDash val="solid"/>
+              <a:round/>
+              <a:headEnd type="none" w="med" len="med"/>
+              <a:tailEnd type="none" w="med" len="med"/>
+            </a:ln>
+            <a:effectLst/>
+          </p:spPr>
+          <p:txBody>
+            <a:bodyPr vert="horz" wrap="square" lIns="91440" tIns="45720" rIns="91440" bIns="45720" anchor="t" compatLnSpc="1"/>
+            <a:lstStyle/>
+            <a:p>
+              <a:endParaRPr kumimoji="0" lang="en-US"/>
+            </a:p>
+          </p:txBody>
+        </p:sp>
+        <p:sp>
+          <p:nvSpPr>
+            <p:cNvPr id="13" name="Freeform 12"/>
+            <p:cNvSpPr>
+              <a:spLocks/>
+            </p:cNvSpPr>
+            <p:nvPr/>
+          </p:nvSpPr>
+          <p:spPr bwMode="auto">
+            <a:xfrm rot="21435692">
+              <a:off x="-14309" y="290003"/>
+              <a:ext cx="9175812" cy="530352"/>
+            </a:xfrm>
+            <a:custGeom>
+              <a:avLst>
+                <a:gd name="A1" fmla="val 0"/>
+                <a:gd name="A2" fmla="val 0"/>
+                <a:gd name="A3" fmla="val 0"/>
+                <a:gd name="A4" fmla="val 0"/>
+                <a:gd name="A5" fmla="val 0"/>
+                <a:gd name="A6" fmla="val 0"/>
+                <a:gd name="A7" fmla="val 0"/>
+                <a:gd name="A8" fmla="val 0"/>
+              </a:avLst>
+              <a:gdLst/>
+              <a:ahLst/>
+              <a:cxnLst>
+                <a:cxn ang="0">
+                  <a:pos x="0" y="732"/>
+                </a:cxn>
+                <a:cxn ang="0">
+                  <a:pos x="1638" y="228"/>
+                </a:cxn>
+                <a:cxn ang="0">
+                  <a:pos x="4122" y="816"/>
+                </a:cxn>
+                <a:cxn ang="0">
+                  <a:pos x="5766" y="0"/>
+                </a:cxn>
+              </a:cxnLst>
+              <a:rect l="0" t="0" r="0" b="0"/>
+              <a:pathLst>
+                <a:path w="5766" h="854">
+                  <a:moveTo>
+                    <a:pt x="0" y="732"/>
+                  </a:moveTo>
+                  <a:cubicBezTo>
+                    <a:pt x="273" y="647"/>
+                    <a:pt x="951" y="214"/>
+                    <a:pt x="1638" y="228"/>
+                  </a:cubicBezTo>
+                  <a:cubicBezTo>
+                    <a:pt x="2325" y="242"/>
+                    <a:pt x="3434" y="854"/>
+                    <a:pt x="4122" y="816"/>
+                  </a:cubicBezTo>
+                  <a:cubicBezTo>
+                    <a:pt x="4810" y="778"/>
+                    <a:pt x="5424" y="170"/>
+                    <a:pt x="5766" y="0"/>
+                  </a:cubicBezTo>
+                </a:path>
+              </a:pathLst>
+            </a:custGeom>
+            <a:noFill/>
+            <a:ln w="9525" cap="flat" cmpd="sng" algn="ctr">
+              <a:gradFill>
+                <a:gsLst>
+                  <a:gs pos="74000">
+                    <a:schemeClr val="accent4"/>
+                  </a:gs>
+                  <a:gs pos="44000">
+                    <a:schemeClr val="accent1"/>
+                  </a:gs>
+                  <a:gs pos="33000">
+                    <a:schemeClr val="accent2">
+                      <a:alpha val="56000"/>
+                    </a:schemeClr>
+                  </a:gs>
+                </a:gsLst>
+                <a:lin ang="5400000" scaled="1"/>
+              </a:gradFill>
+              <a:prstDash val="solid"/>
+              <a:round/>
+              <a:headEnd type="none" w="med" len="med"/>
+              <a:tailEnd type="none" w="med" len="med"/>
+            </a:ln>
+            <a:effectLst/>
+          </p:spPr>
+          <p:txBody>
+            <a:bodyPr vert="horz" wrap="square" lIns="91440" tIns="45720" rIns="91440" bIns="45720" anchor="t" compatLnSpc="1"/>
+            <a:lstStyle/>
+            <a:p>
+              <a:endParaRPr kumimoji="0" lang="en-US"/>
+            </a:p>
+          </p:txBody>
+        </p:sp>
+      </p:grpSp>
     </p:spTree>
   </p:cSld>
   <p:clrMap bg1="lt1" tx1="dk1" bg2="lt2" tx2="dk2" accent1="accent1" accent2="accent2" accent3="accent3" accent4="accent4" accent5="accent5" accent6="accent6" hlink="hlink" folHlink="folHlink"/>
   <p:sldLayoutIdLst>
-    <p:sldLayoutId id="2147483673" r:id="rId1"/>
-    <p:sldLayoutId id="2147483674" r:id="rId2"/>
-    <p:sldLayoutId id="2147483675" r:id="rId3"/>
-    <p:sldLayoutId id="2147483676" r:id="rId4"/>
-    <p:sldLayoutId id="2147483677" r:id="rId5"/>
-    <p:sldLayoutId id="2147483678" r:id="rId6"/>
-    <p:sldLayoutId id="2147483679" r:id="rId7"/>
-    <p:sldLayoutId id="2147483680" r:id="rId8"/>
-    <p:sldLayoutId id="2147483681" r:id="rId9"/>
-    <p:sldLayoutId id="2147483682" r:id="rId10"/>
-    <p:sldLayoutId id="2147483683" r:id="rId11"/>
+    <p:sldLayoutId id="2147483745" r:id="rId1"/>
+    <p:sldLayoutId id="2147483746" r:id="rId2"/>
+    <p:sldLayoutId id="2147483747" r:id="rId3"/>
+    <p:sldLayoutId id="2147483748" r:id="rId4"/>
+    <p:sldLayoutId id="2147483749" r:id="rId5"/>
+    <p:sldLayoutId id="2147483750" r:id="rId6"/>
+    <p:sldLayoutId id="2147483751" r:id="rId7"/>
+    <p:sldLayoutId id="2147483752" r:id="rId8"/>
+    <p:sldLayoutId id="2147483753" r:id="rId9"/>
+    <p:sldLayoutId id="2147483754" r:id="rId10"/>
+    <p:sldLayoutId id="2147483755" r:id="rId11"/>
   </p:sldLayoutIdLst>
-  <p:timing>
-    <p:tnLst>
-      <p:par>
-        <p:cTn id="1" dur="indefinite" restart="never" nodeType="tmRoot"/>
-      </p:par>
-    </p:tnLst>
-  </p:timing>
   <p:txStyles>
     <p:titleStyle>
       <a:lvl1pPr algn="l" rtl="0" eaLnBrk="1" latinLnBrk="0" hangingPunct="1">
@@ -3933,41 +3579,32 @@
           <a:spcPct val="0"/>
         </a:spcBef>
         <a:buNone/>
-        <a:defRPr kumimoji="0" sz="4300" kern="1200">
+        <a:defRPr kumimoji="0" sz="5000" b="0" kern="1200">
+          <a:ln>
+            <a:noFill/>
+          </a:ln>
           <a:solidFill>
-            <a:schemeClr val="tx2">
-              <a:satMod val="130000"/>
-            </a:schemeClr>
+            <a:schemeClr val="tx2"/>
           </a:solidFill>
-          <a:effectLst>
-            <a:outerShdw blurRad="50000" dist="30000" dir="5400000" algn="tl" rotWithShape="0">
-              <a:srgbClr val="000000">
-                <a:alpha val="30000"/>
-              </a:srgbClr>
-            </a:outerShdw>
-          </a:effectLst>
+          <a:effectLst/>
           <a:latin typeface="+mj-lt"/>
           <a:ea typeface="+mj-ea"/>
           <a:cs typeface="+mj-cs"/>
         </a:defRPr>
       </a:lvl1pPr>
-      <a:extLst/>
     </p:titleStyle>
     <p:bodyStyle>
-      <a:lvl1pPr marL="365760" indent="-283464" algn="l" rtl="0" eaLnBrk="1" latinLnBrk="0" hangingPunct="1">
-        <a:lnSpc>
-          <a:spcPct val="100000"/>
-        </a:lnSpc>
+      <a:lvl1pPr marL="274320" indent="-274320" algn="l" rtl="0" eaLnBrk="1" latinLnBrk="0" hangingPunct="1">
         <a:spcBef>
-          <a:spcPts val="600"/>
+          <a:spcPct val="20000"/>
         </a:spcBef>
         <a:buClr>
-          <a:schemeClr val="accent1"/>
+          <a:schemeClr val="accent3"/>
         </a:buClr>
-        <a:buSzPct val="80000"/>
+        <a:buSzPct val="95000"/>
         <a:buFont typeface="Wingdings 2"/>
         <a:buChar char=""/>
-        <a:defRPr kumimoji="0" sz="3200" kern="1200">
+        <a:defRPr kumimoji="0" sz="2600" kern="1200">
           <a:solidFill>
             <a:schemeClr val="tx1"/>
           </a:solidFill>
@@ -3976,19 +3613,17 @@
           <a:cs typeface="+mn-cs"/>
         </a:defRPr>
       </a:lvl1pPr>
-      <a:lvl2pPr marL="640080" indent="-237744" algn="l" rtl="0" eaLnBrk="1" latinLnBrk="0" hangingPunct="1">
-        <a:lnSpc>
-          <a:spcPct val="100000"/>
-        </a:lnSpc>
+      <a:lvl2pPr marL="640080" indent="-246888" algn="l" rtl="0" eaLnBrk="1" latinLnBrk="0" hangingPunct="1">
         <a:spcBef>
-          <a:spcPts val="550"/>
+          <a:spcPct val="20000"/>
         </a:spcBef>
         <a:buClr>
           <a:schemeClr val="accent1"/>
         </a:buClr>
-        <a:buFont typeface="Verdana"/>
-        <a:buChar char="◦"/>
-        <a:defRPr kumimoji="0" sz="2800" kern="1200">
+        <a:buSzPct val="85000"/>
+        <a:buFont typeface="Wingdings 2"/>
+        <a:buChar char=""/>
+        <a:defRPr kumimoji="0" sz="2400" kern="1200">
           <a:solidFill>
             <a:schemeClr val="tx1"/>
           </a:solidFill>
@@ -3997,19 +3632,17 @@
           <a:cs typeface="+mn-cs"/>
         </a:defRPr>
       </a:lvl2pPr>
-      <a:lvl3pPr marL="886968" indent="-228600" algn="l" rtl="0" eaLnBrk="1" latinLnBrk="0" hangingPunct="1">
-        <a:lnSpc>
-          <a:spcPct val="100000"/>
-        </a:lnSpc>
+      <a:lvl3pPr marL="914400" indent="-246888" algn="l" rtl="0" eaLnBrk="1" latinLnBrk="0" hangingPunct="1">
         <a:spcBef>
           <a:spcPct val="20000"/>
         </a:spcBef>
         <a:buClr>
           <a:schemeClr val="accent2"/>
         </a:buClr>
+        <a:buSzPct val="70000"/>
         <a:buFont typeface="Wingdings 2"/>
-        <a:buChar char=""/>
-        <a:defRPr kumimoji="0" sz="2400" kern="1200">
+        <a:buChar char=""/>
+        <a:defRPr kumimoji="0" sz="2100" kern="1200">
           <a:solidFill>
             <a:schemeClr val="tx1"/>
           </a:solidFill>
@@ -4018,18 +3651,16 @@
           <a:cs typeface="+mn-cs"/>
         </a:defRPr>
       </a:lvl3pPr>
-      <a:lvl4pPr marL="1097280" indent="-173736" algn="l" rtl="0" eaLnBrk="1" latinLnBrk="0" hangingPunct="1">
-        <a:lnSpc>
-          <a:spcPct val="100000"/>
-        </a:lnSpc>
+      <a:lvl4pPr marL="1188720" indent="-210312" algn="l" rtl="0" eaLnBrk="1" latinLnBrk="0" hangingPunct="1">
         <a:spcBef>
           <a:spcPct val="20000"/>
         </a:spcBef>
         <a:buClr>
           <a:schemeClr val="accent3"/>
         </a:buClr>
+        <a:buSzPct val="65000"/>
         <a:buFont typeface="Wingdings 2"/>
-        <a:buChar char=""/>
+        <a:buChar char=""/>
         <a:defRPr kumimoji="0" sz="2000" kern="1200">
           <a:solidFill>
             <a:schemeClr val="tx1"/>
@@ -4039,18 +3670,16 @@
           <a:cs typeface="+mn-cs"/>
         </a:defRPr>
       </a:lvl4pPr>
-      <a:lvl5pPr marL="1298448" indent="-182880" algn="l" rtl="0" eaLnBrk="1" latinLnBrk="0" hangingPunct="1">
-        <a:lnSpc>
-          <a:spcPct val="100000"/>
-        </a:lnSpc>
+      <a:lvl5pPr marL="1463040" indent="-210312" algn="l" rtl="0" eaLnBrk="1" latinLnBrk="0" hangingPunct="1">
         <a:spcBef>
           <a:spcPct val="20000"/>
         </a:spcBef>
         <a:buClr>
           <a:schemeClr val="accent4"/>
         </a:buClr>
+        <a:buSzPct val="65000"/>
         <a:buFont typeface="Wingdings 2"/>
-        <a:buChar char=""/>
+        <a:buChar char=""/>
         <a:defRPr kumimoji="0" sz="2000" kern="1200">
           <a:solidFill>
             <a:schemeClr val="tx1"/>
@@ -4060,19 +3689,17 @@
           <a:cs typeface="+mn-cs"/>
         </a:defRPr>
       </a:lvl5pPr>
-      <a:lvl6pPr marL="1508760" indent="-182880" algn="l" rtl="0" eaLnBrk="1" latinLnBrk="0" hangingPunct="1">
-        <a:lnSpc>
-          <a:spcPct val="100000"/>
-        </a:lnSpc>
+      <a:lvl6pPr marL="1737360" indent="-210312" algn="l" rtl="0" eaLnBrk="1" latinLnBrk="0" hangingPunct="1">
         <a:spcBef>
           <a:spcPct val="20000"/>
         </a:spcBef>
         <a:buClr>
           <a:schemeClr val="accent5"/>
         </a:buClr>
+        <a:buSzPct val="80000"/>
         <a:buFont typeface="Wingdings 2"/>
-        <a:buChar char=""/>
-        <a:defRPr kumimoji="0" sz="2000" kern="1200">
+        <a:buChar char=""/>
+        <a:defRPr kumimoji="0" sz="1800" kern="1200">
           <a:solidFill>
             <a:schemeClr val="tx1"/>
           </a:solidFill>
@@ -4081,19 +3708,17 @@
           <a:cs typeface="+mn-cs"/>
         </a:defRPr>
       </a:lvl6pPr>
-      <a:lvl7pPr marL="1719072" indent="-182880" algn="l" rtl="0" eaLnBrk="1" latinLnBrk="0" hangingPunct="1">
-        <a:lnSpc>
-          <a:spcPct val="100000"/>
-        </a:lnSpc>
+      <a:lvl7pPr marL="1920240" indent="-182880" algn="l" rtl="0" eaLnBrk="1" latinLnBrk="0" hangingPunct="1">
         <a:spcBef>
           <a:spcPct val="20000"/>
         </a:spcBef>
         <a:buClr>
           <a:schemeClr val="accent6"/>
         </a:buClr>
+        <a:buSzPct val="80000"/>
         <a:buFont typeface="Wingdings 2"/>
-        <a:buChar char=""/>
-        <a:defRPr kumimoji="0" sz="2000" kern="1200">
+        <a:buChar char=""/>
+        <a:defRPr kumimoji="0" sz="1600" kern="1200" baseline="0">
           <a:solidFill>
             <a:schemeClr val="tx1"/>
           </a:solidFill>
@@ -4102,19 +3727,15 @@
           <a:cs typeface="+mn-cs"/>
         </a:defRPr>
       </a:lvl7pPr>
-      <a:lvl8pPr marL="1920240" indent="-182880" algn="l" rtl="0" eaLnBrk="1" latinLnBrk="0" hangingPunct="1">
-        <a:lnSpc>
-          <a:spcPct val="100000"/>
-        </a:lnSpc>
+      <a:lvl8pPr marL="2194560" indent="-182880" algn="l" rtl="0" eaLnBrk="1" latinLnBrk="0" hangingPunct="1">
         <a:spcBef>
           <a:spcPct val="20000"/>
         </a:spcBef>
         <a:buClr>
-          <a:schemeClr val="accent6"/>
+          <a:schemeClr val="tx2"/>
         </a:buClr>
-        <a:buFont typeface="Wingdings 2"/>
-        <a:buChar char=""/>
-        <a:defRPr kumimoji="0" sz="2000" kern="1200">
+        <a:buChar char="•"/>
+        <a:defRPr kumimoji="0" sz="1600" kern="1200">
           <a:solidFill>
             <a:schemeClr val="tx1"/>
           </a:solidFill>
@@ -4123,19 +3744,16 @@
           <a:cs typeface="+mn-cs"/>
         </a:defRPr>
       </a:lvl8pPr>
-      <a:lvl9pPr marL="2130552" indent="-182880" algn="l" rtl="0" eaLnBrk="1" latinLnBrk="0" hangingPunct="1">
-        <a:lnSpc>
-          <a:spcPct val="100000"/>
-        </a:lnSpc>
+      <a:lvl9pPr marL="2468880" indent="-182880" algn="l" rtl="0" eaLnBrk="1" latinLnBrk="0" hangingPunct="1">
         <a:spcBef>
           <a:spcPct val="20000"/>
         </a:spcBef>
         <a:buClr>
-          <a:schemeClr val="accent6"/>
+          <a:schemeClr val="tx2"/>
         </a:buClr>
-        <a:buFont typeface="Wingdings 2"/>
-        <a:buChar char=""/>
-        <a:defRPr kumimoji="0" sz="2000" kern="1200">
+        <a:buFontTx/>
+        <a:buChar char="•"/>
+        <a:defRPr kumimoji="0" sz="1400" kern="1200" baseline="0">
           <a:solidFill>
             <a:schemeClr val="tx1"/>
           </a:solidFill>
@@ -4144,7 +3762,6 @@
           <a:cs typeface="+mn-cs"/>
         </a:defRPr>
       </a:lvl9pPr>
-      <a:extLst/>
     </p:bodyStyle>
     <p:otherStyle>
       <a:lvl1pPr marL="0" algn="l" rtl="0" eaLnBrk="1" latinLnBrk="0" hangingPunct="1">
@@ -4237,7 +3854,6 @@
           <a:cs typeface="+mn-cs"/>
         </a:defRPr>
       </a:lvl9pPr>
-      <a:extLst/>
     </p:otherStyle>
   </p:txStyles>
 </p:sldMaster>
@@ -4270,152 +3886,90 @@
             <p:ph type="ctrTitle"/>
           </p:nvPr>
         </p:nvSpPr>
-        <p:spPr/>
-        <p:txBody>
-          <a:bodyPr/>
-          <a:lstStyle/>
-          <a:p>
-            <a:r>
-              <a:rPr lang="en-US" b="1" dirty="0">
-                <a:effectLst/>
-              </a:rPr>
-              <a:t>DIGITAL TABLE </a:t>
-            </a:r>
-            <a:r>
-              <a:rPr lang="en-US" b="1" dirty="0" smtClean="0">
-                <a:effectLst/>
-              </a:rPr>
-              <a:t>SERVICE</a:t>
-            </a:r>
-            <a:endParaRPr lang="en-IN" dirty="0"/>
-          </a:p>
-        </p:txBody>
-      </p:sp>
-      <p:sp>
-        <p:nvSpPr>
-          <p:cNvPr id="3" name="Subtitle 2"/>
-          <p:cNvSpPr>
-            <a:spLocks noGrp="1"/>
-          </p:cNvSpPr>
-          <p:nvPr>
-            <p:ph type="subTitle" idx="1"/>
-          </p:nvPr>
-        </p:nvSpPr>
         <p:spPr>
           <a:xfrm>
-            <a:off x="1432560" y="2362200"/>
-            <a:ext cx="7406640" cy="3810000"/>
+            <a:off x="1219200" y="1905000"/>
+            <a:ext cx="6175248" cy="990600"/>
           </a:xfrm>
         </p:spPr>
         <p:txBody>
           <a:bodyPr/>
           <a:lstStyle/>
           <a:p>
-            <a:pPr algn="ctr"/>
-            <a:r>
-              <a:rPr lang="en-IN" dirty="0" err="1" smtClean="0"/>
-              <a:t>Mayuri</a:t>
-            </a:r>
-            <a:r>
-              <a:rPr lang="en-IN" dirty="0" smtClean="0"/>
-              <a:t> </a:t>
-            </a:r>
-          </a:p>
-          <a:p>
-            <a:pPr algn="ctr"/>
-            <a:r>
-              <a:rPr lang="en-IN" dirty="0" err="1" smtClean="0"/>
-              <a:t>Pooja</a:t>
-            </a:r>
-            <a:r>
-              <a:rPr lang="en-IN" dirty="0" smtClean="0"/>
-              <a:t> </a:t>
-            </a:r>
-            <a:r>
-              <a:rPr lang="en-IN" dirty="0" err="1" smtClean="0"/>
-              <a:t>shimpi</a:t>
-            </a:r>
-            <a:endParaRPr lang="en-IN" dirty="0" smtClean="0"/>
-          </a:p>
-          <a:p>
-            <a:pPr algn="ctr"/>
-            <a:r>
-              <a:rPr lang="en-IN" dirty="0" err="1" smtClean="0"/>
-              <a:t>Pratibha</a:t>
-            </a:r>
-            <a:r>
-              <a:rPr lang="en-IN" dirty="0" smtClean="0"/>
-              <a:t> </a:t>
-            </a:r>
-            <a:r>
-              <a:rPr lang="en-IN" dirty="0" err="1" smtClean="0"/>
-              <a:t>karande</a:t>
-            </a:r>
-            <a:endParaRPr lang="en-IN" dirty="0" smtClean="0"/>
-          </a:p>
-          <a:p>
-            <a:pPr algn="ctr"/>
-            <a:r>
-              <a:rPr lang="en-IN" dirty="0" err="1" smtClean="0"/>
-              <a:t>Pravin</a:t>
-            </a:r>
-            <a:r>
-              <a:rPr lang="en-IN" dirty="0" smtClean="0"/>
-              <a:t> </a:t>
-            </a:r>
-            <a:r>
-              <a:rPr lang="en-IN" dirty="0" err="1" smtClean="0"/>
-              <a:t>panchal</a:t>
-            </a:r>
-            <a:endParaRPr lang="en-IN" dirty="0" smtClean="0"/>
-          </a:p>
-          <a:p>
-            <a:pPr algn="ctr"/>
-            <a:r>
-              <a:rPr lang="en-IN" dirty="0" err="1" smtClean="0"/>
-              <a:t>Pappu</a:t>
-            </a:r>
-            <a:r>
-              <a:rPr lang="en-IN" dirty="0" smtClean="0"/>
-              <a:t> </a:t>
-            </a:r>
-            <a:r>
-              <a:rPr lang="en-IN" dirty="0" err="1" smtClean="0"/>
-              <a:t>kabgate</a:t>
-            </a:r>
-            <a:endParaRPr lang="en-IN" dirty="0" smtClean="0"/>
-          </a:p>
-          <a:p>
-            <a:pPr algn="ctr"/>
-            <a:r>
-              <a:rPr lang="en-IN" dirty="0" err="1" smtClean="0"/>
-              <a:t>Dakshata</a:t>
-            </a:r>
-            <a:r>
-              <a:rPr lang="en-IN" dirty="0" smtClean="0"/>
-              <a:t> </a:t>
-            </a:r>
-            <a:r>
-              <a:rPr lang="en-IN" dirty="0" err="1" smtClean="0"/>
-              <a:t>mhatre</a:t>
-            </a:r>
-            <a:endParaRPr lang="en-IN" dirty="0" smtClean="0"/>
-          </a:p>
-          <a:p>
-            <a:pPr algn="ctr"/>
-            <a:r>
-              <a:rPr lang="en-IN" dirty="0" err="1" smtClean="0"/>
-              <a:t>Rutuja</a:t>
-            </a:r>
-            <a:r>
-              <a:rPr lang="en-IN" dirty="0" smtClean="0"/>
-              <a:t> </a:t>
-            </a:r>
-            <a:r>
-              <a:rPr lang="en-IN" dirty="0" err="1" smtClean="0"/>
-              <a:t>gaikwad</a:t>
-            </a:r>
-            <a:endParaRPr lang="en-IN" dirty="0"/>
+            <a:r>
+              <a:rPr lang="en-IN" dirty="0" smtClean="0">
+                <a:solidFill>
+                  <a:schemeClr val="tx1"/>
+                </a:solidFill>
+              </a:rPr>
+              <a:t>Digital Table Service</a:t>
+            </a:r>
+            <a:endParaRPr lang="en-IN" dirty="0">
+              <a:solidFill>
+                <a:schemeClr val="tx1"/>
+              </a:solidFill>
+            </a:endParaRPr>
+          </a:p>
+        </p:txBody>
+      </p:sp>
+      <p:sp>
+        <p:nvSpPr>
+          <p:cNvPr id="4" name="TextBox 3"/>
+          <p:cNvSpPr txBox="1"/>
+          <p:nvPr/>
+        </p:nvSpPr>
+        <p:spPr>
+          <a:xfrm>
+            <a:off x="5867400" y="4267200"/>
+            <a:ext cx="3810000" cy="2246769"/>
+          </a:xfrm>
+          <a:prstGeom prst="rect">
+            <a:avLst/>
+          </a:prstGeom>
+          <a:noFill/>
+        </p:spPr>
+        <p:txBody>
+          <a:bodyPr wrap="square" rtlCol="0">
+            <a:spAutoFit/>
+          </a:bodyPr>
+          <a:lstStyle/>
+          <a:p>
+            <a:r>
+              <a:rPr lang="en-IN" sz="2000" b="1" dirty="0" smtClean="0"/>
+              <a:t>Team- 5</a:t>
+            </a:r>
+          </a:p>
+          <a:p>
+            <a:endParaRPr lang="en-IN" sz="2000" dirty="0" smtClean="0"/>
+          </a:p>
+          <a:p>
+            <a:r>
+              <a:rPr lang="en-IN" sz="2000" dirty="0" smtClean="0"/>
+              <a:t>Project  Guide :</a:t>
+            </a:r>
+          </a:p>
+          <a:p>
+            <a:r>
+              <a:rPr lang="en-IN" sz="2000" dirty="0" smtClean="0"/>
+              <a:t>1)  Mukund Kakde</a:t>
+            </a:r>
+          </a:p>
+          <a:p>
+            <a:r>
+              <a:rPr lang="en-IN" sz="2000" dirty="0" smtClean="0"/>
+              <a:t>2) Mudhur Ingale</a:t>
+            </a:r>
+            <a:endParaRPr lang="en-IN" sz="2000" dirty="0"/>
+          </a:p>
+          <a:p>
+            <a:endParaRPr lang="en-IN" sz="2000" dirty="0" smtClean="0"/>
+          </a:p>
+          <a:p>
+            <a:r>
+              <a:rPr lang="en-IN" sz="2000" dirty="0" smtClean="0"/>
+              <a:t>Mayuri Mali ( Project Lead)</a:t>
+            </a:r>
+            <a:endParaRPr lang="en-IN" sz="2000" dirty="0"/>
           </a:p>
         </p:txBody>
       </p:sp>
@@ -4423,182 +3977,6 @@
     <p:extLst>
       <p:ext uri="{BB962C8B-B14F-4D97-AF65-F5344CB8AC3E}">
         <p14:creationId xmlns:p14="http://schemas.microsoft.com/office/powerpoint/2010/main" val="153666922"/>
-      </p:ext>
-    </p:extLst>
-  </p:cSld>
-  <p:clrMapOvr>
-    <a:masterClrMapping/>
-  </p:clrMapOvr>
-</p:sld>
-</file>
-
-<file path=ppt/slides/slide10.xml><?xml version="1.0" encoding="utf-8"?>
-<p:sld xmlns:a="http://schemas.openxmlformats.org/drawingml/2006/main" xmlns:r="http://schemas.openxmlformats.org/officeDocument/2006/relationships" xmlns:p="http://schemas.openxmlformats.org/presentationml/2006/main">
-  <p:cSld>
-    <p:spTree>
-      <p:nvGrpSpPr>
-        <p:cNvPr id="1" name=""/>
-        <p:cNvGrpSpPr/>
-        <p:nvPr/>
-      </p:nvGrpSpPr>
-      <p:grpSpPr>
-        <a:xfrm>
-          <a:off x="0" y="0"/>
-          <a:ext cx="0" cy="0"/>
-          <a:chOff x="0" y="0"/>
-          <a:chExt cx="0" cy="0"/>
-        </a:xfrm>
-      </p:grpSpPr>
-      <p:sp>
-        <p:nvSpPr>
-          <p:cNvPr id="2" name="Title 1"/>
-          <p:cNvSpPr>
-            <a:spLocks noGrp="1"/>
-          </p:cNvSpPr>
-          <p:nvPr>
-            <p:ph type="title"/>
-          </p:nvPr>
-        </p:nvSpPr>
-        <p:spPr/>
-        <p:txBody>
-          <a:bodyPr/>
-          <a:lstStyle/>
-          <a:p>
-            <a:r>
-              <a:rPr lang="en-US" b="1" dirty="0">
-                <a:effectLst/>
-              </a:rPr>
-              <a:t>Safety Requirements</a:t>
-            </a:r>
-            <a:endParaRPr lang="en-IN" dirty="0"/>
-          </a:p>
-        </p:txBody>
-      </p:sp>
-      <p:sp>
-        <p:nvSpPr>
-          <p:cNvPr id="3" name="Content Placeholder 2"/>
-          <p:cNvSpPr>
-            <a:spLocks noGrp="1"/>
-          </p:cNvSpPr>
-          <p:nvPr>
-            <p:ph idx="1"/>
-          </p:nvPr>
-        </p:nvSpPr>
-        <p:spPr/>
-        <p:txBody>
-          <a:bodyPr/>
-          <a:lstStyle/>
-          <a:p>
-            <a:pPr marL="82296" indent="0">
-              <a:buNone/>
-            </a:pPr>
-            <a:r>
-              <a:rPr lang="en-US" sz="2400" dirty="0"/>
-              <a:t>All login ids and passwords of the admin staff should be protected for privacy using whatever constraints required in the database or the </a:t>
-            </a:r>
-            <a:r>
-              <a:rPr lang="en-US" sz="2400"/>
-              <a:t>application</a:t>
-            </a:r>
-            <a:r>
-              <a:rPr lang="en-US" sz="2400" smtClean="0"/>
-              <a:t>.</a:t>
-            </a:r>
-          </a:p>
-          <a:p>
-            <a:pPr marL="82296" indent="0">
-              <a:buNone/>
-            </a:pPr>
-            <a:endParaRPr lang="en-US" sz="2400" dirty="0" smtClean="0"/>
-          </a:p>
-          <a:p>
-            <a:pPr marL="82296" indent="0">
-              <a:buNone/>
-            </a:pPr>
-            <a:r>
-              <a:rPr lang="en-US" sz="2400" dirty="0"/>
-              <a:t>Admin staff personnel should be changed and new passwords should be issued</a:t>
-            </a:r>
-            <a:r>
-              <a:rPr lang="en-US" dirty="0"/>
-              <a:t>.</a:t>
-            </a:r>
-            <a:endParaRPr lang="en-IN" dirty="0"/>
-          </a:p>
-        </p:txBody>
-      </p:sp>
-    </p:spTree>
-    <p:extLst>
-      <p:ext uri="{BB962C8B-B14F-4D97-AF65-F5344CB8AC3E}">
-        <p14:creationId xmlns:p14="http://schemas.microsoft.com/office/powerpoint/2010/main" val="3053216423"/>
-      </p:ext>
-    </p:extLst>
-  </p:cSld>
-  <p:clrMapOvr>
-    <a:masterClrMapping/>
-  </p:clrMapOvr>
-</p:sld>
-</file>
-
-<file path=ppt/slides/slide11.xml><?xml version="1.0" encoding="utf-8"?>
-<p:sld xmlns:a="http://schemas.openxmlformats.org/drawingml/2006/main" xmlns:r="http://schemas.openxmlformats.org/officeDocument/2006/relationships" xmlns:p="http://schemas.openxmlformats.org/presentationml/2006/main">
-  <p:cSld>
-    <p:spTree>
-      <p:nvGrpSpPr>
-        <p:cNvPr id="1" name=""/>
-        <p:cNvGrpSpPr/>
-        <p:nvPr/>
-      </p:nvGrpSpPr>
-      <p:grpSpPr>
-        <a:xfrm>
-          <a:off x="0" y="0"/>
-          <a:ext cx="0" cy="0"/>
-          <a:chOff x="0" y="0"/>
-          <a:chExt cx="0" cy="0"/>
-        </a:xfrm>
-      </p:grpSpPr>
-      <p:sp>
-        <p:nvSpPr>
-          <p:cNvPr id="2" name="Title 1"/>
-          <p:cNvSpPr>
-            <a:spLocks noGrp="1"/>
-          </p:cNvSpPr>
-          <p:nvPr>
-            <p:ph type="title"/>
-          </p:nvPr>
-        </p:nvSpPr>
-        <p:spPr/>
-        <p:txBody>
-          <a:bodyPr/>
-          <a:lstStyle/>
-          <a:p>
-            <a:endParaRPr lang="en-IN"/>
-          </a:p>
-        </p:txBody>
-      </p:sp>
-      <p:sp>
-        <p:nvSpPr>
-          <p:cNvPr id="3" name="Content Placeholder 2"/>
-          <p:cNvSpPr>
-            <a:spLocks noGrp="1"/>
-          </p:cNvSpPr>
-          <p:nvPr>
-            <p:ph idx="1"/>
-          </p:nvPr>
-        </p:nvSpPr>
-        <p:spPr/>
-        <p:txBody>
-          <a:bodyPr/>
-          <a:lstStyle/>
-          <a:p>
-            <a:endParaRPr lang="en-IN"/>
-          </a:p>
-        </p:txBody>
-      </p:sp>
-    </p:spTree>
-    <p:extLst>
-      <p:ext uri="{BB962C8B-B14F-4D97-AF65-F5344CB8AC3E}">
-        <p14:creationId xmlns:p14="http://schemas.microsoft.com/office/powerpoint/2010/main" val="2444179888"/>
       </p:ext>
     </p:extLst>
   </p:cSld>
@@ -4641,10 +4019,10 @@
           <a:lstStyle/>
           <a:p>
             <a:r>
-              <a:rPr lang="en-US" b="1" dirty="0">
+              <a:rPr lang="en-US" b="1" dirty="0" smtClean="0">
                 <a:effectLst/>
               </a:rPr>
-              <a:t>Purpose</a:t>
+              <a:t>Abstract</a:t>
             </a:r>
             <a:endParaRPr lang="en-IN" dirty="0"/>
           </a:p>
@@ -4663,46 +4041,47 @@
         <p:spPr/>
         <p:txBody>
           <a:bodyPr>
-            <a:normAutofit fontScale="70000" lnSpcReduction="20000"/>
+            <a:normAutofit/>
           </a:bodyPr>
           <a:lstStyle/>
           <a:p>
+            <a:pPr algn="just"/>
+            <a:endParaRPr lang="en-US" b="1" dirty="0" smtClean="0"/>
+          </a:p>
+          <a:p>
+            <a:pPr algn="just">
+              <a:buFont typeface="Wingdings" pitchFamily="2" charset="2"/>
+              <a:buChar char="Ø"/>
+            </a:pPr>
+            <a:r>
+              <a:rPr lang="en-US" b="1" dirty="0" smtClean="0"/>
+              <a:t>Digital </a:t>
+            </a:r>
+            <a:r>
+              <a:rPr lang="en-US" b="1" dirty="0"/>
+              <a:t>Table Service</a:t>
+            </a:r>
             <a:r>
               <a:rPr lang="en-US" dirty="0"/>
-              <a:t>Generally in hotels waiter comes and collect order on either notepad or tab. So they are</a:t>
-            </a:r>
-            <a:endParaRPr lang="en-IN" dirty="0"/>
-          </a:p>
-          <a:p>
-            <a:r>
-              <a:rPr lang="en-US" dirty="0"/>
-              <a:t>not able to maintain their customer’s records and feedback about their food. Even customer</a:t>
-            </a:r>
-            <a:endParaRPr lang="en-IN" dirty="0"/>
-          </a:p>
-          <a:p>
-            <a:r>
-              <a:rPr lang="en-US" dirty="0"/>
-              <a:t>cannot track his/her order. So </a:t>
-            </a:r>
-            <a:r>
-              <a:rPr lang="en-US" b="1" dirty="0"/>
-              <a:t>Digital Table Service</a:t>
-            </a:r>
-            <a:r>
-              <a:rPr lang="en-US" dirty="0"/>
-              <a:t> is the web application that will provide them all this facility. Customer can track his/her order and after ordering food in mean time they can play game, listen music etc.</a:t>
-            </a:r>
-            <a:endParaRPr lang="en-IN" dirty="0"/>
-          </a:p>
-          <a:p>
-            <a:r>
-              <a:rPr lang="en-US" dirty="0"/>
-              <a:t>	Also hotel owner can maintain database of his customers and collect feedback from them and on the basis of feedback they can improve. Then for payment, this application has two options either customer can pay by cash or if customer wants to pay through online then they can pay through default payment gateway.</a:t>
-            </a:r>
-            <a:endParaRPr lang="en-IN" dirty="0"/>
-          </a:p>
-          <a:p>
+              <a:t> is the web application that will provide them all this facility</a:t>
+            </a:r>
+            <a:r>
+              <a:rPr lang="en-IN" dirty="0" smtClean="0"/>
+              <a:t>. In </a:t>
+            </a:r>
+            <a:r>
+              <a:rPr lang="en-IN" dirty="0"/>
+              <a:t>this application, we create an user interface for hotels, where the entire process is automated from placing an order to billing</a:t>
+            </a:r>
+            <a:r>
+              <a:rPr lang="en-IN" dirty="0" smtClean="0"/>
+              <a:t>.</a:t>
+            </a:r>
+          </a:p>
+          <a:p>
+            <a:pPr marL="0" indent="0" algn="just">
+              <a:buNone/>
+            </a:pPr>
             <a:endParaRPr lang="en-IN" dirty="0"/>
           </a:p>
         </p:txBody>
@@ -4753,10 +4132,8 @@
           <a:lstStyle/>
           <a:p>
             <a:r>
-              <a:rPr lang="en-US" b="1" dirty="0">
-                <a:effectLst/>
-              </a:rPr>
-              <a:t>Product Scope</a:t>
+              <a:rPr lang="en-IN" dirty="0" smtClean="0"/>
+              <a:t>Introduction</a:t>
             </a:r>
             <a:endParaRPr lang="en-IN" dirty="0"/>
           </a:p>
@@ -4775,24 +4152,90 @@
         <p:spPr/>
         <p:txBody>
           <a:bodyPr>
-            <a:normAutofit lnSpcReduction="10000"/>
+            <a:normAutofit fontScale="92500"/>
           </a:bodyPr>
           <a:lstStyle/>
           <a:p>
+            <a:pPr>
+              <a:buFont typeface="Wingdings" pitchFamily="2" charset="2"/>
+              <a:buChar char="Ø"/>
+            </a:pPr>
+            <a:r>
+              <a:rPr lang="en-US" b="1" dirty="0"/>
+              <a:t>Digital Table Service</a:t>
+            </a:r>
             <a:r>
               <a:rPr lang="en-US" dirty="0"/>
-              <a:t>Our project is targeted to reduce the manpower and time. It is a  process of maintaining a day to day records of hotels. This application is design in such a way that even if users keep on increasing, the data will be stored  in a proper manner that can be very useful for hotels for their growth. In short it is easy for hotel owners to maintain data  in future also.</a:t>
+              <a:t> is the web application that will provide them all this facility. </a:t>
+            </a:r>
+            <a:endParaRPr lang="en-US" dirty="0" smtClean="0"/>
+          </a:p>
+          <a:p>
+            <a:pPr>
+              <a:buFont typeface="Wingdings" pitchFamily="2" charset="2"/>
+              <a:buChar char="Ø"/>
+            </a:pPr>
+            <a:r>
+              <a:rPr lang="en-IN" dirty="0" smtClean="0"/>
+              <a:t>The </a:t>
+            </a:r>
+            <a:r>
+              <a:rPr lang="en-IN" dirty="0"/>
+              <a:t>purpose of the application is to keep records like customer details, food details table-wise. At end of the day, We can measure the actual data .</a:t>
+            </a:r>
+          </a:p>
+          <a:p>
+            <a:pPr>
+              <a:buFont typeface="Wingdings" pitchFamily="2" charset="2"/>
+              <a:buChar char="Ø"/>
+            </a:pPr>
+            <a:r>
+              <a:rPr lang="en-US" dirty="0" smtClean="0"/>
+              <a:t>Customer </a:t>
+            </a:r>
+            <a:r>
+              <a:rPr lang="en-US" dirty="0"/>
+              <a:t>can track his/her order and after ordering food in mean time they can play game, listen music etc.</a:t>
+            </a:r>
+          </a:p>
+          <a:p>
+            <a:pPr>
+              <a:buFont typeface="Wingdings" pitchFamily="2" charset="2"/>
+              <a:buChar char="Ø"/>
+            </a:pPr>
+            <a:r>
+              <a:rPr lang="en-US" dirty="0"/>
+              <a:t>They can  payment through this  application has two options </a:t>
+            </a:r>
+            <a:r>
+              <a:rPr lang="en-US" dirty="0" smtClean="0"/>
+              <a:t>either </a:t>
+            </a:r>
+            <a:r>
+              <a:rPr lang="en-US" dirty="0"/>
+              <a:t>customer can pay by cash or if customer wants to pay through online then they can pay through default payment gateway.</a:t>
             </a:r>
             <a:endParaRPr lang="en-IN" dirty="0"/>
           </a:p>
           <a:p>
-            <a:r>
-              <a:rPr lang="en-US" dirty="0"/>
-              <a:t> </a:t>
-            </a:r>
+            <a:pPr>
+              <a:buFont typeface="Wingdings" pitchFamily="2" charset="2"/>
+              <a:buChar char="Ø"/>
+            </a:pPr>
             <a:endParaRPr lang="en-IN" dirty="0"/>
           </a:p>
           <a:p>
+            <a:pPr>
+              <a:buFont typeface="Wingdings" pitchFamily="2" charset="2"/>
+              <a:buChar char="Ø"/>
+            </a:pPr>
+            <a:endParaRPr lang="en-IN" dirty="0"/>
+          </a:p>
+          <a:p>
+            <a:pPr>
+              <a:buFont typeface="Wingdings" pitchFamily="2" charset="2"/>
+              <a:buChar char="Ø"/>
+            </a:pPr>
             <a:endParaRPr lang="en-IN" dirty="0"/>
           </a:p>
         </p:txBody>
@@ -4800,7 +4243,7 @@
     </p:spTree>
     <p:extLst>
       <p:ext uri="{BB962C8B-B14F-4D97-AF65-F5344CB8AC3E}">
-        <p14:creationId xmlns:p14="http://schemas.microsoft.com/office/powerpoint/2010/main" val="3432116652"/>
+        <p14:creationId xmlns:p14="http://schemas.microsoft.com/office/powerpoint/2010/main" val="2986914874"/>
       </p:ext>
     </p:extLst>
   </p:cSld>
@@ -4843,20 +4286,10 @@
           <a:lstStyle/>
           <a:p>
             <a:r>
-              <a:rPr lang="en-US" b="1" dirty="0" smtClean="0">
-                <a:effectLst/>
-              </a:rPr>
-              <a:t>Product </a:t>
-            </a:r>
-            <a:r>
-              <a:rPr lang="en-US" b="1" dirty="0">
-                <a:effectLst/>
-              </a:rPr>
-              <a:t>Functions</a:t>
-            </a:r>
-            <a:endParaRPr lang="en-IN" dirty="0">
-              <a:effectLst/>
-            </a:endParaRPr>
+              <a:rPr lang="en-IN" dirty="0" smtClean="0"/>
+              <a:t>Problem Definition</a:t>
+            </a:r>
+            <a:endParaRPr lang="en-IN" dirty="0"/>
           </a:p>
         </p:txBody>
       </p:sp>
@@ -4872,69 +4305,37 @@
         </p:nvSpPr>
         <p:spPr/>
         <p:txBody>
-          <a:bodyPr>
-            <a:normAutofit/>
-          </a:bodyPr>
-          <a:lstStyle/>
-          <a:p>
-            <a:pPr marL="82296" lvl="0" indent="0">
-              <a:buNone/>
+          <a:bodyPr/>
+          <a:lstStyle/>
+          <a:p>
+            <a:pPr>
+              <a:buFont typeface="Wingdings" pitchFamily="2" charset="2"/>
+              <a:buChar char="Ø"/>
             </a:pPr>
             <a:r>
-              <a:rPr lang="en-US" sz="2400" dirty="0"/>
-              <a:t>The admin will be able to view customers records, Add menu, Add Special Offer, add           </a:t>
-            </a:r>
-            <a:endParaRPr lang="en-IN" sz="2400" dirty="0"/>
-          </a:p>
-          <a:p>
-            <a:pPr marL="82296" indent="0">
-              <a:buNone/>
-            </a:pPr>
-            <a:r>
-              <a:rPr lang="en-US" sz="2400" dirty="0"/>
-              <a:t>Discounts .</a:t>
-            </a:r>
-            <a:endParaRPr lang="en-IN" sz="2400" dirty="0"/>
-          </a:p>
-          <a:p>
-            <a:pPr marL="82296" indent="0">
-              <a:buNone/>
-            </a:pPr>
-            <a:endParaRPr lang="en-IN" sz="2400" dirty="0"/>
-          </a:p>
-          <a:p>
-            <a:pPr marL="82296" lvl="0" indent="0">
-              <a:buNone/>
-            </a:pPr>
-            <a:r>
-              <a:rPr lang="en-US" sz="2400" dirty="0"/>
-              <a:t>The customer will be able to track his/her order.</a:t>
-            </a:r>
-            <a:endParaRPr lang="en-IN" sz="2400" dirty="0"/>
-          </a:p>
-          <a:p>
-            <a:pPr marL="82296" indent="0">
-              <a:buNone/>
-            </a:pPr>
-            <a:endParaRPr lang="en-IN" sz="2400" dirty="0"/>
-          </a:p>
-          <a:p>
-            <a:pPr marL="82296" lvl="0" indent="0">
-              <a:buNone/>
-            </a:pPr>
-            <a:r>
-              <a:rPr lang="en-US" sz="2400" dirty="0"/>
-              <a:t>After ordering food in meantime they can play a game, listen to music.</a:t>
-            </a:r>
-            <a:endParaRPr lang="en-IN" sz="2400" dirty="0"/>
-          </a:p>
-          <a:p>
-            <a:pPr marL="82296" indent="0">
-              <a:buNone/>
-            </a:pPr>
-            <a:endParaRPr lang="en-IN" dirty="0"/>
-          </a:p>
-          <a:p>
+              <a:rPr lang="en-US" dirty="0"/>
+              <a:t>Generally in hotels waiter comes and collect order on either notepad or tab. So they are not able to maintain their customer’s records and feedback about their food. Even customer cannot </a:t>
+            </a:r>
+            <a:r>
+              <a:rPr lang="en-US" dirty="0" smtClean="0"/>
+              <a:t>track </a:t>
+            </a:r>
+            <a:r>
+              <a:rPr lang="en-US" dirty="0"/>
+              <a:t>his/her </a:t>
+            </a:r>
+            <a:r>
+              <a:rPr lang="en-US" dirty="0" smtClean="0"/>
+              <a:t>order</a:t>
+            </a:r>
+            <a:r>
+              <a:rPr lang="en-IN" dirty="0" smtClean="0"/>
+              <a:t> </a:t>
+            </a:r>
+            <a:r>
+              <a:rPr lang="en-US" dirty="0" smtClean="0"/>
+              <a:t>and billing details.</a:t>
+            </a:r>
             <a:endParaRPr lang="en-IN" dirty="0"/>
           </a:p>
         </p:txBody>
@@ -4942,7 +4343,7 @@
     </p:spTree>
     <p:extLst>
       <p:ext uri="{BB962C8B-B14F-4D97-AF65-F5344CB8AC3E}">
-        <p14:creationId xmlns:p14="http://schemas.microsoft.com/office/powerpoint/2010/main" val="3680141382"/>
+        <p14:creationId xmlns:p14="http://schemas.microsoft.com/office/powerpoint/2010/main" val="3324924148"/>
       </p:ext>
     </p:extLst>
   </p:cSld>
@@ -4981,24 +4382,14 @@
         </p:nvSpPr>
         <p:spPr/>
         <p:txBody>
-          <a:bodyPr>
-            <a:normAutofit/>
-          </a:bodyPr>
-          <a:lstStyle/>
-          <a:p>
-            <a:r>
-              <a:rPr lang="en-US" sz="3600" b="1" dirty="0">
-                <a:effectLst/>
-              </a:rPr>
-              <a:t>User Classes </a:t>
-            </a:r>
-            <a:r>
-              <a:rPr lang="en-US" sz="3600" b="1" dirty="0" smtClean="0">
-                <a:effectLst/>
-              </a:rPr>
-              <a:t>and Characteristics</a:t>
-            </a:r>
-            <a:endParaRPr lang="en-IN" sz="3600" dirty="0"/>
+          <a:bodyPr/>
+          <a:lstStyle/>
+          <a:p>
+            <a:r>
+              <a:rPr lang="en-US" sz="5400" dirty="0" smtClean="0"/>
+              <a:t>Objective </a:t>
+            </a:r>
+            <a:endParaRPr lang="en-IN" dirty="0"/>
           </a:p>
         </p:txBody>
       </p:sp>
@@ -5014,188 +4405,55 @@
         </p:nvSpPr>
         <p:spPr/>
         <p:txBody>
-          <a:bodyPr>
-            <a:normAutofit fontScale="85000" lnSpcReduction="20000"/>
-          </a:bodyPr>
-          <a:lstStyle/>
-          <a:p>
-            <a:pPr marL="82296" indent="0">
+          <a:bodyPr/>
+          <a:lstStyle/>
+          <a:p>
+            <a:pPr marL="0" indent="0">
               <a:buNone/>
             </a:pPr>
             <a:r>
-              <a:rPr lang="en-US" sz="2000" b="1" dirty="0"/>
-              <a:t>Admin</a:t>
-            </a:r>
-            <a:r>
-              <a:rPr lang="en-US" sz="2000" dirty="0"/>
-              <a:t>:</a:t>
-            </a:r>
-            <a:endParaRPr lang="en-IN" sz="2000" dirty="0"/>
-          </a:p>
-          <a:p>
-            <a:pPr marL="82296" indent="0">
+              <a:rPr lang="en-US" dirty="0" smtClean="0"/>
+              <a:t>	</a:t>
+            </a:r>
+          </a:p>
+          <a:p>
+            <a:pPr marL="0" indent="0">
               <a:buNone/>
             </a:pPr>
             <a:r>
-              <a:rPr lang="en-US" sz="2000" dirty="0"/>
-              <a:t> </a:t>
-            </a:r>
-            <a:endParaRPr lang="en-IN" sz="2000" dirty="0"/>
-          </a:p>
-          <a:p>
-            <a:pPr marL="82296" indent="0">
+              <a:rPr lang="en-US" dirty="0"/>
+              <a:t>	</a:t>
+            </a:r>
+            <a:r>
+              <a:rPr lang="en-US" sz="2400" dirty="0" smtClean="0"/>
+              <a:t>The </a:t>
+            </a:r>
+            <a:r>
+              <a:rPr lang="en-US" sz="2400" dirty="0"/>
+              <a:t>main objective of this project is to encourage small restaurants to use Digital services. Through this application they can fully handle their order processing digitally. </a:t>
+            </a:r>
+            <a:endParaRPr lang="en-US" sz="2400" dirty="0" smtClean="0"/>
+          </a:p>
+          <a:p>
+            <a:pPr marL="0" indent="0">
               <a:buNone/>
             </a:pPr>
             <a:r>
-              <a:rPr lang="en-US" sz="2000" dirty="0"/>
-              <a:t>This person will be able to access all the functions of the system. This person can view Customers record, can add chef and tables of the student also can view</a:t>
-            </a:r>
-            <a:endParaRPr lang="en-IN" sz="2000" dirty="0"/>
-          </a:p>
-          <a:p>
-            <a:pPr marL="82296" indent="0">
-              <a:buNone/>
-            </a:pPr>
-            <a:r>
-              <a:rPr lang="en-US" sz="2000" dirty="0"/>
-              <a:t> </a:t>
-            </a:r>
-            <a:endParaRPr lang="en-IN" sz="2000" dirty="0"/>
-          </a:p>
-          <a:p>
-            <a:pPr marL="82296" indent="0">
-              <a:buNone/>
-            </a:pPr>
-            <a:r>
-              <a:rPr lang="en-US" sz="2000" b="1" dirty="0"/>
-              <a:t>Customer</a:t>
-            </a:r>
-            <a:r>
-              <a:rPr lang="en-US" sz="2000" dirty="0"/>
-              <a:t>:</a:t>
-            </a:r>
-            <a:endParaRPr lang="en-IN" sz="2000" dirty="0"/>
-          </a:p>
-          <a:p>
-            <a:pPr marL="82296" indent="0">
-              <a:buNone/>
-            </a:pPr>
-            <a:r>
-              <a:rPr lang="en-US" sz="2000" dirty="0"/>
-              <a:t> </a:t>
-            </a:r>
-            <a:endParaRPr lang="en-IN" sz="2000" dirty="0"/>
-          </a:p>
-          <a:p>
-            <a:pPr marL="82296" indent="0">
-              <a:buNone/>
-            </a:pPr>
-            <a:r>
-              <a:rPr lang="en-US" sz="2000" dirty="0"/>
-              <a:t>Customer can view menu list, his order and time which is required for order delivery Customers will be able to give feedback  for menus.</a:t>
-            </a:r>
-            <a:endParaRPr lang="en-IN" sz="2000" dirty="0"/>
-          </a:p>
-          <a:p>
-            <a:pPr marL="82296" indent="0">
-              <a:buNone/>
-            </a:pPr>
-            <a:r>
-              <a:rPr lang="en-US" sz="2000" dirty="0"/>
-              <a:t> </a:t>
-            </a:r>
-            <a:endParaRPr lang="en-IN" sz="2000" dirty="0"/>
-          </a:p>
-          <a:p>
-            <a:pPr marL="82296" indent="0">
-              <a:buNone/>
-            </a:pPr>
-            <a:r>
-              <a:rPr lang="en-US" sz="2000" b="1" dirty="0"/>
-              <a:t>Chef</a:t>
-            </a:r>
-            <a:r>
-              <a:rPr lang="en-US" sz="2000" dirty="0"/>
-              <a:t>:</a:t>
-            </a:r>
-            <a:endParaRPr lang="en-IN" sz="2000" dirty="0"/>
-          </a:p>
-          <a:p>
-            <a:pPr marL="82296" indent="0">
-              <a:buNone/>
-            </a:pPr>
-            <a:r>
-              <a:rPr lang="en-US" sz="2000" dirty="0"/>
-              <a:t> </a:t>
-            </a:r>
-            <a:endParaRPr lang="en-IN" sz="2000" dirty="0"/>
-          </a:p>
-          <a:p>
-            <a:pPr marL="82296" indent="0">
-              <a:buNone/>
-            </a:pPr>
-            <a:r>
-              <a:rPr lang="en-US" sz="2000" dirty="0" smtClean="0"/>
-              <a:t>This </a:t>
-            </a:r>
-            <a:r>
-              <a:rPr lang="en-US" sz="2000" dirty="0"/>
-              <a:t>person can accept the order.</a:t>
-            </a:r>
-            <a:endParaRPr lang="en-IN" sz="2000" dirty="0"/>
-          </a:p>
-          <a:p>
-            <a:pPr marL="82296" indent="0">
-              <a:buNone/>
-            </a:pPr>
-            <a:r>
-              <a:rPr lang="en-US" sz="2000" dirty="0"/>
-              <a:t> </a:t>
-            </a:r>
-            <a:endParaRPr lang="en-IN" sz="2000" dirty="0"/>
-          </a:p>
-          <a:p>
-            <a:pPr marL="82296" indent="0">
-              <a:buNone/>
-            </a:pPr>
-            <a:r>
-              <a:rPr lang="en-US" sz="2000" dirty="0"/>
-              <a:t> </a:t>
-            </a:r>
-            <a:endParaRPr lang="en-IN" sz="2000" dirty="0"/>
-          </a:p>
-          <a:p>
-            <a:pPr marL="82296" indent="0">
-              <a:buNone/>
-            </a:pPr>
-            <a:r>
-              <a:rPr lang="en-US" sz="2000" dirty="0"/>
-              <a:t> </a:t>
-            </a:r>
-            <a:endParaRPr lang="en-IN" sz="2000" dirty="0"/>
-          </a:p>
-          <a:p>
-            <a:pPr marL="82296" indent="0">
-              <a:buNone/>
-            </a:pPr>
-            <a:r>
-              <a:rPr lang="en-US" sz="2000" dirty="0"/>
-              <a:t> </a:t>
-            </a:r>
-            <a:endParaRPr lang="en-IN" sz="2000" dirty="0"/>
-          </a:p>
-          <a:p>
-            <a:pPr marL="82296" indent="0">
-              <a:buNone/>
-            </a:pPr>
-            <a:endParaRPr lang="en-IN" sz="2000" dirty="0"/>
+              <a:rPr lang="en-US" sz="2400" dirty="0"/>
+              <a:t>	</a:t>
+            </a:r>
+            <a:r>
+              <a:rPr lang="en-US" sz="2400" dirty="0" smtClean="0"/>
+              <a:t>We can handle billing process , Maintain Billing history and Time Consuming.</a:t>
+            </a:r>
+            <a:endParaRPr lang="en-IN" sz="2400" dirty="0"/>
           </a:p>
         </p:txBody>
       </p:sp>
     </p:spTree>
     <p:extLst>
       <p:ext uri="{BB962C8B-B14F-4D97-AF65-F5344CB8AC3E}">
-        <p14:creationId xmlns:p14="http://schemas.microsoft.com/office/powerpoint/2010/main" val="835551300"/>
+        <p14:creationId xmlns:p14="http://schemas.microsoft.com/office/powerpoint/2010/main" val="1354390819"/>
       </p:ext>
     </p:extLst>
   </p:cSld>
@@ -5237,13 +4495,7 @@
           <a:bodyPr/>
           <a:lstStyle/>
           <a:p>
-            <a:r>
-              <a:rPr lang="en-US" b="1" dirty="0">
-                <a:effectLst/>
-              </a:rPr>
-              <a:t>User Interfaces</a:t>
-            </a:r>
-            <a:endParaRPr lang="en-IN" dirty="0"/>
+            <a:endParaRPr lang="en-IN"/>
           </a:p>
         </p:txBody>
       </p:sp>
@@ -5259,355 +4511,17 @@
         </p:nvSpPr>
         <p:spPr/>
         <p:txBody>
-          <a:bodyPr>
-            <a:normAutofit fontScale="92500" lnSpcReduction="10000"/>
-          </a:bodyPr>
-          <a:lstStyle/>
-          <a:p>
-            <a:pPr marL="82296" indent="0">
-              <a:buNone/>
-            </a:pPr>
-            <a:r>
-              <a:rPr lang="en-US" dirty="0"/>
-              <a:t>The main element is web Pages using HTML, Bootstrap. Multiple Interfaces are there like Login-page of customers, Login - page for hotel-staff, main-menu-page. Customer will give register and give order online then it will go to both admin and kitchen staff. After finishing the lunch Payment Gateway Open and in that we will display options like cash mode or online then He'll/she'll pay according to their convenience and at the last, they will rate the dish in a feedback form.</a:t>
-            </a:r>
-            <a:endParaRPr lang="en-IN" dirty="0"/>
-          </a:p>
-          <a:p>
-            <a:pPr marL="82296" indent="0">
-              <a:buNone/>
-            </a:pPr>
-            <a:endParaRPr lang="en-IN" dirty="0"/>
+          <a:bodyPr/>
+          <a:lstStyle/>
+          <a:p>
+            <a:endParaRPr lang="en-IN"/>
           </a:p>
         </p:txBody>
       </p:sp>
     </p:spTree>
     <p:extLst>
       <p:ext uri="{BB962C8B-B14F-4D97-AF65-F5344CB8AC3E}">
-        <p14:creationId xmlns:p14="http://schemas.microsoft.com/office/powerpoint/2010/main" val="1013271571"/>
-      </p:ext>
-    </p:extLst>
-  </p:cSld>
-  <p:clrMapOvr>
-    <a:masterClrMapping/>
-  </p:clrMapOvr>
-</p:sld>
-</file>
-
-<file path=ppt/slides/slide7.xml><?xml version="1.0" encoding="utf-8"?>
-<p:sld xmlns:a="http://schemas.openxmlformats.org/drawingml/2006/main" xmlns:r="http://schemas.openxmlformats.org/officeDocument/2006/relationships" xmlns:p="http://schemas.openxmlformats.org/presentationml/2006/main">
-  <p:cSld>
-    <p:spTree>
-      <p:nvGrpSpPr>
-        <p:cNvPr id="1" name=""/>
-        <p:cNvGrpSpPr/>
-        <p:nvPr/>
-      </p:nvGrpSpPr>
-      <p:grpSpPr>
-        <a:xfrm>
-          <a:off x="0" y="0"/>
-          <a:ext cx="0" cy="0"/>
-          <a:chOff x="0" y="0"/>
-          <a:chExt cx="0" cy="0"/>
-        </a:xfrm>
-      </p:grpSpPr>
-      <p:sp>
-        <p:nvSpPr>
-          <p:cNvPr id="2" name="Title 1"/>
-          <p:cNvSpPr>
-            <a:spLocks noGrp="1"/>
-          </p:cNvSpPr>
-          <p:nvPr>
-            <p:ph type="title"/>
-          </p:nvPr>
-        </p:nvSpPr>
-        <p:spPr/>
-        <p:txBody>
-          <a:bodyPr/>
-          <a:lstStyle/>
-          <a:p>
-            <a:r>
-              <a:rPr lang="en-US" b="1" dirty="0">
-                <a:effectLst/>
-              </a:rPr>
-              <a:t>Software Interfaces</a:t>
-            </a:r>
-            <a:endParaRPr lang="en-IN" dirty="0">
-              <a:effectLst/>
-            </a:endParaRPr>
-          </a:p>
-        </p:txBody>
-      </p:sp>
-      <p:sp>
-        <p:nvSpPr>
-          <p:cNvPr id="3" name="Content Placeholder 2"/>
-          <p:cNvSpPr>
-            <a:spLocks noGrp="1"/>
-          </p:cNvSpPr>
-          <p:nvPr>
-            <p:ph idx="1"/>
-          </p:nvPr>
-        </p:nvSpPr>
-        <p:spPr/>
-        <p:txBody>
-          <a:bodyPr/>
-          <a:lstStyle/>
-          <a:p>
-            <a:pPr marL="82296" indent="0">
-              <a:buNone/>
-            </a:pPr>
-            <a:r>
-              <a:rPr lang="en-US" dirty="0"/>
-              <a:t>In the software interface, Spring Framework is back-end technology used along with MySQL Database. The Front-end technologies include HTML, CSS, Bootstrap. Data will be communicated between these interfaces accordingly</a:t>
-            </a:r>
-            <a:endParaRPr lang="en-IN" dirty="0"/>
-          </a:p>
-          <a:p>
-            <a:pPr marL="82296" indent="0">
-              <a:buNone/>
-            </a:pPr>
-            <a:r>
-              <a:rPr lang="en-US" dirty="0"/>
-              <a:t> </a:t>
-            </a:r>
-            <a:endParaRPr lang="en-IN" dirty="0"/>
-          </a:p>
-        </p:txBody>
-      </p:sp>
-    </p:spTree>
-    <p:extLst>
-      <p:ext uri="{BB962C8B-B14F-4D97-AF65-F5344CB8AC3E}">
-        <p14:creationId xmlns:p14="http://schemas.microsoft.com/office/powerpoint/2010/main" val="3207854525"/>
-      </p:ext>
-    </p:extLst>
-  </p:cSld>
-  <p:clrMapOvr>
-    <a:masterClrMapping/>
-  </p:clrMapOvr>
-</p:sld>
-</file>
-
-<file path=ppt/slides/slide8.xml><?xml version="1.0" encoding="utf-8"?>
-<p:sld xmlns:a="http://schemas.openxmlformats.org/drawingml/2006/main" xmlns:r="http://schemas.openxmlformats.org/officeDocument/2006/relationships" xmlns:p="http://schemas.openxmlformats.org/presentationml/2006/main">
-  <p:cSld>
-    <p:spTree>
-      <p:nvGrpSpPr>
-        <p:cNvPr id="1" name=""/>
-        <p:cNvGrpSpPr/>
-        <p:nvPr/>
-      </p:nvGrpSpPr>
-      <p:grpSpPr>
-        <a:xfrm>
-          <a:off x="0" y="0"/>
-          <a:ext cx="0" cy="0"/>
-          <a:chOff x="0" y="0"/>
-          <a:chExt cx="0" cy="0"/>
-        </a:xfrm>
-      </p:grpSpPr>
-      <p:sp>
-        <p:nvSpPr>
-          <p:cNvPr id="2" name="Title 1"/>
-          <p:cNvSpPr>
-            <a:spLocks noGrp="1"/>
-          </p:cNvSpPr>
-          <p:nvPr>
-            <p:ph type="title"/>
-          </p:nvPr>
-        </p:nvSpPr>
-        <p:spPr/>
-        <p:txBody>
-          <a:bodyPr/>
-          <a:lstStyle/>
-          <a:p>
-            <a:r>
-              <a:rPr lang="en-US" b="1" dirty="0">
-                <a:effectLst/>
-              </a:rPr>
-              <a:t>Customers History </a:t>
-            </a:r>
-            <a:endParaRPr lang="en-IN" b="1" dirty="0"/>
-          </a:p>
-        </p:txBody>
-      </p:sp>
-      <p:sp>
-        <p:nvSpPr>
-          <p:cNvPr id="3" name="Content Placeholder 2"/>
-          <p:cNvSpPr>
-            <a:spLocks noGrp="1"/>
-          </p:cNvSpPr>
-          <p:nvPr>
-            <p:ph idx="1"/>
-          </p:nvPr>
-        </p:nvSpPr>
-        <p:spPr/>
-        <p:txBody>
-          <a:bodyPr/>
-          <a:lstStyle/>
-          <a:p>
-            <a:pPr marL="82296" lvl="0" indent="0">
-              <a:buNone/>
-            </a:pPr>
-            <a:r>
-              <a:rPr lang="en-US" sz="2400" dirty="0"/>
-              <a:t>The system should maintain a log of the history of Customers</a:t>
-            </a:r>
-            <a:r>
-              <a:rPr lang="en-US" sz="2400" dirty="0" smtClean="0"/>
-              <a:t>.</a:t>
-            </a:r>
-          </a:p>
-          <a:p>
-            <a:pPr marL="82296" lvl="0" indent="0">
-              <a:buNone/>
-            </a:pPr>
-            <a:endParaRPr lang="en-US" dirty="0" smtClean="0"/>
-          </a:p>
-          <a:p>
-            <a:pPr marL="82296" lvl="0" indent="0">
-              <a:buNone/>
-            </a:pPr>
-            <a:r>
-              <a:rPr lang="en-US" sz="2400" dirty="0" smtClean="0"/>
-              <a:t>The </a:t>
-            </a:r>
-            <a:r>
-              <a:rPr lang="en-US" sz="2400" dirty="0"/>
-              <a:t>system will thus help us automate the process of manual Billing. Thus, using this system, we will be able to save a lot of time and energy.</a:t>
-            </a:r>
-            <a:endParaRPr lang="en-IN" sz="2400" dirty="0"/>
-          </a:p>
-          <a:p>
-            <a:pPr marL="82296" indent="0">
-              <a:buNone/>
-            </a:pPr>
-            <a:r>
-              <a:rPr lang="en-US" sz="2800" dirty="0"/>
-              <a:t> </a:t>
-            </a:r>
-            <a:endParaRPr lang="en-IN" dirty="0"/>
-          </a:p>
-          <a:p>
-            <a:pPr marL="82296" indent="0">
-              <a:buNone/>
-            </a:pPr>
-            <a:r>
-              <a:rPr lang="en-US" dirty="0"/>
-              <a:t> </a:t>
-            </a:r>
-            <a:endParaRPr lang="en-IN" dirty="0"/>
-          </a:p>
-          <a:p>
-            <a:endParaRPr lang="en-IN" dirty="0"/>
-          </a:p>
-          <a:p>
-            <a:pPr marL="82296" lvl="0" indent="0">
-              <a:buNone/>
-            </a:pPr>
-            <a:endParaRPr lang="en-IN" dirty="0"/>
-          </a:p>
-        </p:txBody>
-      </p:sp>
-    </p:spTree>
-    <p:extLst>
-      <p:ext uri="{BB962C8B-B14F-4D97-AF65-F5344CB8AC3E}">
-        <p14:creationId xmlns:p14="http://schemas.microsoft.com/office/powerpoint/2010/main" val="2506755979"/>
-      </p:ext>
-    </p:extLst>
-  </p:cSld>
-  <p:clrMapOvr>
-    <a:masterClrMapping/>
-  </p:clrMapOvr>
-</p:sld>
-</file>
-
-<file path=ppt/slides/slide9.xml><?xml version="1.0" encoding="utf-8"?>
-<p:sld xmlns:a="http://schemas.openxmlformats.org/drawingml/2006/main" xmlns:r="http://schemas.openxmlformats.org/officeDocument/2006/relationships" xmlns:p="http://schemas.openxmlformats.org/presentationml/2006/main">
-  <p:cSld>
-    <p:spTree>
-      <p:nvGrpSpPr>
-        <p:cNvPr id="1" name=""/>
-        <p:cNvGrpSpPr/>
-        <p:nvPr/>
-      </p:nvGrpSpPr>
-      <p:grpSpPr>
-        <a:xfrm>
-          <a:off x="0" y="0"/>
-          <a:ext cx="0" cy="0"/>
-          <a:chOff x="0" y="0"/>
-          <a:chExt cx="0" cy="0"/>
-        </a:xfrm>
-      </p:grpSpPr>
-      <p:sp>
-        <p:nvSpPr>
-          <p:cNvPr id="2" name="Title 1"/>
-          <p:cNvSpPr>
-            <a:spLocks noGrp="1"/>
-          </p:cNvSpPr>
-          <p:nvPr>
-            <p:ph type="title"/>
-          </p:nvPr>
-        </p:nvSpPr>
-        <p:spPr/>
-        <p:txBody>
-          <a:bodyPr/>
-          <a:lstStyle/>
-          <a:p>
-            <a:r>
-              <a:rPr lang="en-US" b="1" dirty="0">
-                <a:effectLst/>
-              </a:rPr>
-              <a:t>Payment Details</a:t>
-            </a:r>
-            <a:endParaRPr lang="en-IN" dirty="0"/>
-          </a:p>
-        </p:txBody>
-      </p:sp>
-      <p:sp>
-        <p:nvSpPr>
-          <p:cNvPr id="3" name="Content Placeholder 2"/>
-          <p:cNvSpPr>
-            <a:spLocks noGrp="1"/>
-          </p:cNvSpPr>
-          <p:nvPr>
-            <p:ph idx="1"/>
-          </p:nvPr>
-        </p:nvSpPr>
-        <p:spPr/>
-        <p:txBody>
-          <a:bodyPr/>
-          <a:lstStyle/>
-          <a:p>
-            <a:pPr marL="82296" indent="0">
-              <a:buNone/>
-            </a:pPr>
-            <a:endParaRPr lang="en-US" dirty="0"/>
-          </a:p>
-          <a:p>
-            <a:pPr marL="82296" indent="0">
-              <a:buNone/>
-            </a:pPr>
-            <a:r>
-              <a:rPr lang="en-US" dirty="0" smtClean="0"/>
-              <a:t>This </a:t>
-            </a:r>
-            <a:r>
-              <a:rPr lang="en-US" dirty="0"/>
-              <a:t>system shall maintain the Customers Payment Details. with cash and online payment system. </a:t>
-            </a:r>
-            <a:endParaRPr lang="en-IN" dirty="0"/>
-          </a:p>
-          <a:p>
-            <a:pPr marL="82296" indent="0">
-              <a:buNone/>
-            </a:pPr>
-            <a:endParaRPr lang="en-IN" dirty="0"/>
-          </a:p>
-        </p:txBody>
-      </p:sp>
-    </p:spTree>
-    <p:extLst>
-      <p:ext uri="{BB962C8B-B14F-4D97-AF65-F5344CB8AC3E}">
-        <p14:creationId xmlns:p14="http://schemas.microsoft.com/office/powerpoint/2010/main" val="3007428362"/>
+        <p14:creationId xmlns:p14="http://schemas.microsoft.com/office/powerpoint/2010/main" val="2444179888"/>
       </p:ext>
     </p:extLst>
   </p:cSld>
@@ -5618,9 +4532,9 @@
 </file>
 
 <file path=ppt/theme/theme1.xml><?xml version="1.0" encoding="utf-8"?>
-<a:theme xmlns:a="http://schemas.openxmlformats.org/drawingml/2006/main" name="Solstice">
+<a:theme xmlns:a="http://schemas.openxmlformats.org/drawingml/2006/main" name="Flow">
   <a:themeElements>
-    <a:clrScheme name="Solstice">
+    <a:clrScheme name="Flow">
       <a:dk1>
         <a:sysClr val="windowText" lastClr="000000"/>
       </a:dk1>
@@ -5628,48 +4542,46 @@
         <a:sysClr val="window" lastClr="FFFFFF"/>
       </a:lt1>
       <a:dk2>
-        <a:srgbClr val="4F271C"/>
+        <a:srgbClr val="04617B"/>
       </a:dk2>
       <a:lt2>
-        <a:srgbClr val="E7DEC9"/>
+        <a:srgbClr val="DBF5F9"/>
       </a:lt2>
       <a:accent1>
-        <a:srgbClr val="3891A7"/>
+        <a:srgbClr val="0F6FC6"/>
       </a:accent1>
       <a:accent2>
-        <a:srgbClr val="FEB80A"/>
+        <a:srgbClr val="009DD9"/>
       </a:accent2>
       <a:accent3>
-        <a:srgbClr val="C32D2E"/>
+        <a:srgbClr val="0BD0D9"/>
       </a:accent3>
       <a:accent4>
-        <a:srgbClr val="84AA33"/>
+        <a:srgbClr val="10CF9B"/>
       </a:accent4>
       <a:accent5>
-        <a:srgbClr val="964305"/>
+        <a:srgbClr val="7CCA62"/>
       </a:accent5>
       <a:accent6>
-        <a:srgbClr val="475A8D"/>
+        <a:srgbClr val="A5C249"/>
       </a:accent6>
       <a:hlink>
-        <a:srgbClr val="8DC765"/>
+        <a:srgbClr val="F49100"/>
       </a:hlink>
       <a:folHlink>
-        <a:srgbClr val="AA8A14"/>
+        <a:srgbClr val="85DFD0"/>
       </a:folHlink>
     </a:clrScheme>
-    <a:fontScheme name="Solstice">
+    <a:fontScheme name="Flow">
       <a:majorFont>
-        <a:latin typeface="Gill Sans MT"/>
+        <a:latin typeface="Calibri"/>
         <a:ea typeface=""/>
         <a:cs typeface=""/>
-        <a:font script="Grek" typeface="Corbel"/>
-        <a:font script="Cyrl" typeface="Corbel"/>
-        <a:font script="Jpan" typeface="HGｺﾞｼｯｸE"/>
-        <a:font script="Hang" typeface="휴먼매직체"/>
-        <a:font script="Hans" typeface="华文中宋"/>
+        <a:font script="Jpan" typeface="ＭＳ Ｐゴシック"/>
+        <a:font script="Hang" typeface="HY중고딕"/>
+        <a:font script="Hans" typeface="隶书"/>
         <a:font script="Hant" typeface="微軟正黑體"/>
-        <a:font script="Arab" typeface="Majalla UI"/>
+        <a:font script="Arab" typeface="Traditional Arabic"/>
         <a:font script="Hebr" typeface="Arial"/>
         <a:font script="Thai" typeface="Cordia New"/>
         <a:font script="Ethi" typeface="Nyala"/>
@@ -5692,27 +4604,24 @@
         <a:font script="Laoo" typeface="DokChampa"/>
         <a:font script="Sinh" typeface="Iskoola Pota"/>
         <a:font script="Mong" typeface="Mongolian Baiti"/>
-        <a:font script="Viet" typeface="Tahoma"/>
+        <a:font script="Viet" typeface="Arial"/>
         <a:font script="Uigh" typeface="Microsoft Uighur"/>
-        <a:font script="Geor" typeface="Sylfaen"/>
       </a:majorFont>
       <a:minorFont>
-        <a:latin typeface="Gill Sans MT"/>
+        <a:latin typeface="Constantia"/>
         <a:ea typeface=""/>
         <a:cs typeface=""/>
-        <a:font script="Grek" typeface="Corbel"/>
-        <a:font script="Cyrl" typeface="Corbel"/>
-        <a:font script="Jpan" typeface="HGｺﾞｼｯｸE"/>
-        <a:font script="Hang" typeface="HY엽서L"/>
-        <a:font script="Hans" typeface="华文中宋"/>
-        <a:font script="Hant" typeface="微軟正黑體"/>
+        <a:font script="Jpan" typeface="HGP明朝E"/>
+        <a:font script="Hang" typeface="HY신명조"/>
+        <a:font script="Hans" typeface="宋体"/>
+        <a:font script="Hant" typeface="新細明體"/>
         <a:font script="Arab" typeface="Majalla UI"/>
-        <a:font script="Hebr" typeface="Arial"/>
-        <a:font script="Thai" typeface="Cordia New"/>
+        <a:font script="Hebr" typeface="David"/>
+        <a:font script="Thai" typeface="Browallia New"/>
         <a:font script="Ethi" typeface="Nyala"/>
         <a:font script="Beng" typeface="Vrinda"/>
         <a:font script="Gujr" typeface="Shruti"/>
-        <a:font script="Khmr" typeface="DaunPenh"/>
+        <a:font script="Khmr" typeface="MoolBoran"/>
         <a:font script="Knda" typeface="Tunga"/>
         <a:font script="Guru" typeface="Raavi"/>
         <a:font script="Cans" typeface="Euphemia"/>
@@ -5729,12 +4638,11 @@
         <a:font script="Laoo" typeface="DokChampa"/>
         <a:font script="Sinh" typeface="Iskoola Pota"/>
         <a:font script="Mong" typeface="Mongolian Baiti"/>
-        <a:font script="Viet" typeface="Tahoma"/>
+        <a:font script="Viet" typeface="Times New Roman"/>
         <a:font script="Uigh" typeface="Microsoft Uighur"/>
-        <a:font script="Geor" typeface="Sylfaen"/>
       </a:minorFont>
     </a:fontScheme>
-    <a:fmtScheme name="Solstice">
+    <a:fmtScheme name="Flow">
       <a:fillStyleLst>
         <a:solidFill>
           <a:schemeClr val="phClr"/>
@@ -5743,78 +4651,67 @@
           <a:gsLst>
             <a:gs pos="0">
               <a:schemeClr val="phClr">
-                <a:tint val="35000"/>
-                <a:satMod val="253000"/>
+                <a:tint val="70000"/>
+                <a:satMod val="130000"/>
               </a:schemeClr>
             </a:gs>
-            <a:gs pos="50000">
+            <a:gs pos="43000">
               <a:schemeClr val="phClr">
-                <a:tint val="42000"/>
-                <a:satMod val="255000"/>
+                <a:tint val="44000"/>
+                <a:satMod val="165000"/>
               </a:schemeClr>
             </a:gs>
-            <a:gs pos="97000">
+            <a:gs pos="93000">
               <a:schemeClr val="phClr">
-                <a:tint val="53000"/>
-                <a:satMod val="260000"/>
+                <a:tint val="15000"/>
+                <a:satMod val="165000"/>
               </a:schemeClr>
             </a:gs>
             <a:gs pos="100000">
               <a:schemeClr val="phClr">
-                <a:tint val="56000"/>
-                <a:satMod val="275000"/>
+                <a:tint val="5000"/>
+                <a:satMod val="250000"/>
               </a:schemeClr>
             </a:gs>
           </a:gsLst>
           <a:path path="circle">
-            <a:fillToRect l="50000" t="50000" r="50000" b="50000"/>
+            <a:fillToRect l="50000" t="130000" r="50000" b="-30000"/>
           </a:path>
         </a:gradFill>
         <a:gradFill rotWithShape="1">
           <a:gsLst>
             <a:gs pos="0">
               <a:schemeClr val="phClr">
-                <a:tint val="92000"/>
-                <a:satMod val="170000"/>
+                <a:tint val="98000"/>
+                <a:shade val="25000"/>
+                <a:satMod val="250000"/>
               </a:schemeClr>
             </a:gs>
-            <a:gs pos="15000">
+            <a:gs pos="68000">
               <a:schemeClr val="phClr">
-                <a:tint val="92000"/>
-                <a:shade val="99000"/>
-                <a:satMod val="170000"/>
-              </a:schemeClr>
-            </a:gs>
-            <a:gs pos="62000">
-              <a:schemeClr val="phClr">
-                <a:tint val="96000"/>
-                <a:shade val="80000"/>
-                <a:satMod val="170000"/>
-              </a:schemeClr>
-            </a:gs>
-            <a:gs pos="97000">
-              <a:schemeClr val="phClr">
-                <a:tint val="98000"/>
-                <a:shade val="63000"/>
-                <a:satMod val="170000"/>
+                <a:tint val="86000"/>
+                <a:satMod val="115000"/>
               </a:schemeClr>
             </a:gs>
             <a:gs pos="100000">
               <a:schemeClr val="phClr">
-                <a:shade val="62000"/>
-                <a:satMod val="170000"/>
+                <a:tint val="50000"/>
+                <a:satMod val="150000"/>
               </a:schemeClr>
             </a:gs>
           </a:gsLst>
           <a:path path="circle">
-            <a:fillToRect l="50000" t="50000" r="50000" b="50000"/>
+            <a:fillToRect l="50000" t="130000" r="50000" b="-30000"/>
           </a:path>
         </a:gradFill>
       </a:fillStyleLst>
       <a:lnStyleLst>
         <a:ln w="9525" cap="flat" cmpd="sng" algn="ctr">
           <a:solidFill>
-            <a:schemeClr val="phClr"/>
+            <a:schemeClr val="phClr">
+              <a:shade val="50000"/>
+              <a:satMod val="103000"/>
+            </a:schemeClr>
           </a:solidFill>
           <a:prstDash val="solid"/>
         </a:ln>
@@ -5824,7 +4721,7 @@
           </a:solidFill>
           <a:prstDash val="solid"/>
         </a:ln>
-        <a:ln w="25400" cap="flat" cmpd="sng" algn="ctr">
+        <a:ln w="38100" cap="flat" cmpd="sng" algn="ctr">
           <a:solidFill>
             <a:schemeClr val="phClr"/>
           </a:solidFill>
@@ -5834,59 +4731,46 @@
       <a:effectStyleLst>
         <a:effectStyle>
           <a:effectLst>
-            <a:outerShdw blurRad="63500" dist="25400" dir="5400000" rotWithShape="0">
-              <a:srgbClr val="000000">
-                <a:alpha val="43137"/>
-              </a:srgbClr>
+            <a:outerShdw blurRad="57150" dist="38100" dir="5400000" algn="ctr" rotWithShape="0">
+              <a:schemeClr val="phClr">
+                <a:shade val="9000"/>
+                <a:alpha val="48000"/>
+                <a:satMod val="105000"/>
+              </a:schemeClr>
             </a:outerShdw>
           </a:effectLst>
         </a:effectStyle>
         <a:effectStyle>
           <a:effectLst>
-            <a:outerShdw blurRad="63500" dist="25400" dir="5400000" rotWithShape="0">
-              <a:srgbClr val="000000">
-                <a:alpha val="43137"/>
-              </a:srgbClr>
+            <a:outerShdw blurRad="57150" dist="38100" dir="5400000" algn="ctr" rotWithShape="0">
+              <a:schemeClr val="phClr">
+                <a:shade val="9000"/>
+                <a:alpha val="48000"/>
+                <a:satMod val="105000"/>
+              </a:schemeClr>
+            </a:outerShdw>
+          </a:effectLst>
+        </a:effectStyle>
+        <a:effectStyle>
+          <a:effectLst>
+            <a:outerShdw blurRad="57150" dist="38100" dir="5400000" algn="ctr" rotWithShape="0">
+              <a:schemeClr val="phClr">
+                <a:shade val="9000"/>
+                <a:alpha val="48000"/>
+                <a:satMod val="105000"/>
+              </a:schemeClr>
             </a:outerShdw>
           </a:effectLst>
           <a:scene3d>
-            <a:camera prst="orthographicFront" fov="0">
+            <a:camera prst="orthographicFront">
               <a:rot lat="0" lon="0" rev="0"/>
             </a:camera>
-            <a:lightRig rig="brightRoom" dir="tl">
-              <a:rot lat="0" lon="0" rev="8700000"/>
+            <a:lightRig rig="glow" dir="tl">
+              <a:rot lat="0" lon="0" rev="900000"/>
             </a:lightRig>
           </a:scene3d>
-          <a:sp3d contourW="12700">
-            <a:bevelT w="0" h="0"/>
-            <a:contourClr>
-              <a:schemeClr val="phClr">
-                <a:shade val="80000"/>
-              </a:schemeClr>
-            </a:contourClr>
-          </a:sp3d>
-        </a:effectStyle>
-        <a:effectStyle>
-          <a:effectLst>
-            <a:outerShdw blurRad="63500" dist="25400" dir="5400000" rotWithShape="0">
-              <a:srgbClr val="000000">
-                <a:alpha val="43137"/>
-              </a:srgbClr>
-            </a:outerShdw>
-          </a:effectLst>
-          <a:scene3d>
-            <a:camera prst="orthographicFront" fov="0">
-              <a:rot lat="0" lon="0" rev="0"/>
-            </a:camera>
-            <a:lightRig rig="brightRoom" dir="tl">
-              <a:rot lat="0" lon="0" rev="5400000"/>
-            </a:lightRig>
-          </a:scene3d>
-          <a:sp3d contourW="12700">
-            <a:bevelT w="25400" h="50800" prst="angle"/>
-            <a:contourClr>
-              <a:schemeClr val="phClr"/>
-            </a:contourClr>
+          <a:sp3d prstMaterial="powder">
+            <a:bevelT w="25400" h="38100"/>
           </a:sp3d>
         </a:effectStyle>
       </a:effectStyleLst>
@@ -5898,41 +4782,41 @@
           <a:gsLst>
             <a:gs pos="0">
               <a:schemeClr val="phClr">
-                <a:tint val="60000"/>
-                <a:satMod val="355000"/>
+                <a:tint val="80000"/>
+                <a:satMod val="400000"/>
               </a:schemeClr>
             </a:gs>
-            <a:gs pos="40000">
+            <a:gs pos="25000">
               <a:schemeClr val="phClr">
-                <a:tint val="85000"/>
+                <a:tint val="83000"/>
                 <a:satMod val="320000"/>
               </a:schemeClr>
             </a:gs>
             <a:gs pos="100000">
               <a:schemeClr val="phClr">
-                <a:shade val="55000"/>
-                <a:satMod val="300000"/>
+                <a:shade val="15000"/>
+                <a:satMod val="320000"/>
               </a:schemeClr>
             </a:gs>
           </a:gsLst>
           <a:path path="circle">
-            <a:fillToRect l="-24500" t="-20000" r="124500" b="120000"/>
+            <a:fillToRect l="10000" t="110000" r="10000" b="100000"/>
           </a:path>
         </a:gradFill>
         <a:blipFill>
           <a:blip xmlns:r="http://schemas.openxmlformats.org/officeDocument/2006/relationships" r:embed="rId1">
             <a:duotone>
               <a:schemeClr val="phClr">
-                <a:shade val="9000"/>
-                <a:satMod val="300000"/>
+                <a:shade val="90000"/>
+                <a:satMod val="150000"/>
               </a:schemeClr>
               <a:schemeClr val="phClr">
-                <a:tint val="90000"/>
-                <a:satMod val="225000"/>
+                <a:tint val="88000"/>
+                <a:satMod val="150000"/>
               </a:schemeClr>
             </a:duotone>
           </a:blip>
-          <a:tile tx="0" ty="0" sx="90000" sy="90000" flip="xy" algn="tl"/>
+          <a:tile tx="0" ty="0" sx="65000" sy="65000" flip="none" algn="tl"/>
         </a:blipFill>
       </a:bgFillStyleLst>
     </a:fmtScheme>
